--- a/demo_site/files/slides/lecture11_hashtables2.pptx
+++ b/demo_site/files/slides/lecture11_hashtables2.pptx
@@ -5,10 +5,10 @@
     <p:sldMasterId id="2147483648" r:id="rId1"/>
   </p:sldMasterIdLst>
   <p:notesMasterIdLst>
-    <p:notesMasterId r:id="rId38"/>
+    <p:notesMasterId r:id="rId36"/>
   </p:notesMasterIdLst>
   <p:handoutMasterIdLst>
-    <p:handoutMasterId r:id="rId39"/>
+    <p:handoutMasterId r:id="rId37"/>
   </p:handoutMasterIdLst>
   <p:sldIdLst>
     <p:sldId id="256" r:id="rId2"/>
@@ -37,30 +37,28 @@
     <p:sldId id="365" r:id="rId25"/>
     <p:sldId id="370" r:id="rId26"/>
     <p:sldId id="371" r:id="rId27"/>
-    <p:sldId id="364" r:id="rId28"/>
-    <p:sldId id="372" r:id="rId29"/>
-    <p:sldId id="373" r:id="rId30"/>
-    <p:sldId id="375" r:id="rId31"/>
-    <p:sldId id="374" r:id="rId32"/>
-    <p:sldId id="366" r:id="rId33"/>
-    <p:sldId id="368" r:id="rId34"/>
-    <p:sldId id="369" r:id="rId35"/>
-    <p:sldId id="376" r:id="rId36"/>
-    <p:sldId id="377" r:id="rId37"/>
+    <p:sldId id="373" r:id="rId28"/>
+    <p:sldId id="375" r:id="rId29"/>
+    <p:sldId id="374" r:id="rId30"/>
+    <p:sldId id="366" r:id="rId31"/>
+    <p:sldId id="368" r:id="rId32"/>
+    <p:sldId id="369" r:id="rId33"/>
+    <p:sldId id="376" r:id="rId34"/>
+    <p:sldId id="377" r:id="rId35"/>
   </p:sldIdLst>
   <p:sldSz cx="12192000" cy="6858000"/>
   <p:notesSz cx="6858000" cy="9144000"/>
   <p:embeddedFontLst>
     <p:embeddedFont>
       <p:font typeface="Cambria Math" panose="02040503050406030204" pitchFamily="18" charset="0"/>
-      <p:regular r:id="rId40"/>
+      <p:regular r:id="rId38"/>
     </p:embeddedFont>
     <p:embeddedFont>
       <p:font typeface="Consolas" panose="020B0609020204030204" pitchFamily="49" charset="0"/>
-      <p:regular r:id="rId41"/>
-      <p:bold r:id="rId42"/>
-      <p:italic r:id="rId43"/>
-      <p:boldItalic r:id="rId44"/>
+      <p:regular r:id="rId39"/>
+      <p:bold r:id="rId40"/>
+      <p:italic r:id="rId41"/>
+      <p:boldItalic r:id="rId42"/>
     </p:embeddedFont>
   </p:embeddedFontLst>
   <p:defaultTextStyle>
@@ -269,7 +267,7 @@
           <a:p>
             <a:fld id="{83643542-CF0C-48D3-A91E-34CCD96FC74F}" type="datetimeFigureOut">
               <a:rPr lang="en-US" smtClean="0"/>
-              <a:t>1/29/2026</a:t>
+              <a:t>1/30/2026</a:t>
             </a:fld>
             <a:endParaRPr lang="en-US"/>
           </a:p>
@@ -446,7 +444,7 @@
           <a:p>
             <a:fld id="{E70D1F59-0C63-44D8-BE72-2266A9516CA1}" type="datetimeFigureOut">
               <a:rPr lang="en-US" smtClean="0"/>
-              <a:t>1/29/2026</a:t>
+              <a:t>1/30/2026</a:t>
             </a:fld>
             <a:endParaRPr lang="en-US"/>
           </a:p>
@@ -860,7 +858,7 @@
           <a:p>
             <a:fld id="{2DB93FBE-67AC-4C5C-B62E-CFFDEAF9BE53}" type="datetimeFigureOut">
               <a:rPr lang="en-US" smtClean="0"/>
-              <a:t>1/29/2026</a:t>
+              <a:t>1/30/2026</a:t>
             </a:fld>
             <a:endParaRPr lang="en-US"/>
           </a:p>
@@ -1058,7 +1056,7 @@
           <a:p>
             <a:fld id="{2DB93FBE-67AC-4C5C-B62E-CFFDEAF9BE53}" type="datetimeFigureOut">
               <a:rPr lang="en-US" smtClean="0"/>
-              <a:t>1/29/2026</a:t>
+              <a:t>1/30/2026</a:t>
             </a:fld>
             <a:endParaRPr lang="en-US"/>
           </a:p>
@@ -1266,7 +1264,7 @@
           <a:p>
             <a:fld id="{2DB93FBE-67AC-4C5C-B62E-CFFDEAF9BE53}" type="datetimeFigureOut">
               <a:rPr lang="en-US" smtClean="0"/>
-              <a:t>1/29/2026</a:t>
+              <a:t>1/30/2026</a:t>
             </a:fld>
             <a:endParaRPr lang="en-US"/>
           </a:p>
@@ -1464,7 +1462,7 @@
           <a:p>
             <a:fld id="{2DB93FBE-67AC-4C5C-B62E-CFFDEAF9BE53}" type="datetimeFigureOut">
               <a:rPr lang="en-US" smtClean="0"/>
-              <a:t>1/29/2026</a:t>
+              <a:t>1/30/2026</a:t>
             </a:fld>
             <a:endParaRPr lang="en-US"/>
           </a:p>
@@ -1739,7 +1737,7 @@
           <a:p>
             <a:fld id="{2DB93FBE-67AC-4C5C-B62E-CFFDEAF9BE53}" type="datetimeFigureOut">
               <a:rPr lang="en-US" smtClean="0"/>
-              <a:t>1/29/2026</a:t>
+              <a:t>1/30/2026</a:t>
             </a:fld>
             <a:endParaRPr lang="en-US"/>
           </a:p>
@@ -2004,7 +2002,7 @@
           <a:p>
             <a:fld id="{2DB93FBE-67AC-4C5C-B62E-CFFDEAF9BE53}" type="datetimeFigureOut">
               <a:rPr lang="en-US" smtClean="0"/>
-              <a:t>1/29/2026</a:t>
+              <a:t>1/30/2026</a:t>
             </a:fld>
             <a:endParaRPr lang="en-US"/>
           </a:p>
@@ -2416,7 +2414,7 @@
           <a:p>
             <a:fld id="{2DB93FBE-67AC-4C5C-B62E-CFFDEAF9BE53}" type="datetimeFigureOut">
               <a:rPr lang="en-US" smtClean="0"/>
-              <a:t>1/29/2026</a:t>
+              <a:t>1/30/2026</a:t>
             </a:fld>
             <a:endParaRPr lang="en-US"/>
           </a:p>
@@ -2557,7 +2555,7 @@
           <a:p>
             <a:fld id="{2DB93FBE-67AC-4C5C-B62E-CFFDEAF9BE53}" type="datetimeFigureOut">
               <a:rPr lang="en-US" smtClean="0"/>
-              <a:t>1/29/2026</a:t>
+              <a:t>1/30/2026</a:t>
             </a:fld>
             <a:endParaRPr lang="en-US"/>
           </a:p>
@@ -2670,7 +2668,7 @@
           <a:p>
             <a:fld id="{2DB93FBE-67AC-4C5C-B62E-CFFDEAF9BE53}" type="datetimeFigureOut">
               <a:rPr lang="en-US" smtClean="0"/>
-              <a:t>1/29/2026</a:t>
+              <a:t>1/30/2026</a:t>
             </a:fld>
             <a:endParaRPr lang="en-US"/>
           </a:p>
@@ -2981,7 +2979,7 @@
           <a:p>
             <a:fld id="{2DB93FBE-67AC-4C5C-B62E-CFFDEAF9BE53}" type="datetimeFigureOut">
               <a:rPr lang="en-US" smtClean="0"/>
-              <a:t>1/29/2026</a:t>
+              <a:t>1/30/2026</a:t>
             </a:fld>
             <a:endParaRPr lang="en-US"/>
           </a:p>
@@ -3269,7 +3267,7 @@
           <a:p>
             <a:fld id="{2DB93FBE-67AC-4C5C-B62E-CFFDEAF9BE53}" type="datetimeFigureOut">
               <a:rPr lang="en-US" smtClean="0"/>
-              <a:t>1/29/2026</a:t>
+              <a:t>1/30/2026</a:t>
             </a:fld>
             <a:endParaRPr lang="en-US"/>
           </a:p>
@@ -3510,7 +3508,7 @@
           <a:p>
             <a:fld id="{2DB93FBE-67AC-4C5C-B62E-CFFDEAF9BE53}" type="datetimeFigureOut">
               <a:rPr lang="en-US" smtClean="0"/>
-              <a:t>1/29/2026</a:t>
+              <a:t>1/30/2026</a:t>
             </a:fld>
             <a:endParaRPr lang="en-US"/>
           </a:p>
@@ -5951,8 +5949,8 @@
           </a:p>
         </p:txBody>
       </p:sp>
-      <mc:AlternateContent xmlns:mc="http://schemas.openxmlformats.org/markup-compatibility/2006">
-        <mc:Choice xmlns:a14="http://schemas.microsoft.com/office/drawing/2010/main" Requires="a14">
+      <mc:AlternateContent xmlns:mc="http://schemas.openxmlformats.org/markup-compatibility/2006" xmlns:a14="http://schemas.microsoft.com/office/drawing/2010/main">
+        <mc:Choice Requires="a14">
           <p:sp>
             <p:nvSpPr>
               <p:cNvPr id="3" name="Content Placeholder 2">
@@ -6158,7 +6156,7 @@
             </p:txBody>
           </p:sp>
         </mc:Choice>
-        <mc:Fallback>
+        <mc:Fallback xmlns="">
           <p:sp>
             <p:nvSpPr>
               <p:cNvPr id="3" name="Content Placeholder 2">
@@ -15235,8 +15233,8 @@
           </a:p>
         </p:txBody>
       </p:sp>
-      <mc:AlternateContent xmlns:mc="http://schemas.openxmlformats.org/markup-compatibility/2006">
-        <mc:Choice xmlns:a14="http://schemas.microsoft.com/office/drawing/2010/main" Requires="a14">
+      <mc:AlternateContent xmlns:mc="http://schemas.openxmlformats.org/markup-compatibility/2006" xmlns:a14="http://schemas.microsoft.com/office/drawing/2010/main">
+        <mc:Choice Requires="a14">
           <p:sp>
             <p:nvSpPr>
               <p:cNvPr id="3" name="Content Placeholder 2">
@@ -15442,7 +15440,7 @@
             </p:txBody>
           </p:sp>
         </mc:Choice>
-        <mc:Fallback>
+        <mc:Fallback xmlns="">
           <p:sp>
             <p:nvSpPr>
               <p:cNvPr id="3" name="Content Placeholder 2">
@@ -28869,2673 +28867,6 @@
           <a:lstStyle/>
           <a:p>
             <a:r>
-              <a:rPr lang="en-US" dirty="0"/>
-              <a:t>Let’s do this together!</a:t>
-            </a:r>
-          </a:p>
-        </p:txBody>
-      </p:sp>
-      <p:grpSp>
-        <p:nvGrpSpPr>
-          <p:cNvPr id="4" name="Group 3">
-            <a:extLst>
-              <a:ext uri="{FF2B5EF4-FFF2-40B4-BE49-F238E27FC236}">
-                <a16:creationId xmlns:a16="http://schemas.microsoft.com/office/drawing/2014/main" id="{3F387865-D6B3-8587-09E8-5CD31E13046E}"/>
-              </a:ext>
-            </a:extLst>
-          </p:cNvPr>
-          <p:cNvGrpSpPr/>
-          <p:nvPr/>
-        </p:nvGrpSpPr>
-        <p:grpSpPr>
-          <a:xfrm>
-            <a:off x="2895600" y="5467983"/>
-            <a:ext cx="6400800" cy="1097280"/>
-            <a:chOff x="4953000" y="660717"/>
-            <a:chExt cx="6400800" cy="1097280"/>
-          </a:xfrm>
-        </p:grpSpPr>
-        <p:grpSp>
-          <p:nvGrpSpPr>
-            <p:cNvPr id="5" name="Group 4">
-              <a:extLst>
-                <a:ext uri="{FF2B5EF4-FFF2-40B4-BE49-F238E27FC236}">
-                  <a16:creationId xmlns:a16="http://schemas.microsoft.com/office/drawing/2014/main" id="{31181C52-626F-FED7-E42B-5197B1371785}"/>
-                </a:ext>
-              </a:extLst>
-            </p:cNvPr>
-            <p:cNvGrpSpPr/>
-            <p:nvPr/>
-          </p:nvGrpSpPr>
-          <p:grpSpPr>
-            <a:xfrm>
-              <a:off x="4953000" y="660717"/>
-              <a:ext cx="6400800" cy="640080"/>
-              <a:chOff x="2252980" y="5083048"/>
-              <a:chExt cx="6400800" cy="640080"/>
-            </a:xfrm>
-          </p:grpSpPr>
-          <p:sp>
-            <p:nvSpPr>
-              <p:cNvPr id="17" name="Rectangle 16">
-                <a:extLst>
-                  <a:ext uri="{FF2B5EF4-FFF2-40B4-BE49-F238E27FC236}">
-                    <a16:creationId xmlns:a16="http://schemas.microsoft.com/office/drawing/2014/main" id="{B1A939B2-C32B-6627-7D0A-988872501ED4}"/>
-                  </a:ext>
-                </a:extLst>
-              </p:cNvPr>
-              <p:cNvSpPr/>
-              <p:nvPr/>
-            </p:nvSpPr>
-            <p:spPr>
-              <a:xfrm>
-                <a:off x="2252980" y="5083048"/>
-                <a:ext cx="640080" cy="640080"/>
-              </a:xfrm>
-              <a:prstGeom prst="rect">
-                <a:avLst/>
-              </a:prstGeom>
-              <a:solidFill>
-                <a:schemeClr val="bg1"/>
-              </a:solidFill>
-            </p:spPr>
-            <p:style>
-              <a:lnRef idx="2">
-                <a:schemeClr val="accent1">
-                  <a:shade val="15000"/>
-                </a:schemeClr>
-              </a:lnRef>
-              <a:fillRef idx="1">
-                <a:schemeClr val="accent1"/>
-              </a:fillRef>
-              <a:effectRef idx="0">
-                <a:schemeClr val="accent1"/>
-              </a:effectRef>
-              <a:fontRef idx="minor">
-                <a:schemeClr val="lt1"/>
-              </a:fontRef>
-            </p:style>
-            <p:txBody>
-              <a:bodyPr rtlCol="0" anchor="ctr"/>
-              <a:lstStyle/>
-              <a:p>
-                <a:pPr algn="ctr"/>
-                <a:endParaRPr lang="en-US" sz="2800" dirty="0">
-                  <a:solidFill>
-                    <a:schemeClr val="tx1"/>
-                  </a:solidFill>
-                </a:endParaRPr>
-              </a:p>
-            </p:txBody>
-          </p:sp>
-          <p:sp>
-            <p:nvSpPr>
-              <p:cNvPr id="18" name="Rectangle 17">
-                <a:extLst>
-                  <a:ext uri="{FF2B5EF4-FFF2-40B4-BE49-F238E27FC236}">
-                    <a16:creationId xmlns:a16="http://schemas.microsoft.com/office/drawing/2014/main" id="{B919772A-B0F4-4ADD-DB4F-9629D7C55125}"/>
-                  </a:ext>
-                </a:extLst>
-              </p:cNvPr>
-              <p:cNvSpPr/>
-              <p:nvPr/>
-            </p:nvSpPr>
-            <p:spPr>
-              <a:xfrm>
-                <a:off x="2893060" y="5083048"/>
-                <a:ext cx="640080" cy="640080"/>
-              </a:xfrm>
-              <a:prstGeom prst="rect">
-                <a:avLst/>
-              </a:prstGeom>
-              <a:solidFill>
-                <a:schemeClr val="bg1"/>
-              </a:solidFill>
-            </p:spPr>
-            <p:style>
-              <a:lnRef idx="2">
-                <a:schemeClr val="accent1">
-                  <a:shade val="15000"/>
-                </a:schemeClr>
-              </a:lnRef>
-              <a:fillRef idx="1">
-                <a:schemeClr val="accent1"/>
-              </a:fillRef>
-              <a:effectRef idx="0">
-                <a:schemeClr val="accent1"/>
-              </a:effectRef>
-              <a:fontRef idx="minor">
-                <a:schemeClr val="lt1"/>
-              </a:fontRef>
-            </p:style>
-            <p:txBody>
-              <a:bodyPr rtlCol="0" anchor="ctr"/>
-              <a:lstStyle/>
-              <a:p>
-                <a:pPr algn="ctr"/>
-                <a:endParaRPr lang="en-US" sz="2800" dirty="0">
-                  <a:solidFill>
-                    <a:schemeClr val="tx1"/>
-                  </a:solidFill>
-                </a:endParaRPr>
-              </a:p>
-            </p:txBody>
-          </p:sp>
-          <p:sp>
-            <p:nvSpPr>
-              <p:cNvPr id="19" name="Rectangle 18">
-                <a:extLst>
-                  <a:ext uri="{FF2B5EF4-FFF2-40B4-BE49-F238E27FC236}">
-                    <a16:creationId xmlns:a16="http://schemas.microsoft.com/office/drawing/2014/main" id="{C60AC0AE-1B49-6671-B294-33F730D82761}"/>
-                  </a:ext>
-                </a:extLst>
-              </p:cNvPr>
-              <p:cNvSpPr/>
-              <p:nvPr/>
-            </p:nvSpPr>
-            <p:spPr>
-              <a:xfrm>
-                <a:off x="3533140" y="5083048"/>
-                <a:ext cx="640080" cy="640080"/>
-              </a:xfrm>
-              <a:prstGeom prst="rect">
-                <a:avLst/>
-              </a:prstGeom>
-              <a:solidFill>
-                <a:schemeClr val="bg1"/>
-              </a:solidFill>
-            </p:spPr>
-            <p:style>
-              <a:lnRef idx="2">
-                <a:schemeClr val="accent1">
-                  <a:shade val="15000"/>
-                </a:schemeClr>
-              </a:lnRef>
-              <a:fillRef idx="1">
-                <a:schemeClr val="accent1"/>
-              </a:fillRef>
-              <a:effectRef idx="0">
-                <a:schemeClr val="accent1"/>
-              </a:effectRef>
-              <a:fontRef idx="minor">
-                <a:schemeClr val="lt1"/>
-              </a:fontRef>
-            </p:style>
-            <p:txBody>
-              <a:bodyPr rtlCol="0" anchor="ctr"/>
-              <a:lstStyle/>
-              <a:p>
-                <a:pPr algn="ctr"/>
-                <a:endParaRPr lang="en-US" sz="2800" dirty="0">
-                  <a:solidFill>
-                    <a:schemeClr val="tx1"/>
-                  </a:solidFill>
-                </a:endParaRPr>
-              </a:p>
-            </p:txBody>
-          </p:sp>
-          <p:sp>
-            <p:nvSpPr>
-              <p:cNvPr id="20" name="Rectangle 19">
-                <a:extLst>
-                  <a:ext uri="{FF2B5EF4-FFF2-40B4-BE49-F238E27FC236}">
-                    <a16:creationId xmlns:a16="http://schemas.microsoft.com/office/drawing/2014/main" id="{896B516C-93B9-57A5-6B86-232A242A0550}"/>
-                  </a:ext>
-                </a:extLst>
-              </p:cNvPr>
-              <p:cNvSpPr/>
-              <p:nvPr/>
-            </p:nvSpPr>
-            <p:spPr>
-              <a:xfrm>
-                <a:off x="4173220" y="5083048"/>
-                <a:ext cx="640080" cy="640080"/>
-              </a:xfrm>
-              <a:prstGeom prst="rect">
-                <a:avLst/>
-              </a:prstGeom>
-              <a:solidFill>
-                <a:schemeClr val="bg1"/>
-              </a:solidFill>
-            </p:spPr>
-            <p:style>
-              <a:lnRef idx="2">
-                <a:schemeClr val="accent1">
-                  <a:shade val="15000"/>
-                </a:schemeClr>
-              </a:lnRef>
-              <a:fillRef idx="1">
-                <a:schemeClr val="accent1"/>
-              </a:fillRef>
-              <a:effectRef idx="0">
-                <a:schemeClr val="accent1"/>
-              </a:effectRef>
-              <a:fontRef idx="minor">
-                <a:schemeClr val="lt1"/>
-              </a:fontRef>
-            </p:style>
-            <p:txBody>
-              <a:bodyPr rtlCol="0" anchor="ctr"/>
-              <a:lstStyle/>
-              <a:p>
-                <a:pPr algn="ctr"/>
-                <a:endParaRPr lang="en-US" sz="2800" dirty="0">
-                  <a:solidFill>
-                    <a:schemeClr val="tx1"/>
-                  </a:solidFill>
-                </a:endParaRPr>
-              </a:p>
-            </p:txBody>
-          </p:sp>
-          <p:sp>
-            <p:nvSpPr>
-              <p:cNvPr id="21" name="Rectangle 20">
-                <a:extLst>
-                  <a:ext uri="{FF2B5EF4-FFF2-40B4-BE49-F238E27FC236}">
-                    <a16:creationId xmlns:a16="http://schemas.microsoft.com/office/drawing/2014/main" id="{5EED7752-D7E4-7171-A7FE-B10E19044DA8}"/>
-                  </a:ext>
-                </a:extLst>
-              </p:cNvPr>
-              <p:cNvSpPr/>
-              <p:nvPr/>
-            </p:nvSpPr>
-            <p:spPr>
-              <a:xfrm>
-                <a:off x="4813300" y="5083048"/>
-                <a:ext cx="640080" cy="640080"/>
-              </a:xfrm>
-              <a:prstGeom prst="rect">
-                <a:avLst/>
-              </a:prstGeom>
-              <a:solidFill>
-                <a:schemeClr val="bg1"/>
-              </a:solidFill>
-            </p:spPr>
-            <p:style>
-              <a:lnRef idx="2">
-                <a:schemeClr val="accent1">
-                  <a:shade val="15000"/>
-                </a:schemeClr>
-              </a:lnRef>
-              <a:fillRef idx="1">
-                <a:schemeClr val="accent1"/>
-              </a:fillRef>
-              <a:effectRef idx="0">
-                <a:schemeClr val="accent1"/>
-              </a:effectRef>
-              <a:fontRef idx="minor">
-                <a:schemeClr val="lt1"/>
-              </a:fontRef>
-            </p:style>
-            <p:txBody>
-              <a:bodyPr rtlCol="0" anchor="ctr"/>
-              <a:lstStyle/>
-              <a:p>
-                <a:pPr algn="ctr"/>
-                <a:endParaRPr lang="en-US" sz="2800" dirty="0">
-                  <a:solidFill>
-                    <a:schemeClr val="tx1"/>
-                  </a:solidFill>
-                </a:endParaRPr>
-              </a:p>
-            </p:txBody>
-          </p:sp>
-          <p:sp>
-            <p:nvSpPr>
-              <p:cNvPr id="22" name="Rectangle 21">
-                <a:extLst>
-                  <a:ext uri="{FF2B5EF4-FFF2-40B4-BE49-F238E27FC236}">
-                    <a16:creationId xmlns:a16="http://schemas.microsoft.com/office/drawing/2014/main" id="{E1575A89-6E67-D480-DD5F-3137641C88E0}"/>
-                  </a:ext>
-                </a:extLst>
-              </p:cNvPr>
-              <p:cNvSpPr/>
-              <p:nvPr/>
-            </p:nvSpPr>
-            <p:spPr>
-              <a:xfrm>
-                <a:off x="5453380" y="5083048"/>
-                <a:ext cx="640080" cy="640080"/>
-              </a:xfrm>
-              <a:prstGeom prst="rect">
-                <a:avLst/>
-              </a:prstGeom>
-              <a:solidFill>
-                <a:schemeClr val="bg1"/>
-              </a:solidFill>
-            </p:spPr>
-            <p:style>
-              <a:lnRef idx="2">
-                <a:schemeClr val="accent1">
-                  <a:shade val="15000"/>
-                </a:schemeClr>
-              </a:lnRef>
-              <a:fillRef idx="1">
-                <a:schemeClr val="accent1"/>
-              </a:fillRef>
-              <a:effectRef idx="0">
-                <a:schemeClr val="accent1"/>
-              </a:effectRef>
-              <a:fontRef idx="minor">
-                <a:schemeClr val="lt1"/>
-              </a:fontRef>
-            </p:style>
-            <p:txBody>
-              <a:bodyPr rtlCol="0" anchor="ctr"/>
-              <a:lstStyle/>
-              <a:p>
-                <a:pPr algn="ctr"/>
-                <a:endParaRPr lang="en-US" sz="2800" dirty="0">
-                  <a:solidFill>
-                    <a:schemeClr val="tx1"/>
-                  </a:solidFill>
-                </a:endParaRPr>
-              </a:p>
-            </p:txBody>
-          </p:sp>
-          <p:sp>
-            <p:nvSpPr>
-              <p:cNvPr id="23" name="Rectangle 22">
-                <a:extLst>
-                  <a:ext uri="{FF2B5EF4-FFF2-40B4-BE49-F238E27FC236}">
-                    <a16:creationId xmlns:a16="http://schemas.microsoft.com/office/drawing/2014/main" id="{43F8F715-4079-97B3-A6A5-2A78BD64DF81}"/>
-                  </a:ext>
-                </a:extLst>
-              </p:cNvPr>
-              <p:cNvSpPr/>
-              <p:nvPr/>
-            </p:nvSpPr>
-            <p:spPr>
-              <a:xfrm>
-                <a:off x="6093460" y="5083048"/>
-                <a:ext cx="640080" cy="640080"/>
-              </a:xfrm>
-              <a:prstGeom prst="rect">
-                <a:avLst/>
-              </a:prstGeom>
-              <a:solidFill>
-                <a:schemeClr val="bg1"/>
-              </a:solidFill>
-            </p:spPr>
-            <p:style>
-              <a:lnRef idx="2">
-                <a:schemeClr val="accent1">
-                  <a:shade val="15000"/>
-                </a:schemeClr>
-              </a:lnRef>
-              <a:fillRef idx="1">
-                <a:schemeClr val="accent1"/>
-              </a:fillRef>
-              <a:effectRef idx="0">
-                <a:schemeClr val="accent1"/>
-              </a:effectRef>
-              <a:fontRef idx="minor">
-                <a:schemeClr val="lt1"/>
-              </a:fontRef>
-            </p:style>
-            <p:txBody>
-              <a:bodyPr rtlCol="0" anchor="ctr"/>
-              <a:lstStyle/>
-              <a:p>
-                <a:pPr algn="ctr"/>
-                <a:endParaRPr lang="en-US" sz="2800" dirty="0">
-                  <a:solidFill>
-                    <a:schemeClr val="tx1"/>
-                  </a:solidFill>
-                </a:endParaRPr>
-              </a:p>
-            </p:txBody>
-          </p:sp>
-          <p:sp>
-            <p:nvSpPr>
-              <p:cNvPr id="24" name="Rectangle 23">
-                <a:extLst>
-                  <a:ext uri="{FF2B5EF4-FFF2-40B4-BE49-F238E27FC236}">
-                    <a16:creationId xmlns:a16="http://schemas.microsoft.com/office/drawing/2014/main" id="{1D9C4C72-1025-EC8B-3ACA-FABBC3652DA2}"/>
-                  </a:ext>
-                </a:extLst>
-              </p:cNvPr>
-              <p:cNvSpPr/>
-              <p:nvPr/>
-            </p:nvSpPr>
-            <p:spPr>
-              <a:xfrm>
-                <a:off x="6733540" y="5083048"/>
-                <a:ext cx="640080" cy="640080"/>
-              </a:xfrm>
-              <a:prstGeom prst="rect">
-                <a:avLst/>
-              </a:prstGeom>
-              <a:solidFill>
-                <a:schemeClr val="bg1"/>
-              </a:solidFill>
-            </p:spPr>
-            <p:style>
-              <a:lnRef idx="2">
-                <a:schemeClr val="accent1">
-                  <a:shade val="15000"/>
-                </a:schemeClr>
-              </a:lnRef>
-              <a:fillRef idx="1">
-                <a:schemeClr val="accent1"/>
-              </a:fillRef>
-              <a:effectRef idx="0">
-                <a:schemeClr val="accent1"/>
-              </a:effectRef>
-              <a:fontRef idx="minor">
-                <a:schemeClr val="lt1"/>
-              </a:fontRef>
-            </p:style>
-            <p:txBody>
-              <a:bodyPr rtlCol="0" anchor="ctr"/>
-              <a:lstStyle/>
-              <a:p>
-                <a:pPr algn="ctr"/>
-                <a:endParaRPr lang="en-US" sz="2800" dirty="0">
-                  <a:solidFill>
-                    <a:schemeClr val="tx1"/>
-                  </a:solidFill>
-                </a:endParaRPr>
-              </a:p>
-            </p:txBody>
-          </p:sp>
-          <p:sp>
-            <p:nvSpPr>
-              <p:cNvPr id="25" name="Rectangle 24">
-                <a:extLst>
-                  <a:ext uri="{FF2B5EF4-FFF2-40B4-BE49-F238E27FC236}">
-                    <a16:creationId xmlns:a16="http://schemas.microsoft.com/office/drawing/2014/main" id="{1B4C3245-CE3A-9FF3-02B6-13180C87DCAB}"/>
-                  </a:ext>
-                </a:extLst>
-              </p:cNvPr>
-              <p:cNvSpPr/>
-              <p:nvPr/>
-            </p:nvSpPr>
-            <p:spPr>
-              <a:xfrm>
-                <a:off x="7373620" y="5083048"/>
-                <a:ext cx="640080" cy="640080"/>
-              </a:xfrm>
-              <a:prstGeom prst="rect">
-                <a:avLst/>
-              </a:prstGeom>
-              <a:solidFill>
-                <a:schemeClr val="bg1"/>
-              </a:solidFill>
-            </p:spPr>
-            <p:style>
-              <a:lnRef idx="2">
-                <a:schemeClr val="accent1">
-                  <a:shade val="15000"/>
-                </a:schemeClr>
-              </a:lnRef>
-              <a:fillRef idx="1">
-                <a:schemeClr val="accent1"/>
-              </a:fillRef>
-              <a:effectRef idx="0">
-                <a:schemeClr val="accent1"/>
-              </a:effectRef>
-              <a:fontRef idx="minor">
-                <a:schemeClr val="lt1"/>
-              </a:fontRef>
-            </p:style>
-            <p:txBody>
-              <a:bodyPr rtlCol="0" anchor="ctr"/>
-              <a:lstStyle/>
-              <a:p>
-                <a:pPr algn="ctr"/>
-                <a:endParaRPr lang="en-US" sz="2800" dirty="0">
-                  <a:solidFill>
-                    <a:schemeClr val="tx1"/>
-                  </a:solidFill>
-                </a:endParaRPr>
-              </a:p>
-            </p:txBody>
-          </p:sp>
-          <p:sp>
-            <p:nvSpPr>
-              <p:cNvPr id="26" name="Rectangle 25">
-                <a:extLst>
-                  <a:ext uri="{FF2B5EF4-FFF2-40B4-BE49-F238E27FC236}">
-                    <a16:creationId xmlns:a16="http://schemas.microsoft.com/office/drawing/2014/main" id="{8B1430E6-19F4-92A9-81E3-2A173BB21087}"/>
-                  </a:ext>
-                </a:extLst>
-              </p:cNvPr>
-              <p:cNvSpPr/>
-              <p:nvPr/>
-            </p:nvSpPr>
-            <p:spPr>
-              <a:xfrm>
-                <a:off x="8013700" y="5083048"/>
-                <a:ext cx="640080" cy="640080"/>
-              </a:xfrm>
-              <a:prstGeom prst="rect">
-                <a:avLst/>
-              </a:prstGeom>
-              <a:solidFill>
-                <a:schemeClr val="bg1"/>
-              </a:solidFill>
-            </p:spPr>
-            <p:style>
-              <a:lnRef idx="2">
-                <a:schemeClr val="accent1">
-                  <a:shade val="15000"/>
-                </a:schemeClr>
-              </a:lnRef>
-              <a:fillRef idx="1">
-                <a:schemeClr val="accent1"/>
-              </a:fillRef>
-              <a:effectRef idx="0">
-                <a:schemeClr val="accent1"/>
-              </a:effectRef>
-              <a:fontRef idx="minor">
-                <a:schemeClr val="lt1"/>
-              </a:fontRef>
-            </p:style>
-            <p:txBody>
-              <a:bodyPr rtlCol="0" anchor="ctr"/>
-              <a:lstStyle/>
-              <a:p>
-                <a:pPr algn="ctr"/>
-                <a:endParaRPr lang="en-US" sz="2800" dirty="0">
-                  <a:solidFill>
-                    <a:schemeClr val="tx1"/>
-                  </a:solidFill>
-                </a:endParaRPr>
-              </a:p>
-            </p:txBody>
-          </p:sp>
-        </p:grpSp>
-        <p:grpSp>
-          <p:nvGrpSpPr>
-            <p:cNvPr id="6" name="Group 5">
-              <a:extLst>
-                <a:ext uri="{FF2B5EF4-FFF2-40B4-BE49-F238E27FC236}">
-                  <a16:creationId xmlns:a16="http://schemas.microsoft.com/office/drawing/2014/main" id="{75B83A83-94DE-8C82-C87A-70DDD7775F65}"/>
-                </a:ext>
-              </a:extLst>
-            </p:cNvPr>
-            <p:cNvGrpSpPr/>
-            <p:nvPr/>
-          </p:nvGrpSpPr>
-          <p:grpSpPr>
-            <a:xfrm>
-              <a:off x="4953000" y="1117917"/>
-              <a:ext cx="6400800" cy="640080"/>
-              <a:chOff x="2252980" y="5083048"/>
-              <a:chExt cx="6400800" cy="640080"/>
-            </a:xfrm>
-            <a:noFill/>
-          </p:grpSpPr>
-          <p:sp>
-            <p:nvSpPr>
-              <p:cNvPr id="7" name="Rectangle 6">
-                <a:extLst>
-                  <a:ext uri="{FF2B5EF4-FFF2-40B4-BE49-F238E27FC236}">
-                    <a16:creationId xmlns:a16="http://schemas.microsoft.com/office/drawing/2014/main" id="{3839240A-6DCC-53C4-D040-B382ACE17715}"/>
-                  </a:ext>
-                </a:extLst>
-              </p:cNvPr>
-              <p:cNvSpPr/>
-              <p:nvPr/>
-            </p:nvSpPr>
-            <p:spPr>
-              <a:xfrm>
-                <a:off x="2252980" y="5083048"/>
-                <a:ext cx="640080" cy="640080"/>
-              </a:xfrm>
-              <a:prstGeom prst="rect">
-                <a:avLst/>
-              </a:prstGeom>
-              <a:grpFill/>
-              <a:ln>
-                <a:noFill/>
-              </a:ln>
-            </p:spPr>
-            <p:style>
-              <a:lnRef idx="2">
-                <a:schemeClr val="accent1">
-                  <a:shade val="15000"/>
-                </a:schemeClr>
-              </a:lnRef>
-              <a:fillRef idx="1">
-                <a:schemeClr val="accent1"/>
-              </a:fillRef>
-              <a:effectRef idx="0">
-                <a:schemeClr val="accent1"/>
-              </a:effectRef>
-              <a:fontRef idx="minor">
-                <a:schemeClr val="lt1"/>
-              </a:fontRef>
-            </p:style>
-            <p:txBody>
-              <a:bodyPr rtlCol="0" anchor="ctr"/>
-              <a:lstStyle/>
-              <a:p>
-                <a:pPr algn="ctr"/>
-                <a:r>
-                  <a:rPr lang="en-US" sz="2800" dirty="0">
-                    <a:solidFill>
-                      <a:schemeClr val="tx1"/>
-                    </a:solidFill>
-                  </a:rPr>
-                  <a:t>0</a:t>
-                </a:r>
-              </a:p>
-            </p:txBody>
-          </p:sp>
-          <p:sp>
-            <p:nvSpPr>
-              <p:cNvPr id="8" name="Rectangle 7">
-                <a:extLst>
-                  <a:ext uri="{FF2B5EF4-FFF2-40B4-BE49-F238E27FC236}">
-                    <a16:creationId xmlns:a16="http://schemas.microsoft.com/office/drawing/2014/main" id="{4BB6038A-3189-2451-C956-1CC4E3230B8D}"/>
-                  </a:ext>
-                </a:extLst>
-              </p:cNvPr>
-              <p:cNvSpPr/>
-              <p:nvPr/>
-            </p:nvSpPr>
-            <p:spPr>
-              <a:xfrm>
-                <a:off x="2893060" y="5083048"/>
-                <a:ext cx="640080" cy="640080"/>
-              </a:xfrm>
-              <a:prstGeom prst="rect">
-                <a:avLst/>
-              </a:prstGeom>
-              <a:grpFill/>
-              <a:ln>
-                <a:noFill/>
-              </a:ln>
-            </p:spPr>
-            <p:style>
-              <a:lnRef idx="2">
-                <a:schemeClr val="accent1">
-                  <a:shade val="15000"/>
-                </a:schemeClr>
-              </a:lnRef>
-              <a:fillRef idx="1">
-                <a:schemeClr val="accent1"/>
-              </a:fillRef>
-              <a:effectRef idx="0">
-                <a:schemeClr val="accent1"/>
-              </a:effectRef>
-              <a:fontRef idx="minor">
-                <a:schemeClr val="lt1"/>
-              </a:fontRef>
-            </p:style>
-            <p:txBody>
-              <a:bodyPr rtlCol="0" anchor="ctr"/>
-              <a:lstStyle/>
-              <a:p>
-                <a:pPr algn="ctr"/>
-                <a:r>
-                  <a:rPr lang="en-US" sz="2800" dirty="0">
-                    <a:solidFill>
-                      <a:schemeClr val="tx1"/>
-                    </a:solidFill>
-                  </a:rPr>
-                  <a:t>1</a:t>
-                </a:r>
-              </a:p>
-            </p:txBody>
-          </p:sp>
-          <p:sp>
-            <p:nvSpPr>
-              <p:cNvPr id="9" name="Rectangle 8">
-                <a:extLst>
-                  <a:ext uri="{FF2B5EF4-FFF2-40B4-BE49-F238E27FC236}">
-                    <a16:creationId xmlns:a16="http://schemas.microsoft.com/office/drawing/2014/main" id="{37D5C3A8-31FF-19C5-01D2-FDA293EB0CC0}"/>
-                  </a:ext>
-                </a:extLst>
-              </p:cNvPr>
-              <p:cNvSpPr/>
-              <p:nvPr/>
-            </p:nvSpPr>
-            <p:spPr>
-              <a:xfrm>
-                <a:off x="3533140" y="5083048"/>
-                <a:ext cx="640080" cy="640080"/>
-              </a:xfrm>
-              <a:prstGeom prst="rect">
-                <a:avLst/>
-              </a:prstGeom>
-              <a:grpFill/>
-              <a:ln>
-                <a:noFill/>
-              </a:ln>
-            </p:spPr>
-            <p:style>
-              <a:lnRef idx="2">
-                <a:schemeClr val="accent1">
-                  <a:shade val="15000"/>
-                </a:schemeClr>
-              </a:lnRef>
-              <a:fillRef idx="1">
-                <a:schemeClr val="accent1"/>
-              </a:fillRef>
-              <a:effectRef idx="0">
-                <a:schemeClr val="accent1"/>
-              </a:effectRef>
-              <a:fontRef idx="minor">
-                <a:schemeClr val="lt1"/>
-              </a:fontRef>
-            </p:style>
-            <p:txBody>
-              <a:bodyPr rtlCol="0" anchor="ctr"/>
-              <a:lstStyle/>
-              <a:p>
-                <a:pPr algn="ctr"/>
-                <a:r>
-                  <a:rPr lang="en-US" sz="2800" dirty="0">
-                    <a:solidFill>
-                      <a:schemeClr val="tx1"/>
-                    </a:solidFill>
-                  </a:rPr>
-                  <a:t>2</a:t>
-                </a:r>
-              </a:p>
-            </p:txBody>
-          </p:sp>
-          <p:sp>
-            <p:nvSpPr>
-              <p:cNvPr id="10" name="Rectangle 9">
-                <a:extLst>
-                  <a:ext uri="{FF2B5EF4-FFF2-40B4-BE49-F238E27FC236}">
-                    <a16:creationId xmlns:a16="http://schemas.microsoft.com/office/drawing/2014/main" id="{50102509-1C4B-5D84-C96E-A5AE1AAF3AFF}"/>
-                  </a:ext>
-                </a:extLst>
-              </p:cNvPr>
-              <p:cNvSpPr/>
-              <p:nvPr/>
-            </p:nvSpPr>
-            <p:spPr>
-              <a:xfrm>
-                <a:off x="4173220" y="5083048"/>
-                <a:ext cx="640080" cy="640080"/>
-              </a:xfrm>
-              <a:prstGeom prst="rect">
-                <a:avLst/>
-              </a:prstGeom>
-              <a:grpFill/>
-              <a:ln>
-                <a:noFill/>
-              </a:ln>
-            </p:spPr>
-            <p:style>
-              <a:lnRef idx="2">
-                <a:schemeClr val="accent1">
-                  <a:shade val="15000"/>
-                </a:schemeClr>
-              </a:lnRef>
-              <a:fillRef idx="1">
-                <a:schemeClr val="accent1"/>
-              </a:fillRef>
-              <a:effectRef idx="0">
-                <a:schemeClr val="accent1"/>
-              </a:effectRef>
-              <a:fontRef idx="minor">
-                <a:schemeClr val="lt1"/>
-              </a:fontRef>
-            </p:style>
-            <p:txBody>
-              <a:bodyPr rtlCol="0" anchor="ctr"/>
-              <a:lstStyle/>
-              <a:p>
-                <a:pPr algn="ctr"/>
-                <a:r>
-                  <a:rPr lang="en-US" sz="2800" dirty="0">
-                    <a:solidFill>
-                      <a:schemeClr val="tx1"/>
-                    </a:solidFill>
-                  </a:rPr>
-                  <a:t>3</a:t>
-                </a:r>
-              </a:p>
-            </p:txBody>
-          </p:sp>
-          <p:sp>
-            <p:nvSpPr>
-              <p:cNvPr id="11" name="Rectangle 10">
-                <a:extLst>
-                  <a:ext uri="{FF2B5EF4-FFF2-40B4-BE49-F238E27FC236}">
-                    <a16:creationId xmlns:a16="http://schemas.microsoft.com/office/drawing/2014/main" id="{52436469-A3A6-DF70-D8C0-9999C0D8541B}"/>
-                  </a:ext>
-                </a:extLst>
-              </p:cNvPr>
-              <p:cNvSpPr/>
-              <p:nvPr/>
-            </p:nvSpPr>
-            <p:spPr>
-              <a:xfrm>
-                <a:off x="4813300" y="5083048"/>
-                <a:ext cx="640080" cy="640080"/>
-              </a:xfrm>
-              <a:prstGeom prst="rect">
-                <a:avLst/>
-              </a:prstGeom>
-              <a:grpFill/>
-              <a:ln>
-                <a:noFill/>
-              </a:ln>
-            </p:spPr>
-            <p:style>
-              <a:lnRef idx="2">
-                <a:schemeClr val="accent1">
-                  <a:shade val="15000"/>
-                </a:schemeClr>
-              </a:lnRef>
-              <a:fillRef idx="1">
-                <a:schemeClr val="accent1"/>
-              </a:fillRef>
-              <a:effectRef idx="0">
-                <a:schemeClr val="accent1"/>
-              </a:effectRef>
-              <a:fontRef idx="minor">
-                <a:schemeClr val="lt1"/>
-              </a:fontRef>
-            </p:style>
-            <p:txBody>
-              <a:bodyPr rtlCol="0" anchor="ctr"/>
-              <a:lstStyle/>
-              <a:p>
-                <a:pPr algn="ctr"/>
-                <a:r>
-                  <a:rPr lang="en-US" sz="2800" dirty="0">
-                    <a:solidFill>
-                      <a:schemeClr val="tx1"/>
-                    </a:solidFill>
-                  </a:rPr>
-                  <a:t>4</a:t>
-                </a:r>
-              </a:p>
-            </p:txBody>
-          </p:sp>
-          <p:sp>
-            <p:nvSpPr>
-              <p:cNvPr id="12" name="Rectangle 11">
-                <a:extLst>
-                  <a:ext uri="{FF2B5EF4-FFF2-40B4-BE49-F238E27FC236}">
-                    <a16:creationId xmlns:a16="http://schemas.microsoft.com/office/drawing/2014/main" id="{6A643D0A-07F3-117B-A8BB-008B9DDDA498}"/>
-                  </a:ext>
-                </a:extLst>
-              </p:cNvPr>
-              <p:cNvSpPr/>
-              <p:nvPr/>
-            </p:nvSpPr>
-            <p:spPr>
-              <a:xfrm>
-                <a:off x="5453380" y="5083048"/>
-                <a:ext cx="640080" cy="640080"/>
-              </a:xfrm>
-              <a:prstGeom prst="rect">
-                <a:avLst/>
-              </a:prstGeom>
-              <a:grpFill/>
-              <a:ln>
-                <a:noFill/>
-              </a:ln>
-            </p:spPr>
-            <p:style>
-              <a:lnRef idx="2">
-                <a:schemeClr val="accent1">
-                  <a:shade val="15000"/>
-                </a:schemeClr>
-              </a:lnRef>
-              <a:fillRef idx="1">
-                <a:schemeClr val="accent1"/>
-              </a:fillRef>
-              <a:effectRef idx="0">
-                <a:schemeClr val="accent1"/>
-              </a:effectRef>
-              <a:fontRef idx="minor">
-                <a:schemeClr val="lt1"/>
-              </a:fontRef>
-            </p:style>
-            <p:txBody>
-              <a:bodyPr rtlCol="0" anchor="ctr"/>
-              <a:lstStyle/>
-              <a:p>
-                <a:pPr algn="ctr"/>
-                <a:r>
-                  <a:rPr lang="en-US" sz="2800" dirty="0">
-                    <a:solidFill>
-                      <a:schemeClr val="tx1"/>
-                    </a:solidFill>
-                  </a:rPr>
-                  <a:t>5</a:t>
-                </a:r>
-              </a:p>
-            </p:txBody>
-          </p:sp>
-          <p:sp>
-            <p:nvSpPr>
-              <p:cNvPr id="13" name="Rectangle 12">
-                <a:extLst>
-                  <a:ext uri="{FF2B5EF4-FFF2-40B4-BE49-F238E27FC236}">
-                    <a16:creationId xmlns:a16="http://schemas.microsoft.com/office/drawing/2014/main" id="{E65022D3-8588-6E98-AA75-FEE59861FF49}"/>
-                  </a:ext>
-                </a:extLst>
-              </p:cNvPr>
-              <p:cNvSpPr/>
-              <p:nvPr/>
-            </p:nvSpPr>
-            <p:spPr>
-              <a:xfrm>
-                <a:off x="6093460" y="5083048"/>
-                <a:ext cx="640080" cy="640080"/>
-              </a:xfrm>
-              <a:prstGeom prst="rect">
-                <a:avLst/>
-              </a:prstGeom>
-              <a:grpFill/>
-              <a:ln>
-                <a:noFill/>
-              </a:ln>
-            </p:spPr>
-            <p:style>
-              <a:lnRef idx="2">
-                <a:schemeClr val="accent1">
-                  <a:shade val="15000"/>
-                </a:schemeClr>
-              </a:lnRef>
-              <a:fillRef idx="1">
-                <a:schemeClr val="accent1"/>
-              </a:fillRef>
-              <a:effectRef idx="0">
-                <a:schemeClr val="accent1"/>
-              </a:effectRef>
-              <a:fontRef idx="minor">
-                <a:schemeClr val="lt1"/>
-              </a:fontRef>
-            </p:style>
-            <p:txBody>
-              <a:bodyPr rtlCol="0" anchor="ctr"/>
-              <a:lstStyle/>
-              <a:p>
-                <a:pPr algn="ctr"/>
-                <a:r>
-                  <a:rPr lang="en-US" sz="2800" dirty="0">
-                    <a:solidFill>
-                      <a:schemeClr val="tx1"/>
-                    </a:solidFill>
-                  </a:rPr>
-                  <a:t>6</a:t>
-                </a:r>
-              </a:p>
-            </p:txBody>
-          </p:sp>
-          <p:sp>
-            <p:nvSpPr>
-              <p:cNvPr id="14" name="Rectangle 13">
-                <a:extLst>
-                  <a:ext uri="{FF2B5EF4-FFF2-40B4-BE49-F238E27FC236}">
-                    <a16:creationId xmlns:a16="http://schemas.microsoft.com/office/drawing/2014/main" id="{52E7651B-5654-CB4A-084B-117AF7224368}"/>
-                  </a:ext>
-                </a:extLst>
-              </p:cNvPr>
-              <p:cNvSpPr/>
-              <p:nvPr/>
-            </p:nvSpPr>
-            <p:spPr>
-              <a:xfrm>
-                <a:off x="6733540" y="5083048"/>
-                <a:ext cx="640080" cy="640080"/>
-              </a:xfrm>
-              <a:prstGeom prst="rect">
-                <a:avLst/>
-              </a:prstGeom>
-              <a:grpFill/>
-              <a:ln>
-                <a:noFill/>
-              </a:ln>
-            </p:spPr>
-            <p:style>
-              <a:lnRef idx="2">
-                <a:schemeClr val="accent1">
-                  <a:shade val="15000"/>
-                </a:schemeClr>
-              </a:lnRef>
-              <a:fillRef idx="1">
-                <a:schemeClr val="accent1"/>
-              </a:fillRef>
-              <a:effectRef idx="0">
-                <a:schemeClr val="accent1"/>
-              </a:effectRef>
-              <a:fontRef idx="minor">
-                <a:schemeClr val="lt1"/>
-              </a:fontRef>
-            </p:style>
-            <p:txBody>
-              <a:bodyPr rtlCol="0" anchor="ctr"/>
-              <a:lstStyle/>
-              <a:p>
-                <a:pPr algn="ctr"/>
-                <a:r>
-                  <a:rPr lang="en-US" sz="2800" dirty="0">
-                    <a:solidFill>
-                      <a:schemeClr val="tx1"/>
-                    </a:solidFill>
-                  </a:rPr>
-                  <a:t>7</a:t>
-                </a:r>
-              </a:p>
-            </p:txBody>
-          </p:sp>
-          <p:sp>
-            <p:nvSpPr>
-              <p:cNvPr id="15" name="Rectangle 14">
-                <a:extLst>
-                  <a:ext uri="{FF2B5EF4-FFF2-40B4-BE49-F238E27FC236}">
-                    <a16:creationId xmlns:a16="http://schemas.microsoft.com/office/drawing/2014/main" id="{E60B1476-0333-B34B-FAD7-DED45ACA45C6}"/>
-                  </a:ext>
-                </a:extLst>
-              </p:cNvPr>
-              <p:cNvSpPr/>
-              <p:nvPr/>
-            </p:nvSpPr>
-            <p:spPr>
-              <a:xfrm>
-                <a:off x="7373620" y="5083048"/>
-                <a:ext cx="640080" cy="640080"/>
-              </a:xfrm>
-              <a:prstGeom prst="rect">
-                <a:avLst/>
-              </a:prstGeom>
-              <a:grpFill/>
-              <a:ln>
-                <a:noFill/>
-              </a:ln>
-            </p:spPr>
-            <p:style>
-              <a:lnRef idx="2">
-                <a:schemeClr val="accent1">
-                  <a:shade val="15000"/>
-                </a:schemeClr>
-              </a:lnRef>
-              <a:fillRef idx="1">
-                <a:schemeClr val="accent1"/>
-              </a:fillRef>
-              <a:effectRef idx="0">
-                <a:schemeClr val="accent1"/>
-              </a:effectRef>
-              <a:fontRef idx="minor">
-                <a:schemeClr val="lt1"/>
-              </a:fontRef>
-            </p:style>
-            <p:txBody>
-              <a:bodyPr rtlCol="0" anchor="ctr"/>
-              <a:lstStyle/>
-              <a:p>
-                <a:pPr algn="ctr"/>
-                <a:r>
-                  <a:rPr lang="en-US" sz="2800" dirty="0">
-                    <a:solidFill>
-                      <a:schemeClr val="tx1"/>
-                    </a:solidFill>
-                  </a:rPr>
-                  <a:t>8</a:t>
-                </a:r>
-              </a:p>
-            </p:txBody>
-          </p:sp>
-          <p:sp>
-            <p:nvSpPr>
-              <p:cNvPr id="16" name="Rectangle 15">
-                <a:extLst>
-                  <a:ext uri="{FF2B5EF4-FFF2-40B4-BE49-F238E27FC236}">
-                    <a16:creationId xmlns:a16="http://schemas.microsoft.com/office/drawing/2014/main" id="{D418FACF-8183-0EB6-9A9C-04DAB6E8AA50}"/>
-                  </a:ext>
-                </a:extLst>
-              </p:cNvPr>
-              <p:cNvSpPr/>
-              <p:nvPr/>
-            </p:nvSpPr>
-            <p:spPr>
-              <a:xfrm>
-                <a:off x="8013700" y="5083048"/>
-                <a:ext cx="640080" cy="640080"/>
-              </a:xfrm>
-              <a:prstGeom prst="rect">
-                <a:avLst/>
-              </a:prstGeom>
-              <a:grpFill/>
-              <a:ln>
-                <a:noFill/>
-              </a:ln>
-            </p:spPr>
-            <p:style>
-              <a:lnRef idx="2">
-                <a:schemeClr val="accent1">
-                  <a:shade val="15000"/>
-                </a:schemeClr>
-              </a:lnRef>
-              <a:fillRef idx="1">
-                <a:schemeClr val="accent1"/>
-              </a:fillRef>
-              <a:effectRef idx="0">
-                <a:schemeClr val="accent1"/>
-              </a:effectRef>
-              <a:fontRef idx="minor">
-                <a:schemeClr val="lt1"/>
-              </a:fontRef>
-            </p:style>
-            <p:txBody>
-              <a:bodyPr rtlCol="0" anchor="ctr"/>
-              <a:lstStyle/>
-              <a:p>
-                <a:pPr algn="ctr"/>
-                <a:r>
-                  <a:rPr lang="en-US" sz="2800" dirty="0">
-                    <a:solidFill>
-                      <a:schemeClr val="tx1"/>
-                    </a:solidFill>
-                  </a:rPr>
-                  <a:t>9</a:t>
-                </a:r>
-              </a:p>
-            </p:txBody>
-          </p:sp>
-        </p:grpSp>
-      </p:grpSp>
-    </p:spTree>
-    <p:extLst>
-      <p:ext uri="{BB962C8B-B14F-4D97-AF65-F5344CB8AC3E}">
-        <p14:creationId xmlns:p14="http://schemas.microsoft.com/office/powerpoint/2010/main" val="3789814319"/>
-      </p:ext>
-    </p:extLst>
-  </p:cSld>
-  <p:clrMapOvr>
-    <a:masterClrMapping/>
-  </p:clrMapOvr>
-</p:sld>
-</file>
-
-<file path=ppt/slides/slide28.xml><?xml version="1.0" encoding="utf-8"?>
-<p:sld xmlns:a="http://schemas.openxmlformats.org/drawingml/2006/main" xmlns:r="http://schemas.openxmlformats.org/officeDocument/2006/relationships" xmlns:p="http://schemas.openxmlformats.org/presentationml/2006/main">
-  <p:cSld>
-    <p:spTree>
-      <p:nvGrpSpPr>
-        <p:cNvPr id="1" name=""/>
-        <p:cNvGrpSpPr/>
-        <p:nvPr/>
-      </p:nvGrpSpPr>
-      <p:grpSpPr>
-        <a:xfrm>
-          <a:off x="0" y="0"/>
-          <a:ext cx="0" cy="0"/>
-          <a:chOff x="0" y="0"/>
-          <a:chExt cx="0" cy="0"/>
-        </a:xfrm>
-      </p:grpSpPr>
-      <p:sp>
-        <p:nvSpPr>
-          <p:cNvPr id="2" name="Title 1">
-            <a:extLst>
-              <a:ext uri="{FF2B5EF4-FFF2-40B4-BE49-F238E27FC236}">
-                <a16:creationId xmlns:a16="http://schemas.microsoft.com/office/drawing/2014/main" id="{03682224-77C0-7101-3666-23633BC3E368}"/>
-              </a:ext>
-            </a:extLst>
-          </p:cNvPr>
-          <p:cNvSpPr>
-            <a:spLocks noGrp="1"/>
-          </p:cNvSpPr>
-          <p:nvPr>
-            <p:ph type="title"/>
-          </p:nvPr>
-        </p:nvSpPr>
-        <p:spPr/>
-        <p:txBody>
-          <a:bodyPr/>
-          <a:lstStyle/>
-          <a:p>
-            <a:r>
-              <a:rPr lang="en-US" dirty="0"/>
-              <a:t>Linear Probing: Delete</a:t>
-            </a:r>
-          </a:p>
-        </p:txBody>
-      </p:sp>
-      <p:sp>
-        <p:nvSpPr>
-          <p:cNvPr id="3" name="Content Placeholder 2">
-            <a:extLst>
-              <a:ext uri="{FF2B5EF4-FFF2-40B4-BE49-F238E27FC236}">
-                <a16:creationId xmlns:a16="http://schemas.microsoft.com/office/drawing/2014/main" id="{A97C19AB-1C53-85A1-A3AF-83DFA61F94B5}"/>
-              </a:ext>
-            </a:extLst>
-          </p:cNvPr>
-          <p:cNvSpPr>
-            <a:spLocks noGrp="1"/>
-          </p:cNvSpPr>
-          <p:nvPr>
-            <p:ph idx="1"/>
-          </p:nvPr>
-        </p:nvSpPr>
-        <p:spPr/>
-        <p:txBody>
-          <a:bodyPr/>
-          <a:lstStyle/>
-          <a:p>
-            <a:r>
-              <a:rPr lang="en-US" dirty="0"/>
-              <a:t>To delete key </a:t>
-            </a:r>
-            <a:r>
-              <a:rPr lang="en-US" dirty="0">
-                <a:latin typeface="Consolas" panose="020B0609020204030204" pitchFamily="49" charset="0"/>
-              </a:rPr>
-              <a:t>k</a:t>
-            </a:r>
-            <a:r>
-              <a:rPr lang="en-US" dirty="0"/>
-              <a:t>, where </a:t>
-            </a:r>
-            <a:r>
-              <a:rPr lang="en-US" dirty="0">
-                <a:latin typeface="Consolas" panose="020B0609020204030204" pitchFamily="49" charset="0"/>
-              </a:rPr>
-              <a:t>h(k) % </a:t>
-            </a:r>
-            <a:r>
-              <a:rPr lang="en-US" dirty="0" err="1">
-                <a:latin typeface="Consolas" panose="020B0609020204030204" pitchFamily="49" charset="0"/>
-              </a:rPr>
-              <a:t>table.length</a:t>
-            </a:r>
-            <a:r>
-              <a:rPr lang="en-US" dirty="0">
-                <a:latin typeface="Consolas" panose="020B0609020204030204" pitchFamily="49" charset="0"/>
-              </a:rPr>
-              <a:t> = </a:t>
-            </a:r>
-            <a:r>
-              <a:rPr lang="en-US" dirty="0" err="1">
-                <a:latin typeface="Consolas" panose="020B0609020204030204" pitchFamily="49" charset="0"/>
-              </a:rPr>
-              <a:t>i</a:t>
-            </a:r>
-            <a:endParaRPr lang="en-US" dirty="0">
-              <a:latin typeface="Consolas" panose="020B0609020204030204" pitchFamily="49" charset="0"/>
-            </a:endParaRPr>
-          </a:p>
-          <a:p>
-            <a:pPr lvl="1"/>
-            <a:r>
-              <a:rPr lang="en-US" dirty="0"/>
-              <a:t>Assume it is present</a:t>
-            </a:r>
-          </a:p>
-          <a:p>
-            <a:r>
-              <a:rPr lang="en-US" dirty="0"/>
-              <a:t>Beginning at index </a:t>
-            </a:r>
-            <a:r>
-              <a:rPr lang="en-US" dirty="0" err="1">
-                <a:latin typeface="Consolas" panose="020B0609020204030204" pitchFamily="49" charset="0"/>
-              </a:rPr>
-              <a:t>i</a:t>
-            </a:r>
-            <a:r>
-              <a:rPr lang="en-US" dirty="0"/>
-              <a:t>, probe until we find </a:t>
-            </a:r>
-            <a:r>
-              <a:rPr lang="en-US" dirty="0">
-                <a:latin typeface="Consolas" panose="020B0609020204030204" pitchFamily="49" charset="0"/>
-              </a:rPr>
-              <a:t>k</a:t>
-            </a:r>
-            <a:r>
-              <a:rPr lang="en-US" dirty="0"/>
-              <a:t>(call this location index </a:t>
-            </a:r>
-            <a:r>
-              <a:rPr lang="en-US" dirty="0">
-                <a:latin typeface="Consolas" panose="020B0609020204030204" pitchFamily="49" charset="0"/>
-              </a:rPr>
-              <a:t>j</a:t>
-            </a:r>
-            <a:r>
-              <a:rPr lang="en-US" dirty="0"/>
-              <a:t>)</a:t>
-            </a:r>
-          </a:p>
-          <a:p>
-            <a:r>
-              <a:rPr lang="en-US" dirty="0"/>
-              <a:t>Mark </a:t>
-            </a:r>
-            <a:r>
-              <a:rPr lang="en-US" dirty="0">
-                <a:latin typeface="Consolas" panose="020B0609020204030204" pitchFamily="49" charset="0"/>
-              </a:rPr>
-              <a:t>j</a:t>
-            </a:r>
-            <a:r>
-              <a:rPr lang="en-US" dirty="0"/>
-              <a:t> as empty (e.g. null), then…</a:t>
-            </a:r>
-          </a:p>
-          <a:p>
-            <a:pPr lvl="1"/>
-            <a:r>
-              <a:rPr lang="en-US" dirty="0"/>
-              <a:t>Challenge: we need to make sure future finds could be successful</a:t>
-            </a:r>
-          </a:p>
-          <a:p>
-            <a:pPr lvl="1"/>
-            <a:r>
-              <a:rPr lang="en-US" dirty="0"/>
-              <a:t>What if there were values that mapped to index </a:t>
-            </a:r>
-            <a:r>
-              <a:rPr lang="en-US" dirty="0" err="1">
-                <a:latin typeface="Consolas" panose="020B0609020204030204" pitchFamily="49" charset="0"/>
-              </a:rPr>
-              <a:t>i</a:t>
-            </a:r>
-            <a:r>
-              <a:rPr lang="en-US" dirty="0"/>
-              <a:t> that appeared after </a:t>
-            </a:r>
-            <a:r>
-              <a:rPr lang="en-US" dirty="0">
-                <a:latin typeface="Consolas" panose="020B0609020204030204" pitchFamily="49" charset="0"/>
-              </a:rPr>
-              <a:t>j</a:t>
-            </a:r>
-            <a:r>
-              <a:rPr lang="en-US" dirty="0"/>
-              <a:t>?</a:t>
-            </a:r>
-          </a:p>
-          <a:p>
-            <a:pPr lvl="1"/>
-            <a:r>
-              <a:rPr lang="en-US" dirty="0"/>
-              <a:t>What if there were items that hashed to a value between </a:t>
-            </a:r>
-            <a:r>
-              <a:rPr lang="en-US" dirty="0" err="1">
-                <a:latin typeface="Consolas" panose="020B0609020204030204" pitchFamily="49" charset="0"/>
-              </a:rPr>
-              <a:t>i</a:t>
-            </a:r>
-            <a:r>
-              <a:rPr lang="en-US" dirty="0"/>
-              <a:t> and </a:t>
-            </a:r>
-            <a:r>
-              <a:rPr lang="en-US" dirty="0">
-                <a:latin typeface="Consolas" panose="020B0609020204030204" pitchFamily="49" charset="0"/>
-              </a:rPr>
-              <a:t>j</a:t>
-            </a:r>
-            <a:r>
-              <a:rPr lang="en-US" dirty="0"/>
-              <a:t> and appeared after </a:t>
-            </a:r>
-            <a:r>
-              <a:rPr lang="en-US" dirty="0">
-                <a:latin typeface="Consolas" panose="020B0609020204030204" pitchFamily="49" charset="0"/>
-              </a:rPr>
-              <a:t>j</a:t>
-            </a:r>
-            <a:r>
-              <a:rPr lang="en-US" dirty="0"/>
-              <a:t> due to probing?</a:t>
-            </a:r>
-          </a:p>
-        </p:txBody>
-      </p:sp>
-      <p:grpSp>
-        <p:nvGrpSpPr>
-          <p:cNvPr id="4" name="Group 3">
-            <a:extLst>
-              <a:ext uri="{FF2B5EF4-FFF2-40B4-BE49-F238E27FC236}">
-                <a16:creationId xmlns:a16="http://schemas.microsoft.com/office/drawing/2014/main" id="{3F387865-D6B3-8587-09E8-5CD31E13046E}"/>
-              </a:ext>
-            </a:extLst>
-          </p:cNvPr>
-          <p:cNvGrpSpPr/>
-          <p:nvPr/>
-        </p:nvGrpSpPr>
-        <p:grpSpPr>
-          <a:xfrm>
-            <a:off x="2895600" y="5467983"/>
-            <a:ext cx="6400800" cy="1097280"/>
-            <a:chOff x="4953000" y="660717"/>
-            <a:chExt cx="6400800" cy="1097280"/>
-          </a:xfrm>
-        </p:grpSpPr>
-        <p:grpSp>
-          <p:nvGrpSpPr>
-            <p:cNvPr id="5" name="Group 4">
-              <a:extLst>
-                <a:ext uri="{FF2B5EF4-FFF2-40B4-BE49-F238E27FC236}">
-                  <a16:creationId xmlns:a16="http://schemas.microsoft.com/office/drawing/2014/main" id="{31181C52-626F-FED7-E42B-5197B1371785}"/>
-                </a:ext>
-              </a:extLst>
-            </p:cNvPr>
-            <p:cNvGrpSpPr/>
-            <p:nvPr/>
-          </p:nvGrpSpPr>
-          <p:grpSpPr>
-            <a:xfrm>
-              <a:off x="4953000" y="660717"/>
-              <a:ext cx="6400800" cy="640080"/>
-              <a:chOff x="2252980" y="5083048"/>
-              <a:chExt cx="6400800" cy="640080"/>
-            </a:xfrm>
-          </p:grpSpPr>
-          <p:sp>
-            <p:nvSpPr>
-              <p:cNvPr id="17" name="Rectangle 16">
-                <a:extLst>
-                  <a:ext uri="{FF2B5EF4-FFF2-40B4-BE49-F238E27FC236}">
-                    <a16:creationId xmlns:a16="http://schemas.microsoft.com/office/drawing/2014/main" id="{B1A939B2-C32B-6627-7D0A-988872501ED4}"/>
-                  </a:ext>
-                </a:extLst>
-              </p:cNvPr>
-              <p:cNvSpPr/>
-              <p:nvPr/>
-            </p:nvSpPr>
-            <p:spPr>
-              <a:xfrm>
-                <a:off x="2252980" y="5083048"/>
-                <a:ext cx="640080" cy="640080"/>
-              </a:xfrm>
-              <a:prstGeom prst="rect">
-                <a:avLst/>
-              </a:prstGeom>
-              <a:solidFill>
-                <a:schemeClr val="bg1"/>
-              </a:solidFill>
-            </p:spPr>
-            <p:style>
-              <a:lnRef idx="2">
-                <a:schemeClr val="accent1">
-                  <a:shade val="15000"/>
-                </a:schemeClr>
-              </a:lnRef>
-              <a:fillRef idx="1">
-                <a:schemeClr val="accent1"/>
-              </a:fillRef>
-              <a:effectRef idx="0">
-                <a:schemeClr val="accent1"/>
-              </a:effectRef>
-              <a:fontRef idx="minor">
-                <a:schemeClr val="lt1"/>
-              </a:fontRef>
-            </p:style>
-            <p:txBody>
-              <a:bodyPr rtlCol="0" anchor="ctr"/>
-              <a:lstStyle/>
-              <a:p>
-                <a:pPr algn="ctr"/>
-                <a:endParaRPr lang="en-US" sz="2800" dirty="0">
-                  <a:solidFill>
-                    <a:schemeClr val="tx1"/>
-                  </a:solidFill>
-                </a:endParaRPr>
-              </a:p>
-            </p:txBody>
-          </p:sp>
-          <p:sp>
-            <p:nvSpPr>
-              <p:cNvPr id="18" name="Rectangle 17">
-                <a:extLst>
-                  <a:ext uri="{FF2B5EF4-FFF2-40B4-BE49-F238E27FC236}">
-                    <a16:creationId xmlns:a16="http://schemas.microsoft.com/office/drawing/2014/main" id="{B919772A-B0F4-4ADD-DB4F-9629D7C55125}"/>
-                  </a:ext>
-                </a:extLst>
-              </p:cNvPr>
-              <p:cNvSpPr/>
-              <p:nvPr/>
-            </p:nvSpPr>
-            <p:spPr>
-              <a:xfrm>
-                <a:off x="2893060" y="5083048"/>
-                <a:ext cx="640080" cy="640080"/>
-              </a:xfrm>
-              <a:prstGeom prst="rect">
-                <a:avLst/>
-              </a:prstGeom>
-              <a:solidFill>
-                <a:schemeClr val="bg1"/>
-              </a:solidFill>
-            </p:spPr>
-            <p:style>
-              <a:lnRef idx="2">
-                <a:schemeClr val="accent1">
-                  <a:shade val="15000"/>
-                </a:schemeClr>
-              </a:lnRef>
-              <a:fillRef idx="1">
-                <a:schemeClr val="accent1"/>
-              </a:fillRef>
-              <a:effectRef idx="0">
-                <a:schemeClr val="accent1"/>
-              </a:effectRef>
-              <a:fontRef idx="minor">
-                <a:schemeClr val="lt1"/>
-              </a:fontRef>
-            </p:style>
-            <p:txBody>
-              <a:bodyPr rtlCol="0" anchor="ctr"/>
-              <a:lstStyle/>
-              <a:p>
-                <a:pPr algn="ctr"/>
-                <a:endParaRPr lang="en-US" sz="2800" dirty="0">
-                  <a:solidFill>
-                    <a:schemeClr val="tx1"/>
-                  </a:solidFill>
-                </a:endParaRPr>
-              </a:p>
-            </p:txBody>
-          </p:sp>
-          <p:sp>
-            <p:nvSpPr>
-              <p:cNvPr id="19" name="Rectangle 18">
-                <a:extLst>
-                  <a:ext uri="{FF2B5EF4-FFF2-40B4-BE49-F238E27FC236}">
-                    <a16:creationId xmlns:a16="http://schemas.microsoft.com/office/drawing/2014/main" id="{C60AC0AE-1B49-6671-B294-33F730D82761}"/>
-                  </a:ext>
-                </a:extLst>
-              </p:cNvPr>
-              <p:cNvSpPr/>
-              <p:nvPr/>
-            </p:nvSpPr>
-            <p:spPr>
-              <a:xfrm>
-                <a:off x="3533140" y="5083048"/>
-                <a:ext cx="640080" cy="640080"/>
-              </a:xfrm>
-              <a:prstGeom prst="rect">
-                <a:avLst/>
-              </a:prstGeom>
-              <a:solidFill>
-                <a:schemeClr val="bg1"/>
-              </a:solidFill>
-            </p:spPr>
-            <p:style>
-              <a:lnRef idx="2">
-                <a:schemeClr val="accent1">
-                  <a:shade val="15000"/>
-                </a:schemeClr>
-              </a:lnRef>
-              <a:fillRef idx="1">
-                <a:schemeClr val="accent1"/>
-              </a:fillRef>
-              <a:effectRef idx="0">
-                <a:schemeClr val="accent1"/>
-              </a:effectRef>
-              <a:fontRef idx="minor">
-                <a:schemeClr val="lt1"/>
-              </a:fontRef>
-            </p:style>
-            <p:txBody>
-              <a:bodyPr rtlCol="0" anchor="ctr"/>
-              <a:lstStyle/>
-              <a:p>
-                <a:pPr algn="ctr"/>
-                <a:endParaRPr lang="en-US" sz="2800" dirty="0">
-                  <a:solidFill>
-                    <a:schemeClr val="tx1"/>
-                  </a:solidFill>
-                </a:endParaRPr>
-              </a:p>
-            </p:txBody>
-          </p:sp>
-          <p:sp>
-            <p:nvSpPr>
-              <p:cNvPr id="20" name="Rectangle 19">
-                <a:extLst>
-                  <a:ext uri="{FF2B5EF4-FFF2-40B4-BE49-F238E27FC236}">
-                    <a16:creationId xmlns:a16="http://schemas.microsoft.com/office/drawing/2014/main" id="{896B516C-93B9-57A5-6B86-232A242A0550}"/>
-                  </a:ext>
-                </a:extLst>
-              </p:cNvPr>
-              <p:cNvSpPr/>
-              <p:nvPr/>
-            </p:nvSpPr>
-            <p:spPr>
-              <a:xfrm>
-                <a:off x="4173220" y="5083048"/>
-                <a:ext cx="640080" cy="640080"/>
-              </a:xfrm>
-              <a:prstGeom prst="rect">
-                <a:avLst/>
-              </a:prstGeom>
-              <a:solidFill>
-                <a:schemeClr val="bg1"/>
-              </a:solidFill>
-            </p:spPr>
-            <p:style>
-              <a:lnRef idx="2">
-                <a:schemeClr val="accent1">
-                  <a:shade val="15000"/>
-                </a:schemeClr>
-              </a:lnRef>
-              <a:fillRef idx="1">
-                <a:schemeClr val="accent1"/>
-              </a:fillRef>
-              <a:effectRef idx="0">
-                <a:schemeClr val="accent1"/>
-              </a:effectRef>
-              <a:fontRef idx="minor">
-                <a:schemeClr val="lt1"/>
-              </a:fontRef>
-            </p:style>
-            <p:txBody>
-              <a:bodyPr rtlCol="0" anchor="ctr"/>
-              <a:lstStyle/>
-              <a:p>
-                <a:pPr algn="ctr"/>
-                <a:endParaRPr lang="en-US" sz="2800" dirty="0">
-                  <a:solidFill>
-                    <a:schemeClr val="tx1"/>
-                  </a:solidFill>
-                </a:endParaRPr>
-              </a:p>
-            </p:txBody>
-          </p:sp>
-          <p:sp>
-            <p:nvSpPr>
-              <p:cNvPr id="21" name="Rectangle 20">
-                <a:extLst>
-                  <a:ext uri="{FF2B5EF4-FFF2-40B4-BE49-F238E27FC236}">
-                    <a16:creationId xmlns:a16="http://schemas.microsoft.com/office/drawing/2014/main" id="{5EED7752-D7E4-7171-A7FE-B10E19044DA8}"/>
-                  </a:ext>
-                </a:extLst>
-              </p:cNvPr>
-              <p:cNvSpPr/>
-              <p:nvPr/>
-            </p:nvSpPr>
-            <p:spPr>
-              <a:xfrm>
-                <a:off x="4813300" y="5083048"/>
-                <a:ext cx="640080" cy="640080"/>
-              </a:xfrm>
-              <a:prstGeom prst="rect">
-                <a:avLst/>
-              </a:prstGeom>
-              <a:solidFill>
-                <a:schemeClr val="bg1"/>
-              </a:solidFill>
-            </p:spPr>
-            <p:style>
-              <a:lnRef idx="2">
-                <a:schemeClr val="accent1">
-                  <a:shade val="15000"/>
-                </a:schemeClr>
-              </a:lnRef>
-              <a:fillRef idx="1">
-                <a:schemeClr val="accent1"/>
-              </a:fillRef>
-              <a:effectRef idx="0">
-                <a:schemeClr val="accent1"/>
-              </a:effectRef>
-              <a:fontRef idx="minor">
-                <a:schemeClr val="lt1"/>
-              </a:fontRef>
-            </p:style>
-            <p:txBody>
-              <a:bodyPr rtlCol="0" anchor="ctr"/>
-              <a:lstStyle/>
-              <a:p>
-                <a:pPr algn="ctr"/>
-                <a:endParaRPr lang="en-US" sz="2800" dirty="0">
-                  <a:solidFill>
-                    <a:schemeClr val="tx1"/>
-                  </a:solidFill>
-                </a:endParaRPr>
-              </a:p>
-            </p:txBody>
-          </p:sp>
-          <p:sp>
-            <p:nvSpPr>
-              <p:cNvPr id="22" name="Rectangle 21">
-                <a:extLst>
-                  <a:ext uri="{FF2B5EF4-FFF2-40B4-BE49-F238E27FC236}">
-                    <a16:creationId xmlns:a16="http://schemas.microsoft.com/office/drawing/2014/main" id="{E1575A89-6E67-D480-DD5F-3137641C88E0}"/>
-                  </a:ext>
-                </a:extLst>
-              </p:cNvPr>
-              <p:cNvSpPr/>
-              <p:nvPr/>
-            </p:nvSpPr>
-            <p:spPr>
-              <a:xfrm>
-                <a:off x="5453380" y="5083048"/>
-                <a:ext cx="640080" cy="640080"/>
-              </a:xfrm>
-              <a:prstGeom prst="rect">
-                <a:avLst/>
-              </a:prstGeom>
-              <a:solidFill>
-                <a:schemeClr val="bg1"/>
-              </a:solidFill>
-            </p:spPr>
-            <p:style>
-              <a:lnRef idx="2">
-                <a:schemeClr val="accent1">
-                  <a:shade val="15000"/>
-                </a:schemeClr>
-              </a:lnRef>
-              <a:fillRef idx="1">
-                <a:schemeClr val="accent1"/>
-              </a:fillRef>
-              <a:effectRef idx="0">
-                <a:schemeClr val="accent1"/>
-              </a:effectRef>
-              <a:fontRef idx="minor">
-                <a:schemeClr val="lt1"/>
-              </a:fontRef>
-            </p:style>
-            <p:txBody>
-              <a:bodyPr rtlCol="0" anchor="ctr"/>
-              <a:lstStyle/>
-              <a:p>
-                <a:pPr algn="ctr"/>
-                <a:endParaRPr lang="en-US" sz="2800" dirty="0">
-                  <a:solidFill>
-                    <a:schemeClr val="tx1"/>
-                  </a:solidFill>
-                </a:endParaRPr>
-              </a:p>
-            </p:txBody>
-          </p:sp>
-          <p:sp>
-            <p:nvSpPr>
-              <p:cNvPr id="23" name="Rectangle 22">
-                <a:extLst>
-                  <a:ext uri="{FF2B5EF4-FFF2-40B4-BE49-F238E27FC236}">
-                    <a16:creationId xmlns:a16="http://schemas.microsoft.com/office/drawing/2014/main" id="{43F8F715-4079-97B3-A6A5-2A78BD64DF81}"/>
-                  </a:ext>
-                </a:extLst>
-              </p:cNvPr>
-              <p:cNvSpPr/>
-              <p:nvPr/>
-            </p:nvSpPr>
-            <p:spPr>
-              <a:xfrm>
-                <a:off x="6093460" y="5083048"/>
-                <a:ext cx="640080" cy="640080"/>
-              </a:xfrm>
-              <a:prstGeom prst="rect">
-                <a:avLst/>
-              </a:prstGeom>
-              <a:solidFill>
-                <a:schemeClr val="bg1"/>
-              </a:solidFill>
-            </p:spPr>
-            <p:style>
-              <a:lnRef idx="2">
-                <a:schemeClr val="accent1">
-                  <a:shade val="15000"/>
-                </a:schemeClr>
-              </a:lnRef>
-              <a:fillRef idx="1">
-                <a:schemeClr val="accent1"/>
-              </a:fillRef>
-              <a:effectRef idx="0">
-                <a:schemeClr val="accent1"/>
-              </a:effectRef>
-              <a:fontRef idx="minor">
-                <a:schemeClr val="lt1"/>
-              </a:fontRef>
-            </p:style>
-            <p:txBody>
-              <a:bodyPr rtlCol="0" anchor="ctr"/>
-              <a:lstStyle/>
-              <a:p>
-                <a:pPr algn="ctr"/>
-                <a:endParaRPr lang="en-US" sz="2800" dirty="0">
-                  <a:solidFill>
-                    <a:schemeClr val="tx1"/>
-                  </a:solidFill>
-                </a:endParaRPr>
-              </a:p>
-            </p:txBody>
-          </p:sp>
-          <p:sp>
-            <p:nvSpPr>
-              <p:cNvPr id="24" name="Rectangle 23">
-                <a:extLst>
-                  <a:ext uri="{FF2B5EF4-FFF2-40B4-BE49-F238E27FC236}">
-                    <a16:creationId xmlns:a16="http://schemas.microsoft.com/office/drawing/2014/main" id="{1D9C4C72-1025-EC8B-3ACA-FABBC3652DA2}"/>
-                  </a:ext>
-                </a:extLst>
-              </p:cNvPr>
-              <p:cNvSpPr/>
-              <p:nvPr/>
-            </p:nvSpPr>
-            <p:spPr>
-              <a:xfrm>
-                <a:off x="6733540" y="5083048"/>
-                <a:ext cx="640080" cy="640080"/>
-              </a:xfrm>
-              <a:prstGeom prst="rect">
-                <a:avLst/>
-              </a:prstGeom>
-              <a:solidFill>
-                <a:schemeClr val="bg1"/>
-              </a:solidFill>
-            </p:spPr>
-            <p:style>
-              <a:lnRef idx="2">
-                <a:schemeClr val="accent1">
-                  <a:shade val="15000"/>
-                </a:schemeClr>
-              </a:lnRef>
-              <a:fillRef idx="1">
-                <a:schemeClr val="accent1"/>
-              </a:fillRef>
-              <a:effectRef idx="0">
-                <a:schemeClr val="accent1"/>
-              </a:effectRef>
-              <a:fontRef idx="minor">
-                <a:schemeClr val="lt1"/>
-              </a:fontRef>
-            </p:style>
-            <p:txBody>
-              <a:bodyPr rtlCol="0" anchor="ctr"/>
-              <a:lstStyle/>
-              <a:p>
-                <a:pPr algn="ctr"/>
-                <a:endParaRPr lang="en-US" sz="2800" dirty="0">
-                  <a:solidFill>
-                    <a:schemeClr val="tx1"/>
-                  </a:solidFill>
-                </a:endParaRPr>
-              </a:p>
-            </p:txBody>
-          </p:sp>
-          <p:sp>
-            <p:nvSpPr>
-              <p:cNvPr id="25" name="Rectangle 24">
-                <a:extLst>
-                  <a:ext uri="{FF2B5EF4-FFF2-40B4-BE49-F238E27FC236}">
-                    <a16:creationId xmlns:a16="http://schemas.microsoft.com/office/drawing/2014/main" id="{1B4C3245-CE3A-9FF3-02B6-13180C87DCAB}"/>
-                  </a:ext>
-                </a:extLst>
-              </p:cNvPr>
-              <p:cNvSpPr/>
-              <p:nvPr/>
-            </p:nvSpPr>
-            <p:spPr>
-              <a:xfrm>
-                <a:off x="7373620" y="5083048"/>
-                <a:ext cx="640080" cy="640080"/>
-              </a:xfrm>
-              <a:prstGeom prst="rect">
-                <a:avLst/>
-              </a:prstGeom>
-              <a:solidFill>
-                <a:schemeClr val="bg1"/>
-              </a:solidFill>
-            </p:spPr>
-            <p:style>
-              <a:lnRef idx="2">
-                <a:schemeClr val="accent1">
-                  <a:shade val="15000"/>
-                </a:schemeClr>
-              </a:lnRef>
-              <a:fillRef idx="1">
-                <a:schemeClr val="accent1"/>
-              </a:fillRef>
-              <a:effectRef idx="0">
-                <a:schemeClr val="accent1"/>
-              </a:effectRef>
-              <a:fontRef idx="minor">
-                <a:schemeClr val="lt1"/>
-              </a:fontRef>
-            </p:style>
-            <p:txBody>
-              <a:bodyPr rtlCol="0" anchor="ctr"/>
-              <a:lstStyle/>
-              <a:p>
-                <a:pPr algn="ctr"/>
-                <a:endParaRPr lang="en-US" sz="2800" dirty="0">
-                  <a:solidFill>
-                    <a:schemeClr val="tx1"/>
-                  </a:solidFill>
-                </a:endParaRPr>
-              </a:p>
-            </p:txBody>
-          </p:sp>
-          <p:sp>
-            <p:nvSpPr>
-              <p:cNvPr id="26" name="Rectangle 25">
-                <a:extLst>
-                  <a:ext uri="{FF2B5EF4-FFF2-40B4-BE49-F238E27FC236}">
-                    <a16:creationId xmlns:a16="http://schemas.microsoft.com/office/drawing/2014/main" id="{8B1430E6-19F4-92A9-81E3-2A173BB21087}"/>
-                  </a:ext>
-                </a:extLst>
-              </p:cNvPr>
-              <p:cNvSpPr/>
-              <p:nvPr/>
-            </p:nvSpPr>
-            <p:spPr>
-              <a:xfrm>
-                <a:off x="8013700" y="5083048"/>
-                <a:ext cx="640080" cy="640080"/>
-              </a:xfrm>
-              <a:prstGeom prst="rect">
-                <a:avLst/>
-              </a:prstGeom>
-              <a:solidFill>
-                <a:schemeClr val="bg1"/>
-              </a:solidFill>
-            </p:spPr>
-            <p:style>
-              <a:lnRef idx="2">
-                <a:schemeClr val="accent1">
-                  <a:shade val="15000"/>
-                </a:schemeClr>
-              </a:lnRef>
-              <a:fillRef idx="1">
-                <a:schemeClr val="accent1"/>
-              </a:fillRef>
-              <a:effectRef idx="0">
-                <a:schemeClr val="accent1"/>
-              </a:effectRef>
-              <a:fontRef idx="minor">
-                <a:schemeClr val="lt1"/>
-              </a:fontRef>
-            </p:style>
-            <p:txBody>
-              <a:bodyPr rtlCol="0" anchor="ctr"/>
-              <a:lstStyle/>
-              <a:p>
-                <a:pPr algn="ctr"/>
-                <a:endParaRPr lang="en-US" sz="2800" dirty="0">
-                  <a:solidFill>
-                    <a:schemeClr val="tx1"/>
-                  </a:solidFill>
-                </a:endParaRPr>
-              </a:p>
-            </p:txBody>
-          </p:sp>
-        </p:grpSp>
-        <p:grpSp>
-          <p:nvGrpSpPr>
-            <p:cNvPr id="6" name="Group 5">
-              <a:extLst>
-                <a:ext uri="{FF2B5EF4-FFF2-40B4-BE49-F238E27FC236}">
-                  <a16:creationId xmlns:a16="http://schemas.microsoft.com/office/drawing/2014/main" id="{75B83A83-94DE-8C82-C87A-70DDD7775F65}"/>
-                </a:ext>
-              </a:extLst>
-            </p:cNvPr>
-            <p:cNvGrpSpPr/>
-            <p:nvPr/>
-          </p:nvGrpSpPr>
-          <p:grpSpPr>
-            <a:xfrm>
-              <a:off x="4953000" y="1117917"/>
-              <a:ext cx="6400800" cy="640080"/>
-              <a:chOff x="2252980" y="5083048"/>
-              <a:chExt cx="6400800" cy="640080"/>
-            </a:xfrm>
-            <a:noFill/>
-          </p:grpSpPr>
-          <p:sp>
-            <p:nvSpPr>
-              <p:cNvPr id="7" name="Rectangle 6">
-                <a:extLst>
-                  <a:ext uri="{FF2B5EF4-FFF2-40B4-BE49-F238E27FC236}">
-                    <a16:creationId xmlns:a16="http://schemas.microsoft.com/office/drawing/2014/main" id="{3839240A-6DCC-53C4-D040-B382ACE17715}"/>
-                  </a:ext>
-                </a:extLst>
-              </p:cNvPr>
-              <p:cNvSpPr/>
-              <p:nvPr/>
-            </p:nvSpPr>
-            <p:spPr>
-              <a:xfrm>
-                <a:off x="2252980" y="5083048"/>
-                <a:ext cx="640080" cy="640080"/>
-              </a:xfrm>
-              <a:prstGeom prst="rect">
-                <a:avLst/>
-              </a:prstGeom>
-              <a:grpFill/>
-              <a:ln>
-                <a:noFill/>
-              </a:ln>
-            </p:spPr>
-            <p:style>
-              <a:lnRef idx="2">
-                <a:schemeClr val="accent1">
-                  <a:shade val="15000"/>
-                </a:schemeClr>
-              </a:lnRef>
-              <a:fillRef idx="1">
-                <a:schemeClr val="accent1"/>
-              </a:fillRef>
-              <a:effectRef idx="0">
-                <a:schemeClr val="accent1"/>
-              </a:effectRef>
-              <a:fontRef idx="minor">
-                <a:schemeClr val="lt1"/>
-              </a:fontRef>
-            </p:style>
-            <p:txBody>
-              <a:bodyPr rtlCol="0" anchor="ctr"/>
-              <a:lstStyle/>
-              <a:p>
-                <a:pPr algn="ctr"/>
-                <a:r>
-                  <a:rPr lang="en-US" sz="2800" dirty="0">
-                    <a:solidFill>
-                      <a:schemeClr val="tx1"/>
-                    </a:solidFill>
-                  </a:rPr>
-                  <a:t>0</a:t>
-                </a:r>
-              </a:p>
-            </p:txBody>
-          </p:sp>
-          <p:sp>
-            <p:nvSpPr>
-              <p:cNvPr id="8" name="Rectangle 7">
-                <a:extLst>
-                  <a:ext uri="{FF2B5EF4-FFF2-40B4-BE49-F238E27FC236}">
-                    <a16:creationId xmlns:a16="http://schemas.microsoft.com/office/drawing/2014/main" id="{4BB6038A-3189-2451-C956-1CC4E3230B8D}"/>
-                  </a:ext>
-                </a:extLst>
-              </p:cNvPr>
-              <p:cNvSpPr/>
-              <p:nvPr/>
-            </p:nvSpPr>
-            <p:spPr>
-              <a:xfrm>
-                <a:off x="2893060" y="5083048"/>
-                <a:ext cx="640080" cy="640080"/>
-              </a:xfrm>
-              <a:prstGeom prst="rect">
-                <a:avLst/>
-              </a:prstGeom>
-              <a:grpFill/>
-              <a:ln>
-                <a:noFill/>
-              </a:ln>
-            </p:spPr>
-            <p:style>
-              <a:lnRef idx="2">
-                <a:schemeClr val="accent1">
-                  <a:shade val="15000"/>
-                </a:schemeClr>
-              </a:lnRef>
-              <a:fillRef idx="1">
-                <a:schemeClr val="accent1"/>
-              </a:fillRef>
-              <a:effectRef idx="0">
-                <a:schemeClr val="accent1"/>
-              </a:effectRef>
-              <a:fontRef idx="minor">
-                <a:schemeClr val="lt1"/>
-              </a:fontRef>
-            </p:style>
-            <p:txBody>
-              <a:bodyPr rtlCol="0" anchor="ctr"/>
-              <a:lstStyle/>
-              <a:p>
-                <a:pPr algn="ctr"/>
-                <a:r>
-                  <a:rPr lang="en-US" sz="2800" dirty="0">
-                    <a:solidFill>
-                      <a:schemeClr val="tx1"/>
-                    </a:solidFill>
-                  </a:rPr>
-                  <a:t>1</a:t>
-                </a:r>
-              </a:p>
-            </p:txBody>
-          </p:sp>
-          <p:sp>
-            <p:nvSpPr>
-              <p:cNvPr id="9" name="Rectangle 8">
-                <a:extLst>
-                  <a:ext uri="{FF2B5EF4-FFF2-40B4-BE49-F238E27FC236}">
-                    <a16:creationId xmlns:a16="http://schemas.microsoft.com/office/drawing/2014/main" id="{37D5C3A8-31FF-19C5-01D2-FDA293EB0CC0}"/>
-                  </a:ext>
-                </a:extLst>
-              </p:cNvPr>
-              <p:cNvSpPr/>
-              <p:nvPr/>
-            </p:nvSpPr>
-            <p:spPr>
-              <a:xfrm>
-                <a:off x="3533140" y="5083048"/>
-                <a:ext cx="640080" cy="640080"/>
-              </a:xfrm>
-              <a:prstGeom prst="rect">
-                <a:avLst/>
-              </a:prstGeom>
-              <a:grpFill/>
-              <a:ln>
-                <a:noFill/>
-              </a:ln>
-            </p:spPr>
-            <p:style>
-              <a:lnRef idx="2">
-                <a:schemeClr val="accent1">
-                  <a:shade val="15000"/>
-                </a:schemeClr>
-              </a:lnRef>
-              <a:fillRef idx="1">
-                <a:schemeClr val="accent1"/>
-              </a:fillRef>
-              <a:effectRef idx="0">
-                <a:schemeClr val="accent1"/>
-              </a:effectRef>
-              <a:fontRef idx="minor">
-                <a:schemeClr val="lt1"/>
-              </a:fontRef>
-            </p:style>
-            <p:txBody>
-              <a:bodyPr rtlCol="0" anchor="ctr"/>
-              <a:lstStyle/>
-              <a:p>
-                <a:pPr algn="ctr"/>
-                <a:r>
-                  <a:rPr lang="en-US" sz="2800" dirty="0">
-                    <a:solidFill>
-                      <a:schemeClr val="tx1"/>
-                    </a:solidFill>
-                  </a:rPr>
-                  <a:t>2</a:t>
-                </a:r>
-              </a:p>
-            </p:txBody>
-          </p:sp>
-          <p:sp>
-            <p:nvSpPr>
-              <p:cNvPr id="10" name="Rectangle 9">
-                <a:extLst>
-                  <a:ext uri="{FF2B5EF4-FFF2-40B4-BE49-F238E27FC236}">
-                    <a16:creationId xmlns:a16="http://schemas.microsoft.com/office/drawing/2014/main" id="{50102509-1C4B-5D84-C96E-A5AE1AAF3AFF}"/>
-                  </a:ext>
-                </a:extLst>
-              </p:cNvPr>
-              <p:cNvSpPr/>
-              <p:nvPr/>
-            </p:nvSpPr>
-            <p:spPr>
-              <a:xfrm>
-                <a:off x="4173220" y="5083048"/>
-                <a:ext cx="640080" cy="640080"/>
-              </a:xfrm>
-              <a:prstGeom prst="rect">
-                <a:avLst/>
-              </a:prstGeom>
-              <a:grpFill/>
-              <a:ln>
-                <a:noFill/>
-              </a:ln>
-            </p:spPr>
-            <p:style>
-              <a:lnRef idx="2">
-                <a:schemeClr val="accent1">
-                  <a:shade val="15000"/>
-                </a:schemeClr>
-              </a:lnRef>
-              <a:fillRef idx="1">
-                <a:schemeClr val="accent1"/>
-              </a:fillRef>
-              <a:effectRef idx="0">
-                <a:schemeClr val="accent1"/>
-              </a:effectRef>
-              <a:fontRef idx="minor">
-                <a:schemeClr val="lt1"/>
-              </a:fontRef>
-            </p:style>
-            <p:txBody>
-              <a:bodyPr rtlCol="0" anchor="ctr"/>
-              <a:lstStyle/>
-              <a:p>
-                <a:pPr algn="ctr"/>
-                <a:r>
-                  <a:rPr lang="en-US" sz="2800" dirty="0">
-                    <a:solidFill>
-                      <a:schemeClr val="tx1"/>
-                    </a:solidFill>
-                  </a:rPr>
-                  <a:t>3</a:t>
-                </a:r>
-              </a:p>
-            </p:txBody>
-          </p:sp>
-          <p:sp>
-            <p:nvSpPr>
-              <p:cNvPr id="11" name="Rectangle 10">
-                <a:extLst>
-                  <a:ext uri="{FF2B5EF4-FFF2-40B4-BE49-F238E27FC236}">
-                    <a16:creationId xmlns:a16="http://schemas.microsoft.com/office/drawing/2014/main" id="{52436469-A3A6-DF70-D8C0-9999C0D8541B}"/>
-                  </a:ext>
-                </a:extLst>
-              </p:cNvPr>
-              <p:cNvSpPr/>
-              <p:nvPr/>
-            </p:nvSpPr>
-            <p:spPr>
-              <a:xfrm>
-                <a:off x="4813300" y="5083048"/>
-                <a:ext cx="640080" cy="640080"/>
-              </a:xfrm>
-              <a:prstGeom prst="rect">
-                <a:avLst/>
-              </a:prstGeom>
-              <a:grpFill/>
-              <a:ln>
-                <a:noFill/>
-              </a:ln>
-            </p:spPr>
-            <p:style>
-              <a:lnRef idx="2">
-                <a:schemeClr val="accent1">
-                  <a:shade val="15000"/>
-                </a:schemeClr>
-              </a:lnRef>
-              <a:fillRef idx="1">
-                <a:schemeClr val="accent1"/>
-              </a:fillRef>
-              <a:effectRef idx="0">
-                <a:schemeClr val="accent1"/>
-              </a:effectRef>
-              <a:fontRef idx="minor">
-                <a:schemeClr val="lt1"/>
-              </a:fontRef>
-            </p:style>
-            <p:txBody>
-              <a:bodyPr rtlCol="0" anchor="ctr"/>
-              <a:lstStyle/>
-              <a:p>
-                <a:pPr algn="ctr"/>
-                <a:r>
-                  <a:rPr lang="en-US" sz="2800" dirty="0">
-                    <a:solidFill>
-                      <a:schemeClr val="tx1"/>
-                    </a:solidFill>
-                  </a:rPr>
-                  <a:t>4</a:t>
-                </a:r>
-              </a:p>
-            </p:txBody>
-          </p:sp>
-          <p:sp>
-            <p:nvSpPr>
-              <p:cNvPr id="12" name="Rectangle 11">
-                <a:extLst>
-                  <a:ext uri="{FF2B5EF4-FFF2-40B4-BE49-F238E27FC236}">
-                    <a16:creationId xmlns:a16="http://schemas.microsoft.com/office/drawing/2014/main" id="{6A643D0A-07F3-117B-A8BB-008B9DDDA498}"/>
-                  </a:ext>
-                </a:extLst>
-              </p:cNvPr>
-              <p:cNvSpPr/>
-              <p:nvPr/>
-            </p:nvSpPr>
-            <p:spPr>
-              <a:xfrm>
-                <a:off x="5453380" y="5083048"/>
-                <a:ext cx="640080" cy="640080"/>
-              </a:xfrm>
-              <a:prstGeom prst="rect">
-                <a:avLst/>
-              </a:prstGeom>
-              <a:grpFill/>
-              <a:ln>
-                <a:noFill/>
-              </a:ln>
-            </p:spPr>
-            <p:style>
-              <a:lnRef idx="2">
-                <a:schemeClr val="accent1">
-                  <a:shade val="15000"/>
-                </a:schemeClr>
-              </a:lnRef>
-              <a:fillRef idx="1">
-                <a:schemeClr val="accent1"/>
-              </a:fillRef>
-              <a:effectRef idx="0">
-                <a:schemeClr val="accent1"/>
-              </a:effectRef>
-              <a:fontRef idx="minor">
-                <a:schemeClr val="lt1"/>
-              </a:fontRef>
-            </p:style>
-            <p:txBody>
-              <a:bodyPr rtlCol="0" anchor="ctr"/>
-              <a:lstStyle/>
-              <a:p>
-                <a:pPr algn="ctr"/>
-                <a:r>
-                  <a:rPr lang="en-US" sz="2800" dirty="0">
-                    <a:solidFill>
-                      <a:schemeClr val="tx1"/>
-                    </a:solidFill>
-                  </a:rPr>
-                  <a:t>5</a:t>
-                </a:r>
-              </a:p>
-            </p:txBody>
-          </p:sp>
-          <p:sp>
-            <p:nvSpPr>
-              <p:cNvPr id="13" name="Rectangle 12">
-                <a:extLst>
-                  <a:ext uri="{FF2B5EF4-FFF2-40B4-BE49-F238E27FC236}">
-                    <a16:creationId xmlns:a16="http://schemas.microsoft.com/office/drawing/2014/main" id="{E65022D3-8588-6E98-AA75-FEE59861FF49}"/>
-                  </a:ext>
-                </a:extLst>
-              </p:cNvPr>
-              <p:cNvSpPr/>
-              <p:nvPr/>
-            </p:nvSpPr>
-            <p:spPr>
-              <a:xfrm>
-                <a:off x="6093460" y="5083048"/>
-                <a:ext cx="640080" cy="640080"/>
-              </a:xfrm>
-              <a:prstGeom prst="rect">
-                <a:avLst/>
-              </a:prstGeom>
-              <a:grpFill/>
-              <a:ln>
-                <a:noFill/>
-              </a:ln>
-            </p:spPr>
-            <p:style>
-              <a:lnRef idx="2">
-                <a:schemeClr val="accent1">
-                  <a:shade val="15000"/>
-                </a:schemeClr>
-              </a:lnRef>
-              <a:fillRef idx="1">
-                <a:schemeClr val="accent1"/>
-              </a:fillRef>
-              <a:effectRef idx="0">
-                <a:schemeClr val="accent1"/>
-              </a:effectRef>
-              <a:fontRef idx="minor">
-                <a:schemeClr val="lt1"/>
-              </a:fontRef>
-            </p:style>
-            <p:txBody>
-              <a:bodyPr rtlCol="0" anchor="ctr"/>
-              <a:lstStyle/>
-              <a:p>
-                <a:pPr algn="ctr"/>
-                <a:r>
-                  <a:rPr lang="en-US" sz="2800" dirty="0">
-                    <a:solidFill>
-                      <a:schemeClr val="tx1"/>
-                    </a:solidFill>
-                  </a:rPr>
-                  <a:t>6</a:t>
-                </a:r>
-              </a:p>
-            </p:txBody>
-          </p:sp>
-          <p:sp>
-            <p:nvSpPr>
-              <p:cNvPr id="14" name="Rectangle 13">
-                <a:extLst>
-                  <a:ext uri="{FF2B5EF4-FFF2-40B4-BE49-F238E27FC236}">
-                    <a16:creationId xmlns:a16="http://schemas.microsoft.com/office/drawing/2014/main" id="{52E7651B-5654-CB4A-084B-117AF7224368}"/>
-                  </a:ext>
-                </a:extLst>
-              </p:cNvPr>
-              <p:cNvSpPr/>
-              <p:nvPr/>
-            </p:nvSpPr>
-            <p:spPr>
-              <a:xfrm>
-                <a:off x="6733540" y="5083048"/>
-                <a:ext cx="640080" cy="640080"/>
-              </a:xfrm>
-              <a:prstGeom prst="rect">
-                <a:avLst/>
-              </a:prstGeom>
-              <a:grpFill/>
-              <a:ln>
-                <a:noFill/>
-              </a:ln>
-            </p:spPr>
-            <p:style>
-              <a:lnRef idx="2">
-                <a:schemeClr val="accent1">
-                  <a:shade val="15000"/>
-                </a:schemeClr>
-              </a:lnRef>
-              <a:fillRef idx="1">
-                <a:schemeClr val="accent1"/>
-              </a:fillRef>
-              <a:effectRef idx="0">
-                <a:schemeClr val="accent1"/>
-              </a:effectRef>
-              <a:fontRef idx="minor">
-                <a:schemeClr val="lt1"/>
-              </a:fontRef>
-            </p:style>
-            <p:txBody>
-              <a:bodyPr rtlCol="0" anchor="ctr"/>
-              <a:lstStyle/>
-              <a:p>
-                <a:pPr algn="ctr"/>
-                <a:r>
-                  <a:rPr lang="en-US" sz="2800" dirty="0">
-                    <a:solidFill>
-                      <a:schemeClr val="tx1"/>
-                    </a:solidFill>
-                  </a:rPr>
-                  <a:t>7</a:t>
-                </a:r>
-              </a:p>
-            </p:txBody>
-          </p:sp>
-          <p:sp>
-            <p:nvSpPr>
-              <p:cNvPr id="15" name="Rectangle 14">
-                <a:extLst>
-                  <a:ext uri="{FF2B5EF4-FFF2-40B4-BE49-F238E27FC236}">
-                    <a16:creationId xmlns:a16="http://schemas.microsoft.com/office/drawing/2014/main" id="{E60B1476-0333-B34B-FAD7-DED45ACA45C6}"/>
-                  </a:ext>
-                </a:extLst>
-              </p:cNvPr>
-              <p:cNvSpPr/>
-              <p:nvPr/>
-            </p:nvSpPr>
-            <p:spPr>
-              <a:xfrm>
-                <a:off x="7373620" y="5083048"/>
-                <a:ext cx="640080" cy="640080"/>
-              </a:xfrm>
-              <a:prstGeom prst="rect">
-                <a:avLst/>
-              </a:prstGeom>
-              <a:grpFill/>
-              <a:ln>
-                <a:noFill/>
-              </a:ln>
-            </p:spPr>
-            <p:style>
-              <a:lnRef idx="2">
-                <a:schemeClr val="accent1">
-                  <a:shade val="15000"/>
-                </a:schemeClr>
-              </a:lnRef>
-              <a:fillRef idx="1">
-                <a:schemeClr val="accent1"/>
-              </a:fillRef>
-              <a:effectRef idx="0">
-                <a:schemeClr val="accent1"/>
-              </a:effectRef>
-              <a:fontRef idx="minor">
-                <a:schemeClr val="lt1"/>
-              </a:fontRef>
-            </p:style>
-            <p:txBody>
-              <a:bodyPr rtlCol="0" anchor="ctr"/>
-              <a:lstStyle/>
-              <a:p>
-                <a:pPr algn="ctr"/>
-                <a:r>
-                  <a:rPr lang="en-US" sz="2800" dirty="0">
-                    <a:solidFill>
-                      <a:schemeClr val="tx1"/>
-                    </a:solidFill>
-                  </a:rPr>
-                  <a:t>8</a:t>
-                </a:r>
-              </a:p>
-            </p:txBody>
-          </p:sp>
-          <p:sp>
-            <p:nvSpPr>
-              <p:cNvPr id="16" name="Rectangle 15">
-                <a:extLst>
-                  <a:ext uri="{FF2B5EF4-FFF2-40B4-BE49-F238E27FC236}">
-                    <a16:creationId xmlns:a16="http://schemas.microsoft.com/office/drawing/2014/main" id="{D418FACF-8183-0EB6-9A9C-04DAB6E8AA50}"/>
-                  </a:ext>
-                </a:extLst>
-              </p:cNvPr>
-              <p:cNvSpPr/>
-              <p:nvPr/>
-            </p:nvSpPr>
-            <p:spPr>
-              <a:xfrm>
-                <a:off x="8013700" y="5083048"/>
-                <a:ext cx="640080" cy="640080"/>
-              </a:xfrm>
-              <a:prstGeom prst="rect">
-                <a:avLst/>
-              </a:prstGeom>
-              <a:grpFill/>
-              <a:ln>
-                <a:noFill/>
-              </a:ln>
-            </p:spPr>
-            <p:style>
-              <a:lnRef idx="2">
-                <a:schemeClr val="accent1">
-                  <a:shade val="15000"/>
-                </a:schemeClr>
-              </a:lnRef>
-              <a:fillRef idx="1">
-                <a:schemeClr val="accent1"/>
-              </a:fillRef>
-              <a:effectRef idx="0">
-                <a:schemeClr val="accent1"/>
-              </a:effectRef>
-              <a:fontRef idx="minor">
-                <a:schemeClr val="lt1"/>
-              </a:fontRef>
-            </p:style>
-            <p:txBody>
-              <a:bodyPr rtlCol="0" anchor="ctr"/>
-              <a:lstStyle/>
-              <a:p>
-                <a:pPr algn="ctr"/>
-                <a:r>
-                  <a:rPr lang="en-US" sz="2800" dirty="0">
-                    <a:solidFill>
-                      <a:schemeClr val="tx1"/>
-                    </a:solidFill>
-                  </a:rPr>
-                  <a:t>9</a:t>
-                </a:r>
-              </a:p>
-            </p:txBody>
-          </p:sp>
-        </p:grpSp>
-      </p:grpSp>
-    </p:spTree>
-    <p:extLst>
-      <p:ext uri="{BB962C8B-B14F-4D97-AF65-F5344CB8AC3E}">
-        <p14:creationId xmlns:p14="http://schemas.microsoft.com/office/powerpoint/2010/main" val="3882270701"/>
-      </p:ext>
-    </p:extLst>
-  </p:cSld>
-  <p:clrMapOvr>
-    <a:masterClrMapping/>
-  </p:clrMapOvr>
-</p:sld>
-</file>
-
-<file path=ppt/slides/slide29.xml><?xml version="1.0" encoding="utf-8"?>
-<p:sld xmlns:a="http://schemas.openxmlformats.org/drawingml/2006/main" xmlns:r="http://schemas.openxmlformats.org/officeDocument/2006/relationships" xmlns:p="http://schemas.openxmlformats.org/presentationml/2006/main">
-  <p:cSld>
-    <p:spTree>
-      <p:nvGrpSpPr>
-        <p:cNvPr id="1" name=""/>
-        <p:cNvGrpSpPr/>
-        <p:nvPr/>
-      </p:nvGrpSpPr>
-      <p:grpSpPr>
-        <a:xfrm>
-          <a:off x="0" y="0"/>
-          <a:ext cx="0" cy="0"/>
-          <a:chOff x="0" y="0"/>
-          <a:chExt cx="0" cy="0"/>
-        </a:xfrm>
-      </p:grpSpPr>
-      <p:sp>
-        <p:nvSpPr>
-          <p:cNvPr id="2" name="Title 1">
-            <a:extLst>
-              <a:ext uri="{FF2B5EF4-FFF2-40B4-BE49-F238E27FC236}">
-                <a16:creationId xmlns:a16="http://schemas.microsoft.com/office/drawing/2014/main" id="{03682224-77C0-7101-3666-23633BC3E368}"/>
-              </a:ext>
-            </a:extLst>
-          </p:cNvPr>
-          <p:cNvSpPr>
-            <a:spLocks noGrp="1"/>
-          </p:cNvSpPr>
-          <p:nvPr>
-            <p:ph type="title"/>
-          </p:nvPr>
-        </p:nvSpPr>
-        <p:spPr/>
-        <p:txBody>
-          <a:bodyPr/>
-          <a:lstStyle/>
-          <a:p>
-            <a:r>
-              <a:rPr lang="en-US" dirty="0"/>
-              <a:t>Linear Probing: Delete</a:t>
-            </a:r>
-          </a:p>
-        </p:txBody>
-      </p:sp>
-      <p:sp>
-        <p:nvSpPr>
-          <p:cNvPr id="3" name="Content Placeholder 2">
-            <a:extLst>
-              <a:ext uri="{FF2B5EF4-FFF2-40B4-BE49-F238E27FC236}">
-                <a16:creationId xmlns:a16="http://schemas.microsoft.com/office/drawing/2014/main" id="{A97C19AB-1C53-85A1-A3AF-83DFA61F94B5}"/>
-              </a:ext>
-            </a:extLst>
-          </p:cNvPr>
-          <p:cNvSpPr>
-            <a:spLocks noGrp="1"/>
-          </p:cNvSpPr>
-          <p:nvPr>
-            <p:ph idx="1"/>
-          </p:nvPr>
-        </p:nvSpPr>
-        <p:spPr/>
-        <p:txBody>
-          <a:bodyPr/>
-          <a:lstStyle/>
-          <a:p>
-            <a:r>
               <a:rPr lang="en-US" b="1" dirty="0"/>
               <a:t>Option 1 (harder)</a:t>
             </a:r>
@@ -33119,6 +30450,2882 @@
     <p:extLst>
       <p:ext uri="{BB962C8B-B14F-4D97-AF65-F5344CB8AC3E}">
         <p14:creationId xmlns:p14="http://schemas.microsoft.com/office/powerpoint/2010/main" val="3420782224"/>
+      </p:ext>
+    </p:extLst>
+  </p:cSld>
+  <p:clrMapOvr>
+    <a:masterClrMapping/>
+  </p:clrMapOvr>
+</p:sld>
+</file>
+
+<file path=ppt/slides/slide28.xml><?xml version="1.0" encoding="utf-8"?>
+<p:sld xmlns:a="http://schemas.openxmlformats.org/drawingml/2006/main" xmlns:r="http://schemas.openxmlformats.org/officeDocument/2006/relationships" xmlns:p="http://schemas.openxmlformats.org/presentationml/2006/main">
+  <p:cSld>
+    <p:spTree>
+      <p:nvGrpSpPr>
+        <p:cNvPr id="1" name=""/>
+        <p:cNvGrpSpPr/>
+        <p:nvPr/>
+      </p:nvGrpSpPr>
+      <p:grpSpPr>
+        <a:xfrm>
+          <a:off x="0" y="0"/>
+          <a:ext cx="0" cy="0"/>
+          <a:chOff x="0" y="0"/>
+          <a:chExt cx="0" cy="0"/>
+        </a:xfrm>
+      </p:grpSpPr>
+      <p:sp>
+        <p:nvSpPr>
+          <p:cNvPr id="2" name="Title 1">
+            <a:extLst>
+              <a:ext uri="{FF2B5EF4-FFF2-40B4-BE49-F238E27FC236}">
+                <a16:creationId xmlns:a16="http://schemas.microsoft.com/office/drawing/2014/main" id="{03682224-77C0-7101-3666-23633BC3E368}"/>
+              </a:ext>
+            </a:extLst>
+          </p:cNvPr>
+          <p:cNvSpPr>
+            <a:spLocks noGrp="1"/>
+          </p:cNvSpPr>
+          <p:nvPr>
+            <p:ph type="title"/>
+          </p:nvPr>
+        </p:nvSpPr>
+        <p:spPr/>
+        <p:txBody>
+          <a:bodyPr/>
+          <a:lstStyle/>
+          <a:p>
+            <a:r>
+              <a:rPr lang="en-US" dirty="0"/>
+              <a:t>Linear Probing + Tombstone: Find</a:t>
+            </a:r>
+          </a:p>
+        </p:txBody>
+      </p:sp>
+      <p:sp>
+        <p:nvSpPr>
+          <p:cNvPr id="3" name="Content Placeholder 2">
+            <a:extLst>
+              <a:ext uri="{FF2B5EF4-FFF2-40B4-BE49-F238E27FC236}">
+                <a16:creationId xmlns:a16="http://schemas.microsoft.com/office/drawing/2014/main" id="{A97C19AB-1C53-85A1-A3AF-83DFA61F94B5}"/>
+              </a:ext>
+            </a:extLst>
+          </p:cNvPr>
+          <p:cNvSpPr>
+            <a:spLocks noGrp="1"/>
+          </p:cNvSpPr>
+          <p:nvPr>
+            <p:ph idx="1"/>
+          </p:nvPr>
+        </p:nvSpPr>
+        <p:spPr/>
+        <p:txBody>
+          <a:bodyPr/>
+          <a:lstStyle/>
+          <a:p>
+            <a:r>
+              <a:rPr lang="en-US" dirty="0"/>
+              <a:t>To find key </a:t>
+            </a:r>
+            <a:r>
+              <a:rPr lang="en-US" dirty="0">
+                <a:latin typeface="Consolas" panose="020B0609020204030204" pitchFamily="49" charset="0"/>
+              </a:rPr>
+              <a:t>k</a:t>
+            </a:r>
+          </a:p>
+          <a:p>
+            <a:pPr lvl="1"/>
+            <a:r>
+              <a:rPr lang="en-US" dirty="0"/>
+              <a:t>Calculate </a:t>
+            </a:r>
+            <a:r>
+              <a:rPr lang="en-US" dirty="0" err="1">
+                <a:latin typeface="Consolas" panose="020B0609020204030204" pitchFamily="49" charset="0"/>
+              </a:rPr>
+              <a:t>i</a:t>
+            </a:r>
+            <a:r>
+              <a:rPr lang="en-US" dirty="0">
+                <a:latin typeface="Consolas" panose="020B0609020204030204" pitchFamily="49" charset="0"/>
+              </a:rPr>
+              <a:t> = h(k) % </a:t>
+            </a:r>
+            <a:r>
+              <a:rPr lang="en-US" dirty="0" err="1">
+                <a:latin typeface="Consolas" panose="020B0609020204030204" pitchFamily="49" charset="0"/>
+              </a:rPr>
+              <a:t>table.length</a:t>
+            </a:r>
+            <a:endParaRPr lang="en-US" dirty="0"/>
+          </a:p>
+          <a:p>
+            <a:pPr lvl="1"/>
+            <a:r>
+              <a:rPr lang="en-US" dirty="0"/>
+              <a:t>While </a:t>
+            </a:r>
+            <a:r>
+              <a:rPr lang="en-US" dirty="0">
+                <a:latin typeface="Consolas" panose="020B0609020204030204" pitchFamily="49" charset="0"/>
+              </a:rPr>
+              <a:t>table[</a:t>
+            </a:r>
+            <a:r>
+              <a:rPr lang="en-US" dirty="0" err="1">
+                <a:latin typeface="Consolas" panose="020B0609020204030204" pitchFamily="49" charset="0"/>
+              </a:rPr>
+              <a:t>i</a:t>
+            </a:r>
+            <a:r>
+              <a:rPr lang="en-US" dirty="0">
+                <a:latin typeface="Consolas" panose="020B0609020204030204" pitchFamily="49" charset="0"/>
+              </a:rPr>
+              <a:t>]</a:t>
+            </a:r>
+            <a:r>
+              <a:rPr lang="en-US" dirty="0"/>
+              <a:t> has a key other than </a:t>
+            </a:r>
+            <a:r>
+              <a:rPr lang="en-US" dirty="0">
+                <a:latin typeface="Consolas" panose="020B0609020204030204" pitchFamily="49" charset="0"/>
+              </a:rPr>
+              <a:t>k</a:t>
+            </a:r>
+            <a:r>
+              <a:rPr lang="en-US" dirty="0"/>
+              <a:t>, set </a:t>
+            </a:r>
+            <a:r>
+              <a:rPr lang="en-US" dirty="0" err="1">
+                <a:latin typeface="Consolas" panose="020B0609020204030204" pitchFamily="49" charset="0"/>
+              </a:rPr>
+              <a:t>i</a:t>
+            </a:r>
+            <a:r>
+              <a:rPr lang="en-US" dirty="0">
+                <a:latin typeface="Consolas" panose="020B0609020204030204" pitchFamily="49" charset="0"/>
+              </a:rPr>
+              <a:t> = (i+1) % </a:t>
+            </a:r>
+            <a:r>
+              <a:rPr lang="en-US" dirty="0" err="1">
+                <a:latin typeface="Consolas" panose="020B0609020204030204" pitchFamily="49" charset="0"/>
+              </a:rPr>
+              <a:t>table.length</a:t>
+            </a:r>
+            <a:endParaRPr lang="en-US" dirty="0"/>
+          </a:p>
+          <a:p>
+            <a:pPr lvl="1"/>
+            <a:r>
+              <a:rPr lang="en-US" dirty="0"/>
+              <a:t>If you come across </a:t>
+            </a:r>
+            <a:r>
+              <a:rPr lang="en-US" dirty="0">
+                <a:latin typeface="Consolas" panose="020B0609020204030204" pitchFamily="49" charset="0"/>
+              </a:rPr>
+              <a:t>k</a:t>
+            </a:r>
+            <a:r>
+              <a:rPr lang="en-US" dirty="0"/>
+              <a:t> return </a:t>
+            </a:r>
+            <a:r>
+              <a:rPr lang="en-US" dirty="0">
+                <a:latin typeface="Consolas" panose="020B0609020204030204" pitchFamily="49" charset="0"/>
+              </a:rPr>
+              <a:t>table[</a:t>
+            </a:r>
+            <a:r>
+              <a:rPr lang="en-US" dirty="0" err="1">
+                <a:latin typeface="Consolas" panose="020B0609020204030204" pitchFamily="49" charset="0"/>
+              </a:rPr>
+              <a:t>i</a:t>
+            </a:r>
+            <a:r>
+              <a:rPr lang="en-US" dirty="0">
+                <a:latin typeface="Consolas" panose="020B0609020204030204" pitchFamily="49" charset="0"/>
+              </a:rPr>
+              <a:t>]</a:t>
+            </a:r>
+            <a:endParaRPr lang="en-US" dirty="0"/>
+          </a:p>
+          <a:p>
+            <a:pPr lvl="1"/>
+            <a:r>
+              <a:rPr lang="en-US" dirty="0"/>
+              <a:t>If you come across an empty index, the find was unsuccessful</a:t>
+            </a:r>
+          </a:p>
+        </p:txBody>
+      </p:sp>
+      <p:grpSp>
+        <p:nvGrpSpPr>
+          <p:cNvPr id="4" name="Group 3">
+            <a:extLst>
+              <a:ext uri="{FF2B5EF4-FFF2-40B4-BE49-F238E27FC236}">
+                <a16:creationId xmlns:a16="http://schemas.microsoft.com/office/drawing/2014/main" id="{276BC9F7-99BA-B7BC-1AD2-84242D56EDF4}"/>
+              </a:ext>
+            </a:extLst>
+          </p:cNvPr>
+          <p:cNvGrpSpPr/>
+          <p:nvPr/>
+        </p:nvGrpSpPr>
+        <p:grpSpPr>
+          <a:xfrm>
+            <a:off x="2895600" y="5467983"/>
+            <a:ext cx="6400800" cy="1097280"/>
+            <a:chOff x="4953000" y="660717"/>
+            <a:chExt cx="6400800" cy="1097280"/>
+          </a:xfrm>
+        </p:grpSpPr>
+        <p:grpSp>
+          <p:nvGrpSpPr>
+            <p:cNvPr id="5" name="Group 4">
+              <a:extLst>
+                <a:ext uri="{FF2B5EF4-FFF2-40B4-BE49-F238E27FC236}">
+                  <a16:creationId xmlns:a16="http://schemas.microsoft.com/office/drawing/2014/main" id="{412EC1DB-D4A6-6B7B-7C6F-C60875C4B880}"/>
+                </a:ext>
+              </a:extLst>
+            </p:cNvPr>
+            <p:cNvGrpSpPr/>
+            <p:nvPr/>
+          </p:nvGrpSpPr>
+          <p:grpSpPr>
+            <a:xfrm>
+              <a:off x="4953000" y="660717"/>
+              <a:ext cx="6400800" cy="640080"/>
+              <a:chOff x="2252980" y="5083048"/>
+              <a:chExt cx="6400800" cy="640080"/>
+            </a:xfrm>
+          </p:grpSpPr>
+          <p:sp>
+            <p:nvSpPr>
+              <p:cNvPr id="17" name="Rectangle 16">
+                <a:extLst>
+                  <a:ext uri="{FF2B5EF4-FFF2-40B4-BE49-F238E27FC236}">
+                    <a16:creationId xmlns:a16="http://schemas.microsoft.com/office/drawing/2014/main" id="{0F0BD263-8B0C-EE09-006A-586758C03449}"/>
+                  </a:ext>
+                </a:extLst>
+              </p:cNvPr>
+              <p:cNvSpPr/>
+              <p:nvPr/>
+            </p:nvSpPr>
+            <p:spPr>
+              <a:xfrm>
+                <a:off x="2252980" y="5083048"/>
+                <a:ext cx="640080" cy="640080"/>
+              </a:xfrm>
+              <a:prstGeom prst="rect">
+                <a:avLst/>
+              </a:prstGeom>
+              <a:solidFill>
+                <a:schemeClr val="bg1"/>
+              </a:solidFill>
+            </p:spPr>
+            <p:style>
+              <a:lnRef idx="2">
+                <a:schemeClr val="accent1">
+                  <a:shade val="15000"/>
+                </a:schemeClr>
+              </a:lnRef>
+              <a:fillRef idx="1">
+                <a:schemeClr val="accent1"/>
+              </a:fillRef>
+              <a:effectRef idx="0">
+                <a:schemeClr val="accent1"/>
+              </a:effectRef>
+              <a:fontRef idx="minor">
+                <a:schemeClr val="lt1"/>
+              </a:fontRef>
+            </p:style>
+            <p:txBody>
+              <a:bodyPr rtlCol="0" anchor="ctr"/>
+              <a:lstStyle/>
+              <a:p>
+                <a:pPr algn="ctr"/>
+                <a:endParaRPr lang="en-US" sz="2800" dirty="0">
+                  <a:solidFill>
+                    <a:schemeClr val="tx1"/>
+                  </a:solidFill>
+                </a:endParaRPr>
+              </a:p>
+            </p:txBody>
+          </p:sp>
+          <p:sp>
+            <p:nvSpPr>
+              <p:cNvPr id="18" name="Rectangle 17">
+                <a:extLst>
+                  <a:ext uri="{FF2B5EF4-FFF2-40B4-BE49-F238E27FC236}">
+                    <a16:creationId xmlns:a16="http://schemas.microsoft.com/office/drawing/2014/main" id="{1BCB131B-1A39-0FB0-EC28-AB2DC7165455}"/>
+                  </a:ext>
+                </a:extLst>
+              </p:cNvPr>
+              <p:cNvSpPr/>
+              <p:nvPr/>
+            </p:nvSpPr>
+            <p:spPr>
+              <a:xfrm>
+                <a:off x="2893060" y="5083048"/>
+                <a:ext cx="640080" cy="640080"/>
+              </a:xfrm>
+              <a:prstGeom prst="rect">
+                <a:avLst/>
+              </a:prstGeom>
+              <a:solidFill>
+                <a:schemeClr val="bg1"/>
+              </a:solidFill>
+            </p:spPr>
+            <p:style>
+              <a:lnRef idx="2">
+                <a:schemeClr val="accent1">
+                  <a:shade val="15000"/>
+                </a:schemeClr>
+              </a:lnRef>
+              <a:fillRef idx="1">
+                <a:schemeClr val="accent1"/>
+              </a:fillRef>
+              <a:effectRef idx="0">
+                <a:schemeClr val="accent1"/>
+              </a:effectRef>
+              <a:fontRef idx="minor">
+                <a:schemeClr val="lt1"/>
+              </a:fontRef>
+            </p:style>
+            <p:txBody>
+              <a:bodyPr rtlCol="0" anchor="ctr"/>
+              <a:lstStyle/>
+              <a:p>
+                <a:pPr algn="ctr"/>
+                <a:endParaRPr lang="en-US" sz="2800" dirty="0">
+                  <a:solidFill>
+                    <a:schemeClr val="tx1"/>
+                  </a:solidFill>
+                </a:endParaRPr>
+              </a:p>
+            </p:txBody>
+          </p:sp>
+          <p:sp>
+            <p:nvSpPr>
+              <p:cNvPr id="19" name="Rectangle 18">
+                <a:extLst>
+                  <a:ext uri="{FF2B5EF4-FFF2-40B4-BE49-F238E27FC236}">
+                    <a16:creationId xmlns:a16="http://schemas.microsoft.com/office/drawing/2014/main" id="{20065800-76F9-7D0C-E5B6-87020D3297B3}"/>
+                  </a:ext>
+                </a:extLst>
+              </p:cNvPr>
+              <p:cNvSpPr/>
+              <p:nvPr/>
+            </p:nvSpPr>
+            <p:spPr>
+              <a:xfrm>
+                <a:off x="3533140" y="5083048"/>
+                <a:ext cx="640080" cy="640080"/>
+              </a:xfrm>
+              <a:prstGeom prst="rect">
+                <a:avLst/>
+              </a:prstGeom>
+              <a:solidFill>
+                <a:schemeClr val="bg1"/>
+              </a:solidFill>
+            </p:spPr>
+            <p:style>
+              <a:lnRef idx="2">
+                <a:schemeClr val="accent1">
+                  <a:shade val="15000"/>
+                </a:schemeClr>
+              </a:lnRef>
+              <a:fillRef idx="1">
+                <a:schemeClr val="accent1"/>
+              </a:fillRef>
+              <a:effectRef idx="0">
+                <a:schemeClr val="accent1"/>
+              </a:effectRef>
+              <a:fontRef idx="minor">
+                <a:schemeClr val="lt1"/>
+              </a:fontRef>
+            </p:style>
+            <p:txBody>
+              <a:bodyPr rtlCol="0" anchor="ctr"/>
+              <a:lstStyle/>
+              <a:p>
+                <a:pPr algn="ctr"/>
+                <a:endParaRPr lang="en-US" sz="2800" dirty="0">
+                  <a:solidFill>
+                    <a:schemeClr val="tx1"/>
+                  </a:solidFill>
+                </a:endParaRPr>
+              </a:p>
+            </p:txBody>
+          </p:sp>
+          <p:sp>
+            <p:nvSpPr>
+              <p:cNvPr id="20" name="Rectangle 19">
+                <a:extLst>
+                  <a:ext uri="{FF2B5EF4-FFF2-40B4-BE49-F238E27FC236}">
+                    <a16:creationId xmlns:a16="http://schemas.microsoft.com/office/drawing/2014/main" id="{AA775EEE-4045-A0E9-526E-AC2E4A2B220F}"/>
+                  </a:ext>
+                </a:extLst>
+              </p:cNvPr>
+              <p:cNvSpPr/>
+              <p:nvPr/>
+            </p:nvSpPr>
+            <p:spPr>
+              <a:xfrm>
+                <a:off x="4173220" y="5083048"/>
+                <a:ext cx="640080" cy="640080"/>
+              </a:xfrm>
+              <a:prstGeom prst="rect">
+                <a:avLst/>
+              </a:prstGeom>
+              <a:solidFill>
+                <a:schemeClr val="bg1"/>
+              </a:solidFill>
+            </p:spPr>
+            <p:style>
+              <a:lnRef idx="2">
+                <a:schemeClr val="accent1">
+                  <a:shade val="15000"/>
+                </a:schemeClr>
+              </a:lnRef>
+              <a:fillRef idx="1">
+                <a:schemeClr val="accent1"/>
+              </a:fillRef>
+              <a:effectRef idx="0">
+                <a:schemeClr val="accent1"/>
+              </a:effectRef>
+              <a:fontRef idx="minor">
+                <a:schemeClr val="lt1"/>
+              </a:fontRef>
+            </p:style>
+            <p:txBody>
+              <a:bodyPr rtlCol="0" anchor="ctr"/>
+              <a:lstStyle/>
+              <a:p>
+                <a:pPr algn="ctr"/>
+                <a:endParaRPr lang="en-US" sz="2800" dirty="0">
+                  <a:solidFill>
+                    <a:schemeClr val="tx1"/>
+                  </a:solidFill>
+                </a:endParaRPr>
+              </a:p>
+            </p:txBody>
+          </p:sp>
+          <p:sp>
+            <p:nvSpPr>
+              <p:cNvPr id="21" name="Rectangle 20">
+                <a:extLst>
+                  <a:ext uri="{FF2B5EF4-FFF2-40B4-BE49-F238E27FC236}">
+                    <a16:creationId xmlns:a16="http://schemas.microsoft.com/office/drawing/2014/main" id="{48B9BA47-C1A1-480B-FBD9-0B5D0C3FEC27}"/>
+                  </a:ext>
+                </a:extLst>
+              </p:cNvPr>
+              <p:cNvSpPr/>
+              <p:nvPr/>
+            </p:nvSpPr>
+            <p:spPr>
+              <a:xfrm>
+                <a:off x="4813300" y="5083048"/>
+                <a:ext cx="640080" cy="640080"/>
+              </a:xfrm>
+              <a:prstGeom prst="rect">
+                <a:avLst/>
+              </a:prstGeom>
+              <a:solidFill>
+                <a:schemeClr val="bg1"/>
+              </a:solidFill>
+            </p:spPr>
+            <p:style>
+              <a:lnRef idx="2">
+                <a:schemeClr val="accent1">
+                  <a:shade val="15000"/>
+                </a:schemeClr>
+              </a:lnRef>
+              <a:fillRef idx="1">
+                <a:schemeClr val="accent1"/>
+              </a:fillRef>
+              <a:effectRef idx="0">
+                <a:schemeClr val="accent1"/>
+              </a:effectRef>
+              <a:fontRef idx="minor">
+                <a:schemeClr val="lt1"/>
+              </a:fontRef>
+            </p:style>
+            <p:txBody>
+              <a:bodyPr rtlCol="0" anchor="ctr"/>
+              <a:lstStyle/>
+              <a:p>
+                <a:pPr algn="ctr"/>
+                <a:endParaRPr lang="en-US" sz="2800" dirty="0">
+                  <a:solidFill>
+                    <a:schemeClr val="tx1"/>
+                  </a:solidFill>
+                </a:endParaRPr>
+              </a:p>
+            </p:txBody>
+          </p:sp>
+          <p:sp>
+            <p:nvSpPr>
+              <p:cNvPr id="22" name="Rectangle 21">
+                <a:extLst>
+                  <a:ext uri="{FF2B5EF4-FFF2-40B4-BE49-F238E27FC236}">
+                    <a16:creationId xmlns:a16="http://schemas.microsoft.com/office/drawing/2014/main" id="{BB61FD45-4837-E870-55ED-6756EC2B5361}"/>
+                  </a:ext>
+                </a:extLst>
+              </p:cNvPr>
+              <p:cNvSpPr/>
+              <p:nvPr/>
+            </p:nvSpPr>
+            <p:spPr>
+              <a:xfrm>
+                <a:off x="5453380" y="5083048"/>
+                <a:ext cx="640080" cy="640080"/>
+              </a:xfrm>
+              <a:prstGeom prst="rect">
+                <a:avLst/>
+              </a:prstGeom>
+              <a:solidFill>
+                <a:schemeClr val="bg1"/>
+              </a:solidFill>
+            </p:spPr>
+            <p:style>
+              <a:lnRef idx="2">
+                <a:schemeClr val="accent1">
+                  <a:shade val="15000"/>
+                </a:schemeClr>
+              </a:lnRef>
+              <a:fillRef idx="1">
+                <a:schemeClr val="accent1"/>
+              </a:fillRef>
+              <a:effectRef idx="0">
+                <a:schemeClr val="accent1"/>
+              </a:effectRef>
+              <a:fontRef idx="minor">
+                <a:schemeClr val="lt1"/>
+              </a:fontRef>
+            </p:style>
+            <p:txBody>
+              <a:bodyPr rtlCol="0" anchor="ctr"/>
+              <a:lstStyle/>
+              <a:p>
+                <a:pPr algn="ctr"/>
+                <a:endParaRPr lang="en-US" sz="2800" dirty="0">
+                  <a:solidFill>
+                    <a:schemeClr val="tx1"/>
+                  </a:solidFill>
+                </a:endParaRPr>
+              </a:p>
+            </p:txBody>
+          </p:sp>
+          <p:sp>
+            <p:nvSpPr>
+              <p:cNvPr id="23" name="Rectangle 22">
+                <a:extLst>
+                  <a:ext uri="{FF2B5EF4-FFF2-40B4-BE49-F238E27FC236}">
+                    <a16:creationId xmlns:a16="http://schemas.microsoft.com/office/drawing/2014/main" id="{AEEA9484-5BD7-74CD-F516-9CC8D067DE6A}"/>
+                  </a:ext>
+                </a:extLst>
+              </p:cNvPr>
+              <p:cNvSpPr/>
+              <p:nvPr/>
+            </p:nvSpPr>
+            <p:spPr>
+              <a:xfrm>
+                <a:off x="6093460" y="5083048"/>
+                <a:ext cx="640080" cy="640080"/>
+              </a:xfrm>
+              <a:prstGeom prst="rect">
+                <a:avLst/>
+              </a:prstGeom>
+              <a:solidFill>
+                <a:schemeClr val="bg1"/>
+              </a:solidFill>
+            </p:spPr>
+            <p:style>
+              <a:lnRef idx="2">
+                <a:schemeClr val="accent1">
+                  <a:shade val="15000"/>
+                </a:schemeClr>
+              </a:lnRef>
+              <a:fillRef idx="1">
+                <a:schemeClr val="accent1"/>
+              </a:fillRef>
+              <a:effectRef idx="0">
+                <a:schemeClr val="accent1"/>
+              </a:effectRef>
+              <a:fontRef idx="minor">
+                <a:schemeClr val="lt1"/>
+              </a:fontRef>
+            </p:style>
+            <p:txBody>
+              <a:bodyPr rtlCol="0" anchor="ctr"/>
+              <a:lstStyle/>
+              <a:p>
+                <a:pPr algn="ctr"/>
+                <a:endParaRPr lang="en-US" sz="2800" dirty="0">
+                  <a:solidFill>
+                    <a:schemeClr val="tx1"/>
+                  </a:solidFill>
+                </a:endParaRPr>
+              </a:p>
+            </p:txBody>
+          </p:sp>
+          <p:sp>
+            <p:nvSpPr>
+              <p:cNvPr id="24" name="Rectangle 23">
+                <a:extLst>
+                  <a:ext uri="{FF2B5EF4-FFF2-40B4-BE49-F238E27FC236}">
+                    <a16:creationId xmlns:a16="http://schemas.microsoft.com/office/drawing/2014/main" id="{2F251C79-01BF-5C06-7487-02E695D99A4F}"/>
+                  </a:ext>
+                </a:extLst>
+              </p:cNvPr>
+              <p:cNvSpPr/>
+              <p:nvPr/>
+            </p:nvSpPr>
+            <p:spPr>
+              <a:xfrm>
+                <a:off x="6733540" y="5083048"/>
+                <a:ext cx="640080" cy="640080"/>
+              </a:xfrm>
+              <a:prstGeom prst="rect">
+                <a:avLst/>
+              </a:prstGeom>
+              <a:solidFill>
+                <a:schemeClr val="bg1"/>
+              </a:solidFill>
+            </p:spPr>
+            <p:style>
+              <a:lnRef idx="2">
+                <a:schemeClr val="accent1">
+                  <a:shade val="15000"/>
+                </a:schemeClr>
+              </a:lnRef>
+              <a:fillRef idx="1">
+                <a:schemeClr val="accent1"/>
+              </a:fillRef>
+              <a:effectRef idx="0">
+                <a:schemeClr val="accent1"/>
+              </a:effectRef>
+              <a:fontRef idx="minor">
+                <a:schemeClr val="lt1"/>
+              </a:fontRef>
+            </p:style>
+            <p:txBody>
+              <a:bodyPr rtlCol="0" anchor="ctr"/>
+              <a:lstStyle/>
+              <a:p>
+                <a:pPr algn="ctr"/>
+                <a:endParaRPr lang="en-US" sz="2800" dirty="0">
+                  <a:solidFill>
+                    <a:schemeClr val="tx1"/>
+                  </a:solidFill>
+                </a:endParaRPr>
+              </a:p>
+            </p:txBody>
+          </p:sp>
+          <p:sp>
+            <p:nvSpPr>
+              <p:cNvPr id="25" name="Rectangle 24">
+                <a:extLst>
+                  <a:ext uri="{FF2B5EF4-FFF2-40B4-BE49-F238E27FC236}">
+                    <a16:creationId xmlns:a16="http://schemas.microsoft.com/office/drawing/2014/main" id="{C67AFA12-FBBE-9F99-7B1A-AE3BB7D429F8}"/>
+                  </a:ext>
+                </a:extLst>
+              </p:cNvPr>
+              <p:cNvSpPr/>
+              <p:nvPr/>
+            </p:nvSpPr>
+            <p:spPr>
+              <a:xfrm>
+                <a:off x="7373620" y="5083048"/>
+                <a:ext cx="640080" cy="640080"/>
+              </a:xfrm>
+              <a:prstGeom prst="rect">
+                <a:avLst/>
+              </a:prstGeom>
+              <a:solidFill>
+                <a:schemeClr val="bg1"/>
+              </a:solidFill>
+            </p:spPr>
+            <p:style>
+              <a:lnRef idx="2">
+                <a:schemeClr val="accent1">
+                  <a:shade val="15000"/>
+                </a:schemeClr>
+              </a:lnRef>
+              <a:fillRef idx="1">
+                <a:schemeClr val="accent1"/>
+              </a:fillRef>
+              <a:effectRef idx="0">
+                <a:schemeClr val="accent1"/>
+              </a:effectRef>
+              <a:fontRef idx="minor">
+                <a:schemeClr val="lt1"/>
+              </a:fontRef>
+            </p:style>
+            <p:txBody>
+              <a:bodyPr rtlCol="0" anchor="ctr"/>
+              <a:lstStyle/>
+              <a:p>
+                <a:pPr algn="ctr"/>
+                <a:endParaRPr lang="en-US" sz="2800" dirty="0">
+                  <a:solidFill>
+                    <a:schemeClr val="tx1"/>
+                  </a:solidFill>
+                </a:endParaRPr>
+              </a:p>
+            </p:txBody>
+          </p:sp>
+          <p:sp>
+            <p:nvSpPr>
+              <p:cNvPr id="26" name="Rectangle 25">
+                <a:extLst>
+                  <a:ext uri="{FF2B5EF4-FFF2-40B4-BE49-F238E27FC236}">
+                    <a16:creationId xmlns:a16="http://schemas.microsoft.com/office/drawing/2014/main" id="{1A245A2F-6564-4891-A90C-E3E2BF04E125}"/>
+                  </a:ext>
+                </a:extLst>
+              </p:cNvPr>
+              <p:cNvSpPr/>
+              <p:nvPr/>
+            </p:nvSpPr>
+            <p:spPr>
+              <a:xfrm>
+                <a:off x="8013700" y="5083048"/>
+                <a:ext cx="640080" cy="640080"/>
+              </a:xfrm>
+              <a:prstGeom prst="rect">
+                <a:avLst/>
+              </a:prstGeom>
+              <a:solidFill>
+                <a:schemeClr val="bg1"/>
+              </a:solidFill>
+            </p:spPr>
+            <p:style>
+              <a:lnRef idx="2">
+                <a:schemeClr val="accent1">
+                  <a:shade val="15000"/>
+                </a:schemeClr>
+              </a:lnRef>
+              <a:fillRef idx="1">
+                <a:schemeClr val="accent1"/>
+              </a:fillRef>
+              <a:effectRef idx="0">
+                <a:schemeClr val="accent1"/>
+              </a:effectRef>
+              <a:fontRef idx="minor">
+                <a:schemeClr val="lt1"/>
+              </a:fontRef>
+            </p:style>
+            <p:txBody>
+              <a:bodyPr rtlCol="0" anchor="ctr"/>
+              <a:lstStyle/>
+              <a:p>
+                <a:pPr algn="ctr"/>
+                <a:endParaRPr lang="en-US" sz="2800" dirty="0">
+                  <a:solidFill>
+                    <a:schemeClr val="tx1"/>
+                  </a:solidFill>
+                </a:endParaRPr>
+              </a:p>
+            </p:txBody>
+          </p:sp>
+        </p:grpSp>
+        <p:grpSp>
+          <p:nvGrpSpPr>
+            <p:cNvPr id="6" name="Group 5">
+              <a:extLst>
+                <a:ext uri="{FF2B5EF4-FFF2-40B4-BE49-F238E27FC236}">
+                  <a16:creationId xmlns:a16="http://schemas.microsoft.com/office/drawing/2014/main" id="{EAE4A53B-9B6C-7B8D-8E87-A270ED0D10A3}"/>
+                </a:ext>
+              </a:extLst>
+            </p:cNvPr>
+            <p:cNvGrpSpPr/>
+            <p:nvPr/>
+          </p:nvGrpSpPr>
+          <p:grpSpPr>
+            <a:xfrm>
+              <a:off x="4953000" y="1117917"/>
+              <a:ext cx="6400800" cy="640080"/>
+              <a:chOff x="2252980" y="5083048"/>
+              <a:chExt cx="6400800" cy="640080"/>
+            </a:xfrm>
+            <a:noFill/>
+          </p:grpSpPr>
+          <p:sp>
+            <p:nvSpPr>
+              <p:cNvPr id="7" name="Rectangle 6">
+                <a:extLst>
+                  <a:ext uri="{FF2B5EF4-FFF2-40B4-BE49-F238E27FC236}">
+                    <a16:creationId xmlns:a16="http://schemas.microsoft.com/office/drawing/2014/main" id="{BBBD0B4C-F158-E738-E58A-1DA6795238D8}"/>
+                  </a:ext>
+                </a:extLst>
+              </p:cNvPr>
+              <p:cNvSpPr/>
+              <p:nvPr/>
+            </p:nvSpPr>
+            <p:spPr>
+              <a:xfrm>
+                <a:off x="2252980" y="5083048"/>
+                <a:ext cx="640080" cy="640080"/>
+              </a:xfrm>
+              <a:prstGeom prst="rect">
+                <a:avLst/>
+              </a:prstGeom>
+              <a:grpFill/>
+              <a:ln>
+                <a:noFill/>
+              </a:ln>
+            </p:spPr>
+            <p:style>
+              <a:lnRef idx="2">
+                <a:schemeClr val="accent1">
+                  <a:shade val="15000"/>
+                </a:schemeClr>
+              </a:lnRef>
+              <a:fillRef idx="1">
+                <a:schemeClr val="accent1"/>
+              </a:fillRef>
+              <a:effectRef idx="0">
+                <a:schemeClr val="accent1"/>
+              </a:effectRef>
+              <a:fontRef idx="minor">
+                <a:schemeClr val="lt1"/>
+              </a:fontRef>
+            </p:style>
+            <p:txBody>
+              <a:bodyPr rtlCol="0" anchor="ctr"/>
+              <a:lstStyle/>
+              <a:p>
+                <a:pPr algn="ctr"/>
+                <a:r>
+                  <a:rPr lang="en-US" sz="2800" dirty="0">
+                    <a:solidFill>
+                      <a:schemeClr val="tx1"/>
+                    </a:solidFill>
+                  </a:rPr>
+                  <a:t>0</a:t>
+                </a:r>
+              </a:p>
+            </p:txBody>
+          </p:sp>
+          <p:sp>
+            <p:nvSpPr>
+              <p:cNvPr id="8" name="Rectangle 7">
+                <a:extLst>
+                  <a:ext uri="{FF2B5EF4-FFF2-40B4-BE49-F238E27FC236}">
+                    <a16:creationId xmlns:a16="http://schemas.microsoft.com/office/drawing/2014/main" id="{EE8BF469-3A2B-FC51-C4A4-253D9013DAF7}"/>
+                  </a:ext>
+                </a:extLst>
+              </p:cNvPr>
+              <p:cNvSpPr/>
+              <p:nvPr/>
+            </p:nvSpPr>
+            <p:spPr>
+              <a:xfrm>
+                <a:off x="2893060" y="5083048"/>
+                <a:ext cx="640080" cy="640080"/>
+              </a:xfrm>
+              <a:prstGeom prst="rect">
+                <a:avLst/>
+              </a:prstGeom>
+              <a:grpFill/>
+              <a:ln>
+                <a:noFill/>
+              </a:ln>
+            </p:spPr>
+            <p:style>
+              <a:lnRef idx="2">
+                <a:schemeClr val="accent1">
+                  <a:shade val="15000"/>
+                </a:schemeClr>
+              </a:lnRef>
+              <a:fillRef idx="1">
+                <a:schemeClr val="accent1"/>
+              </a:fillRef>
+              <a:effectRef idx="0">
+                <a:schemeClr val="accent1"/>
+              </a:effectRef>
+              <a:fontRef idx="minor">
+                <a:schemeClr val="lt1"/>
+              </a:fontRef>
+            </p:style>
+            <p:txBody>
+              <a:bodyPr rtlCol="0" anchor="ctr"/>
+              <a:lstStyle/>
+              <a:p>
+                <a:pPr algn="ctr"/>
+                <a:r>
+                  <a:rPr lang="en-US" sz="2800" dirty="0">
+                    <a:solidFill>
+                      <a:schemeClr val="tx1"/>
+                    </a:solidFill>
+                  </a:rPr>
+                  <a:t>1</a:t>
+                </a:r>
+              </a:p>
+            </p:txBody>
+          </p:sp>
+          <p:sp>
+            <p:nvSpPr>
+              <p:cNvPr id="9" name="Rectangle 8">
+                <a:extLst>
+                  <a:ext uri="{FF2B5EF4-FFF2-40B4-BE49-F238E27FC236}">
+                    <a16:creationId xmlns:a16="http://schemas.microsoft.com/office/drawing/2014/main" id="{C9AC31F3-54B7-B947-0217-17FC02604175}"/>
+                  </a:ext>
+                </a:extLst>
+              </p:cNvPr>
+              <p:cNvSpPr/>
+              <p:nvPr/>
+            </p:nvSpPr>
+            <p:spPr>
+              <a:xfrm>
+                <a:off x="3533140" y="5083048"/>
+                <a:ext cx="640080" cy="640080"/>
+              </a:xfrm>
+              <a:prstGeom prst="rect">
+                <a:avLst/>
+              </a:prstGeom>
+              <a:grpFill/>
+              <a:ln>
+                <a:noFill/>
+              </a:ln>
+            </p:spPr>
+            <p:style>
+              <a:lnRef idx="2">
+                <a:schemeClr val="accent1">
+                  <a:shade val="15000"/>
+                </a:schemeClr>
+              </a:lnRef>
+              <a:fillRef idx="1">
+                <a:schemeClr val="accent1"/>
+              </a:fillRef>
+              <a:effectRef idx="0">
+                <a:schemeClr val="accent1"/>
+              </a:effectRef>
+              <a:fontRef idx="minor">
+                <a:schemeClr val="lt1"/>
+              </a:fontRef>
+            </p:style>
+            <p:txBody>
+              <a:bodyPr rtlCol="0" anchor="ctr"/>
+              <a:lstStyle/>
+              <a:p>
+                <a:pPr algn="ctr"/>
+                <a:r>
+                  <a:rPr lang="en-US" sz="2800" dirty="0">
+                    <a:solidFill>
+                      <a:schemeClr val="tx1"/>
+                    </a:solidFill>
+                  </a:rPr>
+                  <a:t>2</a:t>
+                </a:r>
+              </a:p>
+            </p:txBody>
+          </p:sp>
+          <p:sp>
+            <p:nvSpPr>
+              <p:cNvPr id="10" name="Rectangle 9">
+                <a:extLst>
+                  <a:ext uri="{FF2B5EF4-FFF2-40B4-BE49-F238E27FC236}">
+                    <a16:creationId xmlns:a16="http://schemas.microsoft.com/office/drawing/2014/main" id="{E6818FCD-6E83-A9BD-EAA4-3AAD7B03036B}"/>
+                  </a:ext>
+                </a:extLst>
+              </p:cNvPr>
+              <p:cNvSpPr/>
+              <p:nvPr/>
+            </p:nvSpPr>
+            <p:spPr>
+              <a:xfrm>
+                <a:off x="4173220" y="5083048"/>
+                <a:ext cx="640080" cy="640080"/>
+              </a:xfrm>
+              <a:prstGeom prst="rect">
+                <a:avLst/>
+              </a:prstGeom>
+              <a:grpFill/>
+              <a:ln>
+                <a:noFill/>
+              </a:ln>
+            </p:spPr>
+            <p:style>
+              <a:lnRef idx="2">
+                <a:schemeClr val="accent1">
+                  <a:shade val="15000"/>
+                </a:schemeClr>
+              </a:lnRef>
+              <a:fillRef idx="1">
+                <a:schemeClr val="accent1"/>
+              </a:fillRef>
+              <a:effectRef idx="0">
+                <a:schemeClr val="accent1"/>
+              </a:effectRef>
+              <a:fontRef idx="minor">
+                <a:schemeClr val="lt1"/>
+              </a:fontRef>
+            </p:style>
+            <p:txBody>
+              <a:bodyPr rtlCol="0" anchor="ctr"/>
+              <a:lstStyle/>
+              <a:p>
+                <a:pPr algn="ctr"/>
+                <a:r>
+                  <a:rPr lang="en-US" sz="2800" dirty="0">
+                    <a:solidFill>
+                      <a:schemeClr val="tx1"/>
+                    </a:solidFill>
+                  </a:rPr>
+                  <a:t>3</a:t>
+                </a:r>
+              </a:p>
+            </p:txBody>
+          </p:sp>
+          <p:sp>
+            <p:nvSpPr>
+              <p:cNvPr id="11" name="Rectangle 10">
+                <a:extLst>
+                  <a:ext uri="{FF2B5EF4-FFF2-40B4-BE49-F238E27FC236}">
+                    <a16:creationId xmlns:a16="http://schemas.microsoft.com/office/drawing/2014/main" id="{39B224D1-EB59-30C6-540B-8994D7663CDC}"/>
+                  </a:ext>
+                </a:extLst>
+              </p:cNvPr>
+              <p:cNvSpPr/>
+              <p:nvPr/>
+            </p:nvSpPr>
+            <p:spPr>
+              <a:xfrm>
+                <a:off x="4813300" y="5083048"/>
+                <a:ext cx="640080" cy="640080"/>
+              </a:xfrm>
+              <a:prstGeom prst="rect">
+                <a:avLst/>
+              </a:prstGeom>
+              <a:grpFill/>
+              <a:ln>
+                <a:noFill/>
+              </a:ln>
+            </p:spPr>
+            <p:style>
+              <a:lnRef idx="2">
+                <a:schemeClr val="accent1">
+                  <a:shade val="15000"/>
+                </a:schemeClr>
+              </a:lnRef>
+              <a:fillRef idx="1">
+                <a:schemeClr val="accent1"/>
+              </a:fillRef>
+              <a:effectRef idx="0">
+                <a:schemeClr val="accent1"/>
+              </a:effectRef>
+              <a:fontRef idx="minor">
+                <a:schemeClr val="lt1"/>
+              </a:fontRef>
+            </p:style>
+            <p:txBody>
+              <a:bodyPr rtlCol="0" anchor="ctr"/>
+              <a:lstStyle/>
+              <a:p>
+                <a:pPr algn="ctr"/>
+                <a:r>
+                  <a:rPr lang="en-US" sz="2800" dirty="0">
+                    <a:solidFill>
+                      <a:schemeClr val="tx1"/>
+                    </a:solidFill>
+                  </a:rPr>
+                  <a:t>4</a:t>
+                </a:r>
+              </a:p>
+            </p:txBody>
+          </p:sp>
+          <p:sp>
+            <p:nvSpPr>
+              <p:cNvPr id="12" name="Rectangle 11">
+                <a:extLst>
+                  <a:ext uri="{FF2B5EF4-FFF2-40B4-BE49-F238E27FC236}">
+                    <a16:creationId xmlns:a16="http://schemas.microsoft.com/office/drawing/2014/main" id="{C63F476A-B374-374B-789B-67414FC2A447}"/>
+                  </a:ext>
+                </a:extLst>
+              </p:cNvPr>
+              <p:cNvSpPr/>
+              <p:nvPr/>
+            </p:nvSpPr>
+            <p:spPr>
+              <a:xfrm>
+                <a:off x="5453380" y="5083048"/>
+                <a:ext cx="640080" cy="640080"/>
+              </a:xfrm>
+              <a:prstGeom prst="rect">
+                <a:avLst/>
+              </a:prstGeom>
+              <a:grpFill/>
+              <a:ln>
+                <a:noFill/>
+              </a:ln>
+            </p:spPr>
+            <p:style>
+              <a:lnRef idx="2">
+                <a:schemeClr val="accent1">
+                  <a:shade val="15000"/>
+                </a:schemeClr>
+              </a:lnRef>
+              <a:fillRef idx="1">
+                <a:schemeClr val="accent1"/>
+              </a:fillRef>
+              <a:effectRef idx="0">
+                <a:schemeClr val="accent1"/>
+              </a:effectRef>
+              <a:fontRef idx="minor">
+                <a:schemeClr val="lt1"/>
+              </a:fontRef>
+            </p:style>
+            <p:txBody>
+              <a:bodyPr rtlCol="0" anchor="ctr"/>
+              <a:lstStyle/>
+              <a:p>
+                <a:pPr algn="ctr"/>
+                <a:r>
+                  <a:rPr lang="en-US" sz="2800" dirty="0">
+                    <a:solidFill>
+                      <a:schemeClr val="tx1"/>
+                    </a:solidFill>
+                  </a:rPr>
+                  <a:t>5</a:t>
+                </a:r>
+              </a:p>
+            </p:txBody>
+          </p:sp>
+          <p:sp>
+            <p:nvSpPr>
+              <p:cNvPr id="13" name="Rectangle 12">
+                <a:extLst>
+                  <a:ext uri="{FF2B5EF4-FFF2-40B4-BE49-F238E27FC236}">
+                    <a16:creationId xmlns:a16="http://schemas.microsoft.com/office/drawing/2014/main" id="{B23329E1-825C-BBDB-1055-328D27B7B737}"/>
+                  </a:ext>
+                </a:extLst>
+              </p:cNvPr>
+              <p:cNvSpPr/>
+              <p:nvPr/>
+            </p:nvSpPr>
+            <p:spPr>
+              <a:xfrm>
+                <a:off x="6093460" y="5083048"/>
+                <a:ext cx="640080" cy="640080"/>
+              </a:xfrm>
+              <a:prstGeom prst="rect">
+                <a:avLst/>
+              </a:prstGeom>
+              <a:grpFill/>
+              <a:ln>
+                <a:noFill/>
+              </a:ln>
+            </p:spPr>
+            <p:style>
+              <a:lnRef idx="2">
+                <a:schemeClr val="accent1">
+                  <a:shade val="15000"/>
+                </a:schemeClr>
+              </a:lnRef>
+              <a:fillRef idx="1">
+                <a:schemeClr val="accent1"/>
+              </a:fillRef>
+              <a:effectRef idx="0">
+                <a:schemeClr val="accent1"/>
+              </a:effectRef>
+              <a:fontRef idx="minor">
+                <a:schemeClr val="lt1"/>
+              </a:fontRef>
+            </p:style>
+            <p:txBody>
+              <a:bodyPr rtlCol="0" anchor="ctr"/>
+              <a:lstStyle/>
+              <a:p>
+                <a:pPr algn="ctr"/>
+                <a:r>
+                  <a:rPr lang="en-US" sz="2800" dirty="0">
+                    <a:solidFill>
+                      <a:schemeClr val="tx1"/>
+                    </a:solidFill>
+                  </a:rPr>
+                  <a:t>6</a:t>
+                </a:r>
+              </a:p>
+            </p:txBody>
+          </p:sp>
+          <p:sp>
+            <p:nvSpPr>
+              <p:cNvPr id="14" name="Rectangle 13">
+                <a:extLst>
+                  <a:ext uri="{FF2B5EF4-FFF2-40B4-BE49-F238E27FC236}">
+                    <a16:creationId xmlns:a16="http://schemas.microsoft.com/office/drawing/2014/main" id="{C09B7E04-AA65-9DC6-22AD-B63B7FA8D350}"/>
+                  </a:ext>
+                </a:extLst>
+              </p:cNvPr>
+              <p:cNvSpPr/>
+              <p:nvPr/>
+            </p:nvSpPr>
+            <p:spPr>
+              <a:xfrm>
+                <a:off x="6733540" y="5083048"/>
+                <a:ext cx="640080" cy="640080"/>
+              </a:xfrm>
+              <a:prstGeom prst="rect">
+                <a:avLst/>
+              </a:prstGeom>
+              <a:grpFill/>
+              <a:ln>
+                <a:noFill/>
+              </a:ln>
+            </p:spPr>
+            <p:style>
+              <a:lnRef idx="2">
+                <a:schemeClr val="accent1">
+                  <a:shade val="15000"/>
+                </a:schemeClr>
+              </a:lnRef>
+              <a:fillRef idx="1">
+                <a:schemeClr val="accent1"/>
+              </a:fillRef>
+              <a:effectRef idx="0">
+                <a:schemeClr val="accent1"/>
+              </a:effectRef>
+              <a:fontRef idx="minor">
+                <a:schemeClr val="lt1"/>
+              </a:fontRef>
+            </p:style>
+            <p:txBody>
+              <a:bodyPr rtlCol="0" anchor="ctr"/>
+              <a:lstStyle/>
+              <a:p>
+                <a:pPr algn="ctr"/>
+                <a:r>
+                  <a:rPr lang="en-US" sz="2800" dirty="0">
+                    <a:solidFill>
+                      <a:schemeClr val="tx1"/>
+                    </a:solidFill>
+                  </a:rPr>
+                  <a:t>7</a:t>
+                </a:r>
+              </a:p>
+            </p:txBody>
+          </p:sp>
+          <p:sp>
+            <p:nvSpPr>
+              <p:cNvPr id="15" name="Rectangle 14">
+                <a:extLst>
+                  <a:ext uri="{FF2B5EF4-FFF2-40B4-BE49-F238E27FC236}">
+                    <a16:creationId xmlns:a16="http://schemas.microsoft.com/office/drawing/2014/main" id="{CF17D356-8CC5-C0AF-2880-5EE8F66A33EB}"/>
+                  </a:ext>
+                </a:extLst>
+              </p:cNvPr>
+              <p:cNvSpPr/>
+              <p:nvPr/>
+            </p:nvSpPr>
+            <p:spPr>
+              <a:xfrm>
+                <a:off x="7373620" y="5083048"/>
+                <a:ext cx="640080" cy="640080"/>
+              </a:xfrm>
+              <a:prstGeom prst="rect">
+                <a:avLst/>
+              </a:prstGeom>
+              <a:grpFill/>
+              <a:ln>
+                <a:noFill/>
+              </a:ln>
+            </p:spPr>
+            <p:style>
+              <a:lnRef idx="2">
+                <a:schemeClr val="accent1">
+                  <a:shade val="15000"/>
+                </a:schemeClr>
+              </a:lnRef>
+              <a:fillRef idx="1">
+                <a:schemeClr val="accent1"/>
+              </a:fillRef>
+              <a:effectRef idx="0">
+                <a:schemeClr val="accent1"/>
+              </a:effectRef>
+              <a:fontRef idx="minor">
+                <a:schemeClr val="lt1"/>
+              </a:fontRef>
+            </p:style>
+            <p:txBody>
+              <a:bodyPr rtlCol="0" anchor="ctr"/>
+              <a:lstStyle/>
+              <a:p>
+                <a:pPr algn="ctr"/>
+                <a:r>
+                  <a:rPr lang="en-US" sz="2800" dirty="0">
+                    <a:solidFill>
+                      <a:schemeClr val="tx1"/>
+                    </a:solidFill>
+                  </a:rPr>
+                  <a:t>8</a:t>
+                </a:r>
+              </a:p>
+            </p:txBody>
+          </p:sp>
+          <p:sp>
+            <p:nvSpPr>
+              <p:cNvPr id="16" name="Rectangle 15">
+                <a:extLst>
+                  <a:ext uri="{FF2B5EF4-FFF2-40B4-BE49-F238E27FC236}">
+                    <a16:creationId xmlns:a16="http://schemas.microsoft.com/office/drawing/2014/main" id="{D3BF3FBC-BB62-99F8-8361-7ECF47FBB82E}"/>
+                  </a:ext>
+                </a:extLst>
+              </p:cNvPr>
+              <p:cNvSpPr/>
+              <p:nvPr/>
+            </p:nvSpPr>
+            <p:spPr>
+              <a:xfrm>
+                <a:off x="8013700" y="5083048"/>
+                <a:ext cx="640080" cy="640080"/>
+              </a:xfrm>
+              <a:prstGeom prst="rect">
+                <a:avLst/>
+              </a:prstGeom>
+              <a:grpFill/>
+              <a:ln>
+                <a:noFill/>
+              </a:ln>
+            </p:spPr>
+            <p:style>
+              <a:lnRef idx="2">
+                <a:schemeClr val="accent1">
+                  <a:shade val="15000"/>
+                </a:schemeClr>
+              </a:lnRef>
+              <a:fillRef idx="1">
+                <a:schemeClr val="accent1"/>
+              </a:fillRef>
+              <a:effectRef idx="0">
+                <a:schemeClr val="accent1"/>
+              </a:effectRef>
+              <a:fontRef idx="minor">
+                <a:schemeClr val="lt1"/>
+              </a:fontRef>
+            </p:style>
+            <p:txBody>
+              <a:bodyPr rtlCol="0" anchor="ctr"/>
+              <a:lstStyle/>
+              <a:p>
+                <a:pPr algn="ctr"/>
+                <a:r>
+                  <a:rPr lang="en-US" sz="2800" dirty="0">
+                    <a:solidFill>
+                      <a:schemeClr val="tx1"/>
+                    </a:solidFill>
+                  </a:rPr>
+                  <a:t>9</a:t>
+                </a:r>
+              </a:p>
+            </p:txBody>
+          </p:sp>
+        </p:grpSp>
+      </p:grpSp>
+    </p:spTree>
+    <p:extLst>
+      <p:ext uri="{BB962C8B-B14F-4D97-AF65-F5344CB8AC3E}">
+        <p14:creationId xmlns:p14="http://schemas.microsoft.com/office/powerpoint/2010/main" val="1636590291"/>
+      </p:ext>
+    </p:extLst>
+  </p:cSld>
+  <p:clrMapOvr>
+    <a:masterClrMapping/>
+  </p:clrMapOvr>
+</p:sld>
+</file>
+
+<file path=ppt/slides/slide29.xml><?xml version="1.0" encoding="utf-8"?>
+<p:sld xmlns:a="http://schemas.openxmlformats.org/drawingml/2006/main" xmlns:r="http://schemas.openxmlformats.org/officeDocument/2006/relationships" xmlns:p="http://schemas.openxmlformats.org/presentationml/2006/main">
+  <p:cSld>
+    <p:spTree>
+      <p:nvGrpSpPr>
+        <p:cNvPr id="1" name=""/>
+        <p:cNvGrpSpPr/>
+        <p:nvPr/>
+      </p:nvGrpSpPr>
+      <p:grpSpPr>
+        <a:xfrm>
+          <a:off x="0" y="0"/>
+          <a:ext cx="0" cy="0"/>
+          <a:chOff x="0" y="0"/>
+          <a:chExt cx="0" cy="0"/>
+        </a:xfrm>
+      </p:grpSpPr>
+      <p:sp>
+        <p:nvSpPr>
+          <p:cNvPr id="2" name="Title 1">
+            <a:extLst>
+              <a:ext uri="{FF2B5EF4-FFF2-40B4-BE49-F238E27FC236}">
+                <a16:creationId xmlns:a16="http://schemas.microsoft.com/office/drawing/2014/main" id="{F74EC209-91E7-39F7-4A4E-647F00B99F44}"/>
+              </a:ext>
+            </a:extLst>
+          </p:cNvPr>
+          <p:cNvSpPr>
+            <a:spLocks noGrp="1"/>
+          </p:cNvSpPr>
+          <p:nvPr>
+            <p:ph type="title"/>
+          </p:nvPr>
+        </p:nvSpPr>
+        <p:spPr/>
+        <p:txBody>
+          <a:bodyPr/>
+          <a:lstStyle/>
+          <a:p>
+            <a:r>
+              <a:rPr lang="en-US" dirty="0"/>
+              <a:t>Linear Probing + Tombstone: Insert</a:t>
+            </a:r>
+          </a:p>
+        </p:txBody>
+      </p:sp>
+      <p:sp>
+        <p:nvSpPr>
+          <p:cNvPr id="3" name="Content Placeholder 2">
+            <a:extLst>
+              <a:ext uri="{FF2B5EF4-FFF2-40B4-BE49-F238E27FC236}">
+                <a16:creationId xmlns:a16="http://schemas.microsoft.com/office/drawing/2014/main" id="{6CBEF850-0680-6520-62A9-DA71336F124F}"/>
+              </a:ext>
+            </a:extLst>
+          </p:cNvPr>
+          <p:cNvSpPr>
+            <a:spLocks noGrp="1"/>
+          </p:cNvSpPr>
+          <p:nvPr>
+            <p:ph idx="1"/>
+          </p:nvPr>
+        </p:nvSpPr>
+        <p:spPr/>
+        <p:txBody>
+          <a:bodyPr/>
+          <a:lstStyle/>
+          <a:p>
+            <a:r>
+              <a:rPr lang="en-US" dirty="0"/>
+              <a:t>To insert </a:t>
+            </a:r>
+            <a:r>
+              <a:rPr lang="en-US" dirty="0" err="1">
+                <a:latin typeface="Consolas" panose="020B0609020204030204" pitchFamily="49" charset="0"/>
+              </a:rPr>
+              <a:t>k,v</a:t>
+            </a:r>
+            <a:endParaRPr lang="en-US" dirty="0">
+              <a:latin typeface="Consolas" panose="020B0609020204030204" pitchFamily="49" charset="0"/>
+            </a:endParaRPr>
+          </a:p>
+          <a:p>
+            <a:pPr lvl="1"/>
+            <a:r>
+              <a:rPr lang="en-US" dirty="0"/>
+              <a:t>Calculate </a:t>
+            </a:r>
+            <a:r>
+              <a:rPr lang="en-US" dirty="0" err="1">
+                <a:latin typeface="Consolas" panose="020B0609020204030204" pitchFamily="49" charset="0"/>
+              </a:rPr>
+              <a:t>i</a:t>
+            </a:r>
+            <a:r>
+              <a:rPr lang="en-US" dirty="0">
+                <a:latin typeface="Consolas" panose="020B0609020204030204" pitchFamily="49" charset="0"/>
+              </a:rPr>
+              <a:t> = h(k) % </a:t>
+            </a:r>
+            <a:r>
+              <a:rPr lang="en-US" dirty="0" err="1">
+                <a:latin typeface="Consolas" panose="020B0609020204030204" pitchFamily="49" charset="0"/>
+              </a:rPr>
+              <a:t>table.length</a:t>
+            </a:r>
+            <a:endParaRPr lang="en-US" dirty="0"/>
+          </a:p>
+          <a:p>
+            <a:pPr lvl="1"/>
+            <a:r>
+              <a:rPr lang="en-US" dirty="0"/>
+              <a:t>While </a:t>
+            </a:r>
+            <a:r>
+              <a:rPr lang="en-US" dirty="0">
+                <a:latin typeface="Consolas" panose="020B0609020204030204" pitchFamily="49" charset="0"/>
+              </a:rPr>
+              <a:t>table[</a:t>
+            </a:r>
+            <a:r>
+              <a:rPr lang="en-US" dirty="0" err="1">
+                <a:latin typeface="Consolas" panose="020B0609020204030204" pitchFamily="49" charset="0"/>
+              </a:rPr>
+              <a:t>i</a:t>
+            </a:r>
+            <a:r>
+              <a:rPr lang="en-US" dirty="0">
+                <a:latin typeface="Consolas" panose="020B0609020204030204" pitchFamily="49" charset="0"/>
+              </a:rPr>
+              <a:t>]</a:t>
+            </a:r>
+            <a:r>
+              <a:rPr lang="en-US" dirty="0"/>
+              <a:t> has a key other than </a:t>
+            </a:r>
+            <a:r>
+              <a:rPr lang="en-US" dirty="0">
+                <a:latin typeface="Consolas" panose="020B0609020204030204" pitchFamily="49" charset="0"/>
+              </a:rPr>
+              <a:t>k</a:t>
+            </a:r>
+            <a:r>
+              <a:rPr lang="en-US" dirty="0"/>
+              <a:t>, set </a:t>
+            </a:r>
+            <a:r>
+              <a:rPr lang="en-US" dirty="0" err="1">
+                <a:latin typeface="Consolas" panose="020B0609020204030204" pitchFamily="49" charset="0"/>
+              </a:rPr>
+              <a:t>i</a:t>
+            </a:r>
+            <a:r>
+              <a:rPr lang="en-US" dirty="0">
+                <a:latin typeface="Consolas" panose="020B0609020204030204" pitchFamily="49" charset="0"/>
+              </a:rPr>
+              <a:t> = (i+1) % </a:t>
+            </a:r>
+            <a:r>
+              <a:rPr lang="en-US" dirty="0" err="1">
+                <a:latin typeface="Consolas" panose="020B0609020204030204" pitchFamily="49" charset="0"/>
+              </a:rPr>
+              <a:t>table.length</a:t>
+            </a:r>
+            <a:endParaRPr lang="en-US" dirty="0">
+              <a:latin typeface="Consolas" panose="020B0609020204030204" pitchFamily="49" charset="0"/>
+            </a:endParaRPr>
+          </a:p>
+          <a:p>
+            <a:pPr lvl="2"/>
+            <a:r>
+              <a:rPr lang="en-US" dirty="0"/>
+              <a:t>If </a:t>
+            </a:r>
+            <a:r>
+              <a:rPr lang="en-US" dirty="0">
+                <a:latin typeface="Consolas" panose="020B0609020204030204" pitchFamily="49" charset="0"/>
+              </a:rPr>
+              <a:t>table[</a:t>
+            </a:r>
+            <a:r>
+              <a:rPr lang="en-US" dirty="0" err="1">
+                <a:latin typeface="Consolas" panose="020B0609020204030204" pitchFamily="49" charset="0"/>
+              </a:rPr>
+              <a:t>i</a:t>
+            </a:r>
+            <a:r>
+              <a:rPr lang="en-US" dirty="0">
+                <a:latin typeface="Consolas" panose="020B0609020204030204" pitchFamily="49" charset="0"/>
+              </a:rPr>
+              <a:t>]</a:t>
+            </a:r>
+            <a:r>
+              <a:rPr lang="en-US" dirty="0"/>
+              <a:t> has a tombstone, set </a:t>
+            </a:r>
+            <a:r>
+              <a:rPr lang="en-US" dirty="0">
+                <a:latin typeface="Consolas" panose="020B0609020204030204" pitchFamily="49" charset="0"/>
+              </a:rPr>
+              <a:t>x = </a:t>
+            </a:r>
+            <a:r>
+              <a:rPr lang="en-US" dirty="0" err="1">
+                <a:latin typeface="Consolas" panose="020B0609020204030204" pitchFamily="49" charset="0"/>
+              </a:rPr>
+              <a:t>i</a:t>
+            </a:r>
+            <a:endParaRPr lang="en-US" b="0" dirty="0">
+              <a:latin typeface="Consolas" panose="020B0609020204030204" pitchFamily="49" charset="0"/>
+            </a:endParaRPr>
+          </a:p>
+          <a:p>
+            <a:pPr lvl="3"/>
+            <a:r>
+              <a:rPr lang="en-US" dirty="0"/>
+              <a:t>That is where we will insert if the find is unsuccessful</a:t>
+            </a:r>
+          </a:p>
+          <a:p>
+            <a:pPr lvl="1"/>
+            <a:r>
+              <a:rPr lang="en-US" dirty="0"/>
+              <a:t>If you come across </a:t>
+            </a:r>
+            <a:r>
+              <a:rPr lang="en-US" dirty="0">
+                <a:latin typeface="Consolas" panose="020B0609020204030204" pitchFamily="49" charset="0"/>
+              </a:rPr>
+              <a:t>k</a:t>
+            </a:r>
+            <a:r>
+              <a:rPr lang="en-US" dirty="0"/>
+              <a:t>, set </a:t>
+            </a:r>
+            <a:r>
+              <a:rPr lang="en-US" dirty="0">
+                <a:latin typeface="Consolas" panose="020B0609020204030204" pitchFamily="49" charset="0"/>
+              </a:rPr>
+              <a:t>table[</a:t>
+            </a:r>
+            <a:r>
+              <a:rPr lang="en-US" dirty="0" err="1">
+                <a:latin typeface="Consolas" panose="020B0609020204030204" pitchFamily="49" charset="0"/>
+              </a:rPr>
+              <a:t>i</a:t>
+            </a:r>
+            <a:r>
+              <a:rPr lang="en-US" dirty="0">
+                <a:latin typeface="Consolas" panose="020B0609020204030204" pitchFamily="49" charset="0"/>
+              </a:rPr>
+              <a:t>] = </a:t>
+            </a:r>
+            <a:r>
+              <a:rPr lang="en-US" dirty="0" err="1">
+                <a:latin typeface="Consolas" panose="020B0609020204030204" pitchFamily="49" charset="0"/>
+              </a:rPr>
+              <a:t>k,v</a:t>
+            </a:r>
+            <a:endParaRPr lang="en-US" dirty="0">
+              <a:latin typeface="Consolas" panose="020B0609020204030204" pitchFamily="49" charset="0"/>
+            </a:endParaRPr>
+          </a:p>
+          <a:p>
+            <a:pPr lvl="1"/>
+            <a:r>
+              <a:rPr lang="en-US" dirty="0"/>
+              <a:t>If you come across an empty index, the find was unsuccessful</a:t>
+            </a:r>
+          </a:p>
+          <a:p>
+            <a:pPr lvl="2"/>
+            <a:r>
+              <a:rPr lang="en-US" dirty="0"/>
+              <a:t>Set </a:t>
+            </a:r>
+            <a:r>
+              <a:rPr lang="en-US" dirty="0">
+                <a:latin typeface="Consolas" panose="020B0609020204030204" pitchFamily="49" charset="0"/>
+              </a:rPr>
+              <a:t>table[x] = </a:t>
+            </a:r>
+            <a:r>
+              <a:rPr lang="en-US" dirty="0" err="1">
+                <a:latin typeface="Consolas" panose="020B0609020204030204" pitchFamily="49" charset="0"/>
+              </a:rPr>
+              <a:t>k,v</a:t>
+            </a:r>
+            <a:r>
+              <a:rPr lang="en-US" dirty="0"/>
+              <a:t> if we saw a tombstone</a:t>
+            </a:r>
+          </a:p>
+          <a:p>
+            <a:pPr lvl="2"/>
+            <a:r>
+              <a:rPr lang="en-US" dirty="0"/>
+              <a:t>Set </a:t>
+            </a:r>
+            <a:r>
+              <a:rPr lang="en-US" dirty="0">
+                <a:latin typeface="Consolas" panose="020B0609020204030204" pitchFamily="49" charset="0"/>
+              </a:rPr>
+              <a:t>table[x] = </a:t>
+            </a:r>
+            <a:r>
+              <a:rPr lang="en-US" dirty="0" err="1">
+                <a:latin typeface="Consolas" panose="020B0609020204030204" pitchFamily="49" charset="0"/>
+              </a:rPr>
+              <a:t>k,v</a:t>
+            </a:r>
+            <a:r>
+              <a:rPr lang="en-US" dirty="0"/>
+              <a:t> otherwise</a:t>
+            </a:r>
+          </a:p>
+        </p:txBody>
+      </p:sp>
+      <p:grpSp>
+        <p:nvGrpSpPr>
+          <p:cNvPr id="4" name="Group 3">
+            <a:extLst>
+              <a:ext uri="{FF2B5EF4-FFF2-40B4-BE49-F238E27FC236}">
+                <a16:creationId xmlns:a16="http://schemas.microsoft.com/office/drawing/2014/main" id="{A7F5364F-88DC-3F96-2BC8-BAFA44EC14BE}"/>
+              </a:ext>
+            </a:extLst>
+          </p:cNvPr>
+          <p:cNvGrpSpPr/>
+          <p:nvPr/>
+        </p:nvGrpSpPr>
+        <p:grpSpPr>
+          <a:xfrm>
+            <a:off x="2895600" y="5467983"/>
+            <a:ext cx="6400800" cy="1097280"/>
+            <a:chOff x="4953000" y="660717"/>
+            <a:chExt cx="6400800" cy="1097280"/>
+          </a:xfrm>
+        </p:grpSpPr>
+        <p:grpSp>
+          <p:nvGrpSpPr>
+            <p:cNvPr id="5" name="Group 4">
+              <a:extLst>
+                <a:ext uri="{FF2B5EF4-FFF2-40B4-BE49-F238E27FC236}">
+                  <a16:creationId xmlns:a16="http://schemas.microsoft.com/office/drawing/2014/main" id="{784DAC70-2D02-4363-C33E-910CC23D54FE}"/>
+                </a:ext>
+              </a:extLst>
+            </p:cNvPr>
+            <p:cNvGrpSpPr/>
+            <p:nvPr/>
+          </p:nvGrpSpPr>
+          <p:grpSpPr>
+            <a:xfrm>
+              <a:off x="4953000" y="660717"/>
+              <a:ext cx="6400800" cy="640080"/>
+              <a:chOff x="2252980" y="5083048"/>
+              <a:chExt cx="6400800" cy="640080"/>
+            </a:xfrm>
+          </p:grpSpPr>
+          <p:sp>
+            <p:nvSpPr>
+              <p:cNvPr id="17" name="Rectangle 16">
+                <a:extLst>
+                  <a:ext uri="{FF2B5EF4-FFF2-40B4-BE49-F238E27FC236}">
+                    <a16:creationId xmlns:a16="http://schemas.microsoft.com/office/drawing/2014/main" id="{313EEE87-6AB8-548B-F84D-F081E8ECF76E}"/>
+                  </a:ext>
+                </a:extLst>
+              </p:cNvPr>
+              <p:cNvSpPr/>
+              <p:nvPr/>
+            </p:nvSpPr>
+            <p:spPr>
+              <a:xfrm>
+                <a:off x="2252980" y="5083048"/>
+                <a:ext cx="640080" cy="640080"/>
+              </a:xfrm>
+              <a:prstGeom prst="rect">
+                <a:avLst/>
+              </a:prstGeom>
+              <a:solidFill>
+                <a:schemeClr val="bg1"/>
+              </a:solidFill>
+            </p:spPr>
+            <p:style>
+              <a:lnRef idx="2">
+                <a:schemeClr val="accent1">
+                  <a:shade val="15000"/>
+                </a:schemeClr>
+              </a:lnRef>
+              <a:fillRef idx="1">
+                <a:schemeClr val="accent1"/>
+              </a:fillRef>
+              <a:effectRef idx="0">
+                <a:schemeClr val="accent1"/>
+              </a:effectRef>
+              <a:fontRef idx="minor">
+                <a:schemeClr val="lt1"/>
+              </a:fontRef>
+            </p:style>
+            <p:txBody>
+              <a:bodyPr rtlCol="0" anchor="ctr"/>
+              <a:lstStyle/>
+              <a:p>
+                <a:pPr algn="ctr"/>
+                <a:endParaRPr lang="en-US" sz="2800" dirty="0">
+                  <a:solidFill>
+                    <a:schemeClr val="tx1"/>
+                  </a:solidFill>
+                </a:endParaRPr>
+              </a:p>
+            </p:txBody>
+          </p:sp>
+          <p:sp>
+            <p:nvSpPr>
+              <p:cNvPr id="18" name="Rectangle 17">
+                <a:extLst>
+                  <a:ext uri="{FF2B5EF4-FFF2-40B4-BE49-F238E27FC236}">
+                    <a16:creationId xmlns:a16="http://schemas.microsoft.com/office/drawing/2014/main" id="{84FFA859-CE6A-3363-4D19-9CAB7D56F053}"/>
+                  </a:ext>
+                </a:extLst>
+              </p:cNvPr>
+              <p:cNvSpPr/>
+              <p:nvPr/>
+            </p:nvSpPr>
+            <p:spPr>
+              <a:xfrm>
+                <a:off x="2893060" y="5083048"/>
+                <a:ext cx="640080" cy="640080"/>
+              </a:xfrm>
+              <a:prstGeom prst="rect">
+                <a:avLst/>
+              </a:prstGeom>
+              <a:solidFill>
+                <a:schemeClr val="bg1"/>
+              </a:solidFill>
+            </p:spPr>
+            <p:style>
+              <a:lnRef idx="2">
+                <a:schemeClr val="accent1">
+                  <a:shade val="15000"/>
+                </a:schemeClr>
+              </a:lnRef>
+              <a:fillRef idx="1">
+                <a:schemeClr val="accent1"/>
+              </a:fillRef>
+              <a:effectRef idx="0">
+                <a:schemeClr val="accent1"/>
+              </a:effectRef>
+              <a:fontRef idx="minor">
+                <a:schemeClr val="lt1"/>
+              </a:fontRef>
+            </p:style>
+            <p:txBody>
+              <a:bodyPr rtlCol="0" anchor="ctr"/>
+              <a:lstStyle/>
+              <a:p>
+                <a:pPr algn="ctr"/>
+                <a:endParaRPr lang="en-US" sz="2800" dirty="0">
+                  <a:solidFill>
+                    <a:schemeClr val="tx1"/>
+                  </a:solidFill>
+                </a:endParaRPr>
+              </a:p>
+            </p:txBody>
+          </p:sp>
+          <p:sp>
+            <p:nvSpPr>
+              <p:cNvPr id="19" name="Rectangle 18">
+                <a:extLst>
+                  <a:ext uri="{FF2B5EF4-FFF2-40B4-BE49-F238E27FC236}">
+                    <a16:creationId xmlns:a16="http://schemas.microsoft.com/office/drawing/2014/main" id="{0627DBA0-51B9-2EDB-EBA7-1E4A030D3BD3}"/>
+                  </a:ext>
+                </a:extLst>
+              </p:cNvPr>
+              <p:cNvSpPr/>
+              <p:nvPr/>
+            </p:nvSpPr>
+            <p:spPr>
+              <a:xfrm>
+                <a:off x="3533140" y="5083048"/>
+                <a:ext cx="640080" cy="640080"/>
+              </a:xfrm>
+              <a:prstGeom prst="rect">
+                <a:avLst/>
+              </a:prstGeom>
+              <a:solidFill>
+                <a:schemeClr val="bg1"/>
+              </a:solidFill>
+            </p:spPr>
+            <p:style>
+              <a:lnRef idx="2">
+                <a:schemeClr val="accent1">
+                  <a:shade val="15000"/>
+                </a:schemeClr>
+              </a:lnRef>
+              <a:fillRef idx="1">
+                <a:schemeClr val="accent1"/>
+              </a:fillRef>
+              <a:effectRef idx="0">
+                <a:schemeClr val="accent1"/>
+              </a:effectRef>
+              <a:fontRef idx="minor">
+                <a:schemeClr val="lt1"/>
+              </a:fontRef>
+            </p:style>
+            <p:txBody>
+              <a:bodyPr rtlCol="0" anchor="ctr"/>
+              <a:lstStyle/>
+              <a:p>
+                <a:pPr algn="ctr"/>
+                <a:endParaRPr lang="en-US" sz="2800" dirty="0">
+                  <a:solidFill>
+                    <a:schemeClr val="tx1"/>
+                  </a:solidFill>
+                </a:endParaRPr>
+              </a:p>
+            </p:txBody>
+          </p:sp>
+          <p:sp>
+            <p:nvSpPr>
+              <p:cNvPr id="20" name="Rectangle 19">
+                <a:extLst>
+                  <a:ext uri="{FF2B5EF4-FFF2-40B4-BE49-F238E27FC236}">
+                    <a16:creationId xmlns:a16="http://schemas.microsoft.com/office/drawing/2014/main" id="{54B5109F-FED7-B365-433C-F0CF16F73FD8}"/>
+                  </a:ext>
+                </a:extLst>
+              </p:cNvPr>
+              <p:cNvSpPr/>
+              <p:nvPr/>
+            </p:nvSpPr>
+            <p:spPr>
+              <a:xfrm>
+                <a:off x="4173220" y="5083048"/>
+                <a:ext cx="640080" cy="640080"/>
+              </a:xfrm>
+              <a:prstGeom prst="rect">
+                <a:avLst/>
+              </a:prstGeom>
+              <a:solidFill>
+                <a:schemeClr val="bg1"/>
+              </a:solidFill>
+            </p:spPr>
+            <p:style>
+              <a:lnRef idx="2">
+                <a:schemeClr val="accent1">
+                  <a:shade val="15000"/>
+                </a:schemeClr>
+              </a:lnRef>
+              <a:fillRef idx="1">
+                <a:schemeClr val="accent1"/>
+              </a:fillRef>
+              <a:effectRef idx="0">
+                <a:schemeClr val="accent1"/>
+              </a:effectRef>
+              <a:fontRef idx="minor">
+                <a:schemeClr val="lt1"/>
+              </a:fontRef>
+            </p:style>
+            <p:txBody>
+              <a:bodyPr rtlCol="0" anchor="ctr"/>
+              <a:lstStyle/>
+              <a:p>
+                <a:pPr algn="ctr"/>
+                <a:endParaRPr lang="en-US" sz="2800" dirty="0">
+                  <a:solidFill>
+                    <a:schemeClr val="tx1"/>
+                  </a:solidFill>
+                </a:endParaRPr>
+              </a:p>
+            </p:txBody>
+          </p:sp>
+          <p:sp>
+            <p:nvSpPr>
+              <p:cNvPr id="21" name="Rectangle 20">
+                <a:extLst>
+                  <a:ext uri="{FF2B5EF4-FFF2-40B4-BE49-F238E27FC236}">
+                    <a16:creationId xmlns:a16="http://schemas.microsoft.com/office/drawing/2014/main" id="{7C3AF265-E570-4D67-F01B-B938693539B6}"/>
+                  </a:ext>
+                </a:extLst>
+              </p:cNvPr>
+              <p:cNvSpPr/>
+              <p:nvPr/>
+            </p:nvSpPr>
+            <p:spPr>
+              <a:xfrm>
+                <a:off x="4813300" y="5083048"/>
+                <a:ext cx="640080" cy="640080"/>
+              </a:xfrm>
+              <a:prstGeom prst="rect">
+                <a:avLst/>
+              </a:prstGeom>
+              <a:solidFill>
+                <a:schemeClr val="bg1"/>
+              </a:solidFill>
+            </p:spPr>
+            <p:style>
+              <a:lnRef idx="2">
+                <a:schemeClr val="accent1">
+                  <a:shade val="15000"/>
+                </a:schemeClr>
+              </a:lnRef>
+              <a:fillRef idx="1">
+                <a:schemeClr val="accent1"/>
+              </a:fillRef>
+              <a:effectRef idx="0">
+                <a:schemeClr val="accent1"/>
+              </a:effectRef>
+              <a:fontRef idx="minor">
+                <a:schemeClr val="lt1"/>
+              </a:fontRef>
+            </p:style>
+            <p:txBody>
+              <a:bodyPr rtlCol="0" anchor="ctr"/>
+              <a:lstStyle/>
+              <a:p>
+                <a:pPr algn="ctr"/>
+                <a:endParaRPr lang="en-US" sz="2800" dirty="0">
+                  <a:solidFill>
+                    <a:schemeClr val="tx1"/>
+                  </a:solidFill>
+                </a:endParaRPr>
+              </a:p>
+            </p:txBody>
+          </p:sp>
+          <p:sp>
+            <p:nvSpPr>
+              <p:cNvPr id="22" name="Rectangle 21">
+                <a:extLst>
+                  <a:ext uri="{FF2B5EF4-FFF2-40B4-BE49-F238E27FC236}">
+                    <a16:creationId xmlns:a16="http://schemas.microsoft.com/office/drawing/2014/main" id="{491A2D82-FDC4-EA2F-2A43-D14EA4AA9250}"/>
+                  </a:ext>
+                </a:extLst>
+              </p:cNvPr>
+              <p:cNvSpPr/>
+              <p:nvPr/>
+            </p:nvSpPr>
+            <p:spPr>
+              <a:xfrm>
+                <a:off x="5453380" y="5083048"/>
+                <a:ext cx="640080" cy="640080"/>
+              </a:xfrm>
+              <a:prstGeom prst="rect">
+                <a:avLst/>
+              </a:prstGeom>
+              <a:solidFill>
+                <a:schemeClr val="bg1"/>
+              </a:solidFill>
+            </p:spPr>
+            <p:style>
+              <a:lnRef idx="2">
+                <a:schemeClr val="accent1">
+                  <a:shade val="15000"/>
+                </a:schemeClr>
+              </a:lnRef>
+              <a:fillRef idx="1">
+                <a:schemeClr val="accent1"/>
+              </a:fillRef>
+              <a:effectRef idx="0">
+                <a:schemeClr val="accent1"/>
+              </a:effectRef>
+              <a:fontRef idx="minor">
+                <a:schemeClr val="lt1"/>
+              </a:fontRef>
+            </p:style>
+            <p:txBody>
+              <a:bodyPr rtlCol="0" anchor="ctr"/>
+              <a:lstStyle/>
+              <a:p>
+                <a:pPr algn="ctr"/>
+                <a:endParaRPr lang="en-US" sz="2800" dirty="0">
+                  <a:solidFill>
+                    <a:schemeClr val="tx1"/>
+                  </a:solidFill>
+                </a:endParaRPr>
+              </a:p>
+            </p:txBody>
+          </p:sp>
+          <p:sp>
+            <p:nvSpPr>
+              <p:cNvPr id="23" name="Rectangle 22">
+                <a:extLst>
+                  <a:ext uri="{FF2B5EF4-FFF2-40B4-BE49-F238E27FC236}">
+                    <a16:creationId xmlns:a16="http://schemas.microsoft.com/office/drawing/2014/main" id="{DDEA582E-177A-FEBE-3F05-79B2349E7EED}"/>
+                  </a:ext>
+                </a:extLst>
+              </p:cNvPr>
+              <p:cNvSpPr/>
+              <p:nvPr/>
+            </p:nvSpPr>
+            <p:spPr>
+              <a:xfrm>
+                <a:off x="6093460" y="5083048"/>
+                <a:ext cx="640080" cy="640080"/>
+              </a:xfrm>
+              <a:prstGeom prst="rect">
+                <a:avLst/>
+              </a:prstGeom>
+              <a:solidFill>
+                <a:schemeClr val="bg1"/>
+              </a:solidFill>
+            </p:spPr>
+            <p:style>
+              <a:lnRef idx="2">
+                <a:schemeClr val="accent1">
+                  <a:shade val="15000"/>
+                </a:schemeClr>
+              </a:lnRef>
+              <a:fillRef idx="1">
+                <a:schemeClr val="accent1"/>
+              </a:fillRef>
+              <a:effectRef idx="0">
+                <a:schemeClr val="accent1"/>
+              </a:effectRef>
+              <a:fontRef idx="minor">
+                <a:schemeClr val="lt1"/>
+              </a:fontRef>
+            </p:style>
+            <p:txBody>
+              <a:bodyPr rtlCol="0" anchor="ctr"/>
+              <a:lstStyle/>
+              <a:p>
+                <a:pPr algn="ctr"/>
+                <a:endParaRPr lang="en-US" sz="2800" dirty="0">
+                  <a:solidFill>
+                    <a:schemeClr val="tx1"/>
+                  </a:solidFill>
+                </a:endParaRPr>
+              </a:p>
+            </p:txBody>
+          </p:sp>
+          <p:sp>
+            <p:nvSpPr>
+              <p:cNvPr id="24" name="Rectangle 23">
+                <a:extLst>
+                  <a:ext uri="{FF2B5EF4-FFF2-40B4-BE49-F238E27FC236}">
+                    <a16:creationId xmlns:a16="http://schemas.microsoft.com/office/drawing/2014/main" id="{9A7DDDD4-8D2E-F314-F507-8FA0016B4B5C}"/>
+                  </a:ext>
+                </a:extLst>
+              </p:cNvPr>
+              <p:cNvSpPr/>
+              <p:nvPr/>
+            </p:nvSpPr>
+            <p:spPr>
+              <a:xfrm>
+                <a:off x="6733540" y="5083048"/>
+                <a:ext cx="640080" cy="640080"/>
+              </a:xfrm>
+              <a:prstGeom prst="rect">
+                <a:avLst/>
+              </a:prstGeom>
+              <a:solidFill>
+                <a:schemeClr val="bg1"/>
+              </a:solidFill>
+            </p:spPr>
+            <p:style>
+              <a:lnRef idx="2">
+                <a:schemeClr val="accent1">
+                  <a:shade val="15000"/>
+                </a:schemeClr>
+              </a:lnRef>
+              <a:fillRef idx="1">
+                <a:schemeClr val="accent1"/>
+              </a:fillRef>
+              <a:effectRef idx="0">
+                <a:schemeClr val="accent1"/>
+              </a:effectRef>
+              <a:fontRef idx="minor">
+                <a:schemeClr val="lt1"/>
+              </a:fontRef>
+            </p:style>
+            <p:txBody>
+              <a:bodyPr rtlCol="0" anchor="ctr"/>
+              <a:lstStyle/>
+              <a:p>
+                <a:pPr algn="ctr"/>
+                <a:endParaRPr lang="en-US" sz="2800" dirty="0">
+                  <a:solidFill>
+                    <a:schemeClr val="tx1"/>
+                  </a:solidFill>
+                </a:endParaRPr>
+              </a:p>
+            </p:txBody>
+          </p:sp>
+          <p:sp>
+            <p:nvSpPr>
+              <p:cNvPr id="25" name="Rectangle 24">
+                <a:extLst>
+                  <a:ext uri="{FF2B5EF4-FFF2-40B4-BE49-F238E27FC236}">
+                    <a16:creationId xmlns:a16="http://schemas.microsoft.com/office/drawing/2014/main" id="{CF9000BC-81DC-CE44-03EB-CDF8D357E516}"/>
+                  </a:ext>
+                </a:extLst>
+              </p:cNvPr>
+              <p:cNvSpPr/>
+              <p:nvPr/>
+            </p:nvSpPr>
+            <p:spPr>
+              <a:xfrm>
+                <a:off x="7373620" y="5083048"/>
+                <a:ext cx="640080" cy="640080"/>
+              </a:xfrm>
+              <a:prstGeom prst="rect">
+                <a:avLst/>
+              </a:prstGeom>
+              <a:solidFill>
+                <a:schemeClr val="bg1"/>
+              </a:solidFill>
+            </p:spPr>
+            <p:style>
+              <a:lnRef idx="2">
+                <a:schemeClr val="accent1">
+                  <a:shade val="15000"/>
+                </a:schemeClr>
+              </a:lnRef>
+              <a:fillRef idx="1">
+                <a:schemeClr val="accent1"/>
+              </a:fillRef>
+              <a:effectRef idx="0">
+                <a:schemeClr val="accent1"/>
+              </a:effectRef>
+              <a:fontRef idx="minor">
+                <a:schemeClr val="lt1"/>
+              </a:fontRef>
+            </p:style>
+            <p:txBody>
+              <a:bodyPr rtlCol="0" anchor="ctr"/>
+              <a:lstStyle/>
+              <a:p>
+                <a:pPr algn="ctr"/>
+                <a:endParaRPr lang="en-US" sz="2800" dirty="0">
+                  <a:solidFill>
+                    <a:schemeClr val="tx1"/>
+                  </a:solidFill>
+                </a:endParaRPr>
+              </a:p>
+            </p:txBody>
+          </p:sp>
+          <p:sp>
+            <p:nvSpPr>
+              <p:cNvPr id="26" name="Rectangle 25">
+                <a:extLst>
+                  <a:ext uri="{FF2B5EF4-FFF2-40B4-BE49-F238E27FC236}">
+                    <a16:creationId xmlns:a16="http://schemas.microsoft.com/office/drawing/2014/main" id="{5DF3124B-193F-D905-24FE-C943F42B8A33}"/>
+                  </a:ext>
+                </a:extLst>
+              </p:cNvPr>
+              <p:cNvSpPr/>
+              <p:nvPr/>
+            </p:nvSpPr>
+            <p:spPr>
+              <a:xfrm>
+                <a:off x="8013700" y="5083048"/>
+                <a:ext cx="640080" cy="640080"/>
+              </a:xfrm>
+              <a:prstGeom prst="rect">
+                <a:avLst/>
+              </a:prstGeom>
+              <a:solidFill>
+                <a:schemeClr val="bg1"/>
+              </a:solidFill>
+            </p:spPr>
+            <p:style>
+              <a:lnRef idx="2">
+                <a:schemeClr val="accent1">
+                  <a:shade val="15000"/>
+                </a:schemeClr>
+              </a:lnRef>
+              <a:fillRef idx="1">
+                <a:schemeClr val="accent1"/>
+              </a:fillRef>
+              <a:effectRef idx="0">
+                <a:schemeClr val="accent1"/>
+              </a:effectRef>
+              <a:fontRef idx="minor">
+                <a:schemeClr val="lt1"/>
+              </a:fontRef>
+            </p:style>
+            <p:txBody>
+              <a:bodyPr rtlCol="0" anchor="ctr"/>
+              <a:lstStyle/>
+              <a:p>
+                <a:pPr algn="ctr"/>
+                <a:endParaRPr lang="en-US" sz="2800" dirty="0">
+                  <a:solidFill>
+                    <a:schemeClr val="tx1"/>
+                  </a:solidFill>
+                </a:endParaRPr>
+              </a:p>
+            </p:txBody>
+          </p:sp>
+        </p:grpSp>
+        <p:grpSp>
+          <p:nvGrpSpPr>
+            <p:cNvPr id="6" name="Group 5">
+              <a:extLst>
+                <a:ext uri="{FF2B5EF4-FFF2-40B4-BE49-F238E27FC236}">
+                  <a16:creationId xmlns:a16="http://schemas.microsoft.com/office/drawing/2014/main" id="{56F3B3C3-578B-F0CF-7FDA-4D658EACB546}"/>
+                </a:ext>
+              </a:extLst>
+            </p:cNvPr>
+            <p:cNvGrpSpPr/>
+            <p:nvPr/>
+          </p:nvGrpSpPr>
+          <p:grpSpPr>
+            <a:xfrm>
+              <a:off x="4953000" y="1117917"/>
+              <a:ext cx="6400800" cy="640080"/>
+              <a:chOff x="2252980" y="5083048"/>
+              <a:chExt cx="6400800" cy="640080"/>
+            </a:xfrm>
+            <a:noFill/>
+          </p:grpSpPr>
+          <p:sp>
+            <p:nvSpPr>
+              <p:cNvPr id="7" name="Rectangle 6">
+                <a:extLst>
+                  <a:ext uri="{FF2B5EF4-FFF2-40B4-BE49-F238E27FC236}">
+                    <a16:creationId xmlns:a16="http://schemas.microsoft.com/office/drawing/2014/main" id="{5ECA0DCD-68D5-0470-BBE4-88793B346E25}"/>
+                  </a:ext>
+                </a:extLst>
+              </p:cNvPr>
+              <p:cNvSpPr/>
+              <p:nvPr/>
+            </p:nvSpPr>
+            <p:spPr>
+              <a:xfrm>
+                <a:off x="2252980" y="5083048"/>
+                <a:ext cx="640080" cy="640080"/>
+              </a:xfrm>
+              <a:prstGeom prst="rect">
+                <a:avLst/>
+              </a:prstGeom>
+              <a:grpFill/>
+              <a:ln>
+                <a:noFill/>
+              </a:ln>
+            </p:spPr>
+            <p:style>
+              <a:lnRef idx="2">
+                <a:schemeClr val="accent1">
+                  <a:shade val="15000"/>
+                </a:schemeClr>
+              </a:lnRef>
+              <a:fillRef idx="1">
+                <a:schemeClr val="accent1"/>
+              </a:fillRef>
+              <a:effectRef idx="0">
+                <a:schemeClr val="accent1"/>
+              </a:effectRef>
+              <a:fontRef idx="minor">
+                <a:schemeClr val="lt1"/>
+              </a:fontRef>
+            </p:style>
+            <p:txBody>
+              <a:bodyPr rtlCol="0" anchor="ctr"/>
+              <a:lstStyle/>
+              <a:p>
+                <a:pPr algn="ctr"/>
+                <a:r>
+                  <a:rPr lang="en-US" sz="2800" dirty="0">
+                    <a:solidFill>
+                      <a:schemeClr val="tx1"/>
+                    </a:solidFill>
+                  </a:rPr>
+                  <a:t>0</a:t>
+                </a:r>
+              </a:p>
+            </p:txBody>
+          </p:sp>
+          <p:sp>
+            <p:nvSpPr>
+              <p:cNvPr id="8" name="Rectangle 7">
+                <a:extLst>
+                  <a:ext uri="{FF2B5EF4-FFF2-40B4-BE49-F238E27FC236}">
+                    <a16:creationId xmlns:a16="http://schemas.microsoft.com/office/drawing/2014/main" id="{049C5070-60AB-1BF9-E768-8ADCF618F29D}"/>
+                  </a:ext>
+                </a:extLst>
+              </p:cNvPr>
+              <p:cNvSpPr/>
+              <p:nvPr/>
+            </p:nvSpPr>
+            <p:spPr>
+              <a:xfrm>
+                <a:off x="2893060" y="5083048"/>
+                <a:ext cx="640080" cy="640080"/>
+              </a:xfrm>
+              <a:prstGeom prst="rect">
+                <a:avLst/>
+              </a:prstGeom>
+              <a:grpFill/>
+              <a:ln>
+                <a:noFill/>
+              </a:ln>
+            </p:spPr>
+            <p:style>
+              <a:lnRef idx="2">
+                <a:schemeClr val="accent1">
+                  <a:shade val="15000"/>
+                </a:schemeClr>
+              </a:lnRef>
+              <a:fillRef idx="1">
+                <a:schemeClr val="accent1"/>
+              </a:fillRef>
+              <a:effectRef idx="0">
+                <a:schemeClr val="accent1"/>
+              </a:effectRef>
+              <a:fontRef idx="minor">
+                <a:schemeClr val="lt1"/>
+              </a:fontRef>
+            </p:style>
+            <p:txBody>
+              <a:bodyPr rtlCol="0" anchor="ctr"/>
+              <a:lstStyle/>
+              <a:p>
+                <a:pPr algn="ctr"/>
+                <a:r>
+                  <a:rPr lang="en-US" sz="2800" dirty="0">
+                    <a:solidFill>
+                      <a:schemeClr val="tx1"/>
+                    </a:solidFill>
+                  </a:rPr>
+                  <a:t>1</a:t>
+                </a:r>
+              </a:p>
+            </p:txBody>
+          </p:sp>
+          <p:sp>
+            <p:nvSpPr>
+              <p:cNvPr id="9" name="Rectangle 8">
+                <a:extLst>
+                  <a:ext uri="{FF2B5EF4-FFF2-40B4-BE49-F238E27FC236}">
+                    <a16:creationId xmlns:a16="http://schemas.microsoft.com/office/drawing/2014/main" id="{7ABDDB81-53DE-3741-D996-1F287A6DDDBA}"/>
+                  </a:ext>
+                </a:extLst>
+              </p:cNvPr>
+              <p:cNvSpPr/>
+              <p:nvPr/>
+            </p:nvSpPr>
+            <p:spPr>
+              <a:xfrm>
+                <a:off x="3533140" y="5083048"/>
+                <a:ext cx="640080" cy="640080"/>
+              </a:xfrm>
+              <a:prstGeom prst="rect">
+                <a:avLst/>
+              </a:prstGeom>
+              <a:grpFill/>
+              <a:ln>
+                <a:noFill/>
+              </a:ln>
+            </p:spPr>
+            <p:style>
+              <a:lnRef idx="2">
+                <a:schemeClr val="accent1">
+                  <a:shade val="15000"/>
+                </a:schemeClr>
+              </a:lnRef>
+              <a:fillRef idx="1">
+                <a:schemeClr val="accent1"/>
+              </a:fillRef>
+              <a:effectRef idx="0">
+                <a:schemeClr val="accent1"/>
+              </a:effectRef>
+              <a:fontRef idx="minor">
+                <a:schemeClr val="lt1"/>
+              </a:fontRef>
+            </p:style>
+            <p:txBody>
+              <a:bodyPr rtlCol="0" anchor="ctr"/>
+              <a:lstStyle/>
+              <a:p>
+                <a:pPr algn="ctr"/>
+                <a:r>
+                  <a:rPr lang="en-US" sz="2800" dirty="0">
+                    <a:solidFill>
+                      <a:schemeClr val="tx1"/>
+                    </a:solidFill>
+                  </a:rPr>
+                  <a:t>2</a:t>
+                </a:r>
+              </a:p>
+            </p:txBody>
+          </p:sp>
+          <p:sp>
+            <p:nvSpPr>
+              <p:cNvPr id="10" name="Rectangle 9">
+                <a:extLst>
+                  <a:ext uri="{FF2B5EF4-FFF2-40B4-BE49-F238E27FC236}">
+                    <a16:creationId xmlns:a16="http://schemas.microsoft.com/office/drawing/2014/main" id="{1A6C8874-6AA8-354F-33B5-648D0C65EEE2}"/>
+                  </a:ext>
+                </a:extLst>
+              </p:cNvPr>
+              <p:cNvSpPr/>
+              <p:nvPr/>
+            </p:nvSpPr>
+            <p:spPr>
+              <a:xfrm>
+                <a:off x="4173220" y="5083048"/>
+                <a:ext cx="640080" cy="640080"/>
+              </a:xfrm>
+              <a:prstGeom prst="rect">
+                <a:avLst/>
+              </a:prstGeom>
+              <a:grpFill/>
+              <a:ln>
+                <a:noFill/>
+              </a:ln>
+            </p:spPr>
+            <p:style>
+              <a:lnRef idx="2">
+                <a:schemeClr val="accent1">
+                  <a:shade val="15000"/>
+                </a:schemeClr>
+              </a:lnRef>
+              <a:fillRef idx="1">
+                <a:schemeClr val="accent1"/>
+              </a:fillRef>
+              <a:effectRef idx="0">
+                <a:schemeClr val="accent1"/>
+              </a:effectRef>
+              <a:fontRef idx="minor">
+                <a:schemeClr val="lt1"/>
+              </a:fontRef>
+            </p:style>
+            <p:txBody>
+              <a:bodyPr rtlCol="0" anchor="ctr"/>
+              <a:lstStyle/>
+              <a:p>
+                <a:pPr algn="ctr"/>
+                <a:r>
+                  <a:rPr lang="en-US" sz="2800" dirty="0">
+                    <a:solidFill>
+                      <a:schemeClr val="tx1"/>
+                    </a:solidFill>
+                  </a:rPr>
+                  <a:t>3</a:t>
+                </a:r>
+              </a:p>
+            </p:txBody>
+          </p:sp>
+          <p:sp>
+            <p:nvSpPr>
+              <p:cNvPr id="11" name="Rectangle 10">
+                <a:extLst>
+                  <a:ext uri="{FF2B5EF4-FFF2-40B4-BE49-F238E27FC236}">
+                    <a16:creationId xmlns:a16="http://schemas.microsoft.com/office/drawing/2014/main" id="{6790C2C0-54CD-8E8A-29F1-4E4245996583}"/>
+                  </a:ext>
+                </a:extLst>
+              </p:cNvPr>
+              <p:cNvSpPr/>
+              <p:nvPr/>
+            </p:nvSpPr>
+            <p:spPr>
+              <a:xfrm>
+                <a:off x="4813300" y="5083048"/>
+                <a:ext cx="640080" cy="640080"/>
+              </a:xfrm>
+              <a:prstGeom prst="rect">
+                <a:avLst/>
+              </a:prstGeom>
+              <a:grpFill/>
+              <a:ln>
+                <a:noFill/>
+              </a:ln>
+            </p:spPr>
+            <p:style>
+              <a:lnRef idx="2">
+                <a:schemeClr val="accent1">
+                  <a:shade val="15000"/>
+                </a:schemeClr>
+              </a:lnRef>
+              <a:fillRef idx="1">
+                <a:schemeClr val="accent1"/>
+              </a:fillRef>
+              <a:effectRef idx="0">
+                <a:schemeClr val="accent1"/>
+              </a:effectRef>
+              <a:fontRef idx="minor">
+                <a:schemeClr val="lt1"/>
+              </a:fontRef>
+            </p:style>
+            <p:txBody>
+              <a:bodyPr rtlCol="0" anchor="ctr"/>
+              <a:lstStyle/>
+              <a:p>
+                <a:pPr algn="ctr"/>
+                <a:r>
+                  <a:rPr lang="en-US" sz="2800" dirty="0">
+                    <a:solidFill>
+                      <a:schemeClr val="tx1"/>
+                    </a:solidFill>
+                  </a:rPr>
+                  <a:t>4</a:t>
+                </a:r>
+              </a:p>
+            </p:txBody>
+          </p:sp>
+          <p:sp>
+            <p:nvSpPr>
+              <p:cNvPr id="12" name="Rectangle 11">
+                <a:extLst>
+                  <a:ext uri="{FF2B5EF4-FFF2-40B4-BE49-F238E27FC236}">
+                    <a16:creationId xmlns:a16="http://schemas.microsoft.com/office/drawing/2014/main" id="{777B6A59-79DD-E078-29A8-28E65E272796}"/>
+                  </a:ext>
+                </a:extLst>
+              </p:cNvPr>
+              <p:cNvSpPr/>
+              <p:nvPr/>
+            </p:nvSpPr>
+            <p:spPr>
+              <a:xfrm>
+                <a:off x="5453380" y="5083048"/>
+                <a:ext cx="640080" cy="640080"/>
+              </a:xfrm>
+              <a:prstGeom prst="rect">
+                <a:avLst/>
+              </a:prstGeom>
+              <a:grpFill/>
+              <a:ln>
+                <a:noFill/>
+              </a:ln>
+            </p:spPr>
+            <p:style>
+              <a:lnRef idx="2">
+                <a:schemeClr val="accent1">
+                  <a:shade val="15000"/>
+                </a:schemeClr>
+              </a:lnRef>
+              <a:fillRef idx="1">
+                <a:schemeClr val="accent1"/>
+              </a:fillRef>
+              <a:effectRef idx="0">
+                <a:schemeClr val="accent1"/>
+              </a:effectRef>
+              <a:fontRef idx="minor">
+                <a:schemeClr val="lt1"/>
+              </a:fontRef>
+            </p:style>
+            <p:txBody>
+              <a:bodyPr rtlCol="0" anchor="ctr"/>
+              <a:lstStyle/>
+              <a:p>
+                <a:pPr algn="ctr"/>
+                <a:r>
+                  <a:rPr lang="en-US" sz="2800" dirty="0">
+                    <a:solidFill>
+                      <a:schemeClr val="tx1"/>
+                    </a:solidFill>
+                  </a:rPr>
+                  <a:t>5</a:t>
+                </a:r>
+              </a:p>
+            </p:txBody>
+          </p:sp>
+          <p:sp>
+            <p:nvSpPr>
+              <p:cNvPr id="13" name="Rectangle 12">
+                <a:extLst>
+                  <a:ext uri="{FF2B5EF4-FFF2-40B4-BE49-F238E27FC236}">
+                    <a16:creationId xmlns:a16="http://schemas.microsoft.com/office/drawing/2014/main" id="{2BC9E6AB-C5FC-2724-1BF9-D8BBC6BF709A}"/>
+                  </a:ext>
+                </a:extLst>
+              </p:cNvPr>
+              <p:cNvSpPr/>
+              <p:nvPr/>
+            </p:nvSpPr>
+            <p:spPr>
+              <a:xfrm>
+                <a:off x="6093460" y="5083048"/>
+                <a:ext cx="640080" cy="640080"/>
+              </a:xfrm>
+              <a:prstGeom prst="rect">
+                <a:avLst/>
+              </a:prstGeom>
+              <a:grpFill/>
+              <a:ln>
+                <a:noFill/>
+              </a:ln>
+            </p:spPr>
+            <p:style>
+              <a:lnRef idx="2">
+                <a:schemeClr val="accent1">
+                  <a:shade val="15000"/>
+                </a:schemeClr>
+              </a:lnRef>
+              <a:fillRef idx="1">
+                <a:schemeClr val="accent1"/>
+              </a:fillRef>
+              <a:effectRef idx="0">
+                <a:schemeClr val="accent1"/>
+              </a:effectRef>
+              <a:fontRef idx="minor">
+                <a:schemeClr val="lt1"/>
+              </a:fontRef>
+            </p:style>
+            <p:txBody>
+              <a:bodyPr rtlCol="0" anchor="ctr"/>
+              <a:lstStyle/>
+              <a:p>
+                <a:pPr algn="ctr"/>
+                <a:r>
+                  <a:rPr lang="en-US" sz="2800" dirty="0">
+                    <a:solidFill>
+                      <a:schemeClr val="tx1"/>
+                    </a:solidFill>
+                  </a:rPr>
+                  <a:t>6</a:t>
+                </a:r>
+              </a:p>
+            </p:txBody>
+          </p:sp>
+          <p:sp>
+            <p:nvSpPr>
+              <p:cNvPr id="14" name="Rectangle 13">
+                <a:extLst>
+                  <a:ext uri="{FF2B5EF4-FFF2-40B4-BE49-F238E27FC236}">
+                    <a16:creationId xmlns:a16="http://schemas.microsoft.com/office/drawing/2014/main" id="{9198A0B8-7969-41D6-DAFF-DB99A0ED3CF0}"/>
+                  </a:ext>
+                </a:extLst>
+              </p:cNvPr>
+              <p:cNvSpPr/>
+              <p:nvPr/>
+            </p:nvSpPr>
+            <p:spPr>
+              <a:xfrm>
+                <a:off x="6733540" y="5083048"/>
+                <a:ext cx="640080" cy="640080"/>
+              </a:xfrm>
+              <a:prstGeom prst="rect">
+                <a:avLst/>
+              </a:prstGeom>
+              <a:grpFill/>
+              <a:ln>
+                <a:noFill/>
+              </a:ln>
+            </p:spPr>
+            <p:style>
+              <a:lnRef idx="2">
+                <a:schemeClr val="accent1">
+                  <a:shade val="15000"/>
+                </a:schemeClr>
+              </a:lnRef>
+              <a:fillRef idx="1">
+                <a:schemeClr val="accent1"/>
+              </a:fillRef>
+              <a:effectRef idx="0">
+                <a:schemeClr val="accent1"/>
+              </a:effectRef>
+              <a:fontRef idx="minor">
+                <a:schemeClr val="lt1"/>
+              </a:fontRef>
+            </p:style>
+            <p:txBody>
+              <a:bodyPr rtlCol="0" anchor="ctr"/>
+              <a:lstStyle/>
+              <a:p>
+                <a:pPr algn="ctr"/>
+                <a:r>
+                  <a:rPr lang="en-US" sz="2800" dirty="0">
+                    <a:solidFill>
+                      <a:schemeClr val="tx1"/>
+                    </a:solidFill>
+                  </a:rPr>
+                  <a:t>7</a:t>
+                </a:r>
+              </a:p>
+            </p:txBody>
+          </p:sp>
+          <p:sp>
+            <p:nvSpPr>
+              <p:cNvPr id="15" name="Rectangle 14">
+                <a:extLst>
+                  <a:ext uri="{FF2B5EF4-FFF2-40B4-BE49-F238E27FC236}">
+                    <a16:creationId xmlns:a16="http://schemas.microsoft.com/office/drawing/2014/main" id="{C69979AC-43BC-32F9-927F-21D434B1657C}"/>
+                  </a:ext>
+                </a:extLst>
+              </p:cNvPr>
+              <p:cNvSpPr/>
+              <p:nvPr/>
+            </p:nvSpPr>
+            <p:spPr>
+              <a:xfrm>
+                <a:off x="7373620" y="5083048"/>
+                <a:ext cx="640080" cy="640080"/>
+              </a:xfrm>
+              <a:prstGeom prst="rect">
+                <a:avLst/>
+              </a:prstGeom>
+              <a:grpFill/>
+              <a:ln>
+                <a:noFill/>
+              </a:ln>
+            </p:spPr>
+            <p:style>
+              <a:lnRef idx="2">
+                <a:schemeClr val="accent1">
+                  <a:shade val="15000"/>
+                </a:schemeClr>
+              </a:lnRef>
+              <a:fillRef idx="1">
+                <a:schemeClr val="accent1"/>
+              </a:fillRef>
+              <a:effectRef idx="0">
+                <a:schemeClr val="accent1"/>
+              </a:effectRef>
+              <a:fontRef idx="minor">
+                <a:schemeClr val="lt1"/>
+              </a:fontRef>
+            </p:style>
+            <p:txBody>
+              <a:bodyPr rtlCol="0" anchor="ctr"/>
+              <a:lstStyle/>
+              <a:p>
+                <a:pPr algn="ctr"/>
+                <a:r>
+                  <a:rPr lang="en-US" sz="2800" dirty="0">
+                    <a:solidFill>
+                      <a:schemeClr val="tx1"/>
+                    </a:solidFill>
+                  </a:rPr>
+                  <a:t>8</a:t>
+                </a:r>
+              </a:p>
+            </p:txBody>
+          </p:sp>
+          <p:sp>
+            <p:nvSpPr>
+              <p:cNvPr id="16" name="Rectangle 15">
+                <a:extLst>
+                  <a:ext uri="{FF2B5EF4-FFF2-40B4-BE49-F238E27FC236}">
+                    <a16:creationId xmlns:a16="http://schemas.microsoft.com/office/drawing/2014/main" id="{C3FB1665-49F1-41F3-8E29-06DAC51EBB0E}"/>
+                  </a:ext>
+                </a:extLst>
+              </p:cNvPr>
+              <p:cNvSpPr/>
+              <p:nvPr/>
+            </p:nvSpPr>
+            <p:spPr>
+              <a:xfrm>
+                <a:off x="8013700" y="5083048"/>
+                <a:ext cx="640080" cy="640080"/>
+              </a:xfrm>
+              <a:prstGeom prst="rect">
+                <a:avLst/>
+              </a:prstGeom>
+              <a:grpFill/>
+              <a:ln>
+                <a:noFill/>
+              </a:ln>
+            </p:spPr>
+            <p:style>
+              <a:lnRef idx="2">
+                <a:schemeClr val="accent1">
+                  <a:shade val="15000"/>
+                </a:schemeClr>
+              </a:lnRef>
+              <a:fillRef idx="1">
+                <a:schemeClr val="accent1"/>
+              </a:fillRef>
+              <a:effectRef idx="0">
+                <a:schemeClr val="accent1"/>
+              </a:effectRef>
+              <a:fontRef idx="minor">
+                <a:schemeClr val="lt1"/>
+              </a:fontRef>
+            </p:style>
+            <p:txBody>
+              <a:bodyPr rtlCol="0" anchor="ctr"/>
+              <a:lstStyle/>
+              <a:p>
+                <a:pPr algn="ctr"/>
+                <a:r>
+                  <a:rPr lang="en-US" sz="2800" dirty="0">
+                    <a:solidFill>
+                      <a:schemeClr val="tx1"/>
+                    </a:solidFill>
+                  </a:rPr>
+                  <a:t>9</a:t>
+                </a:r>
+              </a:p>
+            </p:txBody>
+          </p:sp>
+        </p:grpSp>
+      </p:grpSp>
+    </p:spTree>
+    <p:extLst>
+      <p:ext uri="{BB962C8B-B14F-4D97-AF65-F5344CB8AC3E}">
+        <p14:creationId xmlns:p14="http://schemas.microsoft.com/office/powerpoint/2010/main" val="316738748"/>
       </p:ext>
     </p:extLst>
   </p:cSld>
@@ -35659,7 +35866,7 @@
           <p:cNvPr id="2" name="Title 1">
             <a:extLst>
               <a:ext uri="{FF2B5EF4-FFF2-40B4-BE49-F238E27FC236}">
-                <a16:creationId xmlns:a16="http://schemas.microsoft.com/office/drawing/2014/main" id="{03682224-77C0-7101-3666-23633BC3E368}"/>
+                <a16:creationId xmlns:a16="http://schemas.microsoft.com/office/drawing/2014/main" id="{9F5FDBF2-63C9-8594-E37F-13EE9BA0ACCA}"/>
               </a:ext>
             </a:extLst>
           </p:cNvPr>
@@ -35677,1340 +35884,162 @@
           <a:p>
             <a:r>
               <a:rPr lang="en-US" dirty="0"/>
-              <a:t>Linear Probing + Tombstone: Find</a:t>
+              <a:t>Downsides of Linear Probing</a:t>
             </a:r>
           </a:p>
         </p:txBody>
       </p:sp>
-      <p:sp>
-        <p:nvSpPr>
-          <p:cNvPr id="3" name="Content Placeholder 2">
-            <a:extLst>
-              <a:ext uri="{FF2B5EF4-FFF2-40B4-BE49-F238E27FC236}">
-                <a16:creationId xmlns:a16="http://schemas.microsoft.com/office/drawing/2014/main" id="{A97C19AB-1C53-85A1-A3AF-83DFA61F94B5}"/>
-              </a:ext>
-            </a:extLst>
-          </p:cNvPr>
-          <p:cNvSpPr>
-            <a:spLocks noGrp="1"/>
-          </p:cNvSpPr>
-          <p:nvPr>
-            <p:ph idx="1"/>
-          </p:nvPr>
-        </p:nvSpPr>
-        <p:spPr/>
-        <p:txBody>
-          <a:bodyPr/>
-          <a:lstStyle/>
-          <a:p>
-            <a:r>
-              <a:rPr lang="en-US" dirty="0"/>
-              <a:t>To find key </a:t>
-            </a:r>
-            <a:r>
-              <a:rPr lang="en-US" dirty="0">
-                <a:latin typeface="Consolas" panose="020B0609020204030204" pitchFamily="49" charset="0"/>
-              </a:rPr>
-              <a:t>k</a:t>
-            </a:r>
-          </a:p>
-          <a:p>
-            <a:pPr lvl="1"/>
-            <a:r>
-              <a:rPr lang="en-US" dirty="0"/>
-              <a:t>Calculate </a:t>
-            </a:r>
-            <a:r>
-              <a:rPr lang="en-US" dirty="0" err="1">
-                <a:latin typeface="Consolas" panose="020B0609020204030204" pitchFamily="49" charset="0"/>
-              </a:rPr>
-              <a:t>i</a:t>
-            </a:r>
-            <a:r>
-              <a:rPr lang="en-US" dirty="0">
-                <a:latin typeface="Consolas" panose="020B0609020204030204" pitchFamily="49" charset="0"/>
-              </a:rPr>
-              <a:t> = h(k) % </a:t>
-            </a:r>
-            <a:r>
-              <a:rPr lang="en-US" dirty="0" err="1">
-                <a:latin typeface="Consolas" panose="020B0609020204030204" pitchFamily="49" charset="0"/>
-              </a:rPr>
-              <a:t>table.length</a:t>
-            </a:r>
-            <a:endParaRPr lang="en-US" dirty="0"/>
-          </a:p>
-          <a:p>
-            <a:pPr lvl="1"/>
-            <a:r>
-              <a:rPr lang="en-US" dirty="0"/>
-              <a:t>While </a:t>
-            </a:r>
-            <a:r>
-              <a:rPr lang="en-US" dirty="0">
-                <a:latin typeface="Consolas" panose="020B0609020204030204" pitchFamily="49" charset="0"/>
-              </a:rPr>
-              <a:t>table[</a:t>
-            </a:r>
-            <a:r>
-              <a:rPr lang="en-US" dirty="0" err="1">
-                <a:latin typeface="Consolas" panose="020B0609020204030204" pitchFamily="49" charset="0"/>
-              </a:rPr>
-              <a:t>i</a:t>
-            </a:r>
-            <a:r>
-              <a:rPr lang="en-US" dirty="0">
-                <a:latin typeface="Consolas" panose="020B0609020204030204" pitchFamily="49" charset="0"/>
-              </a:rPr>
-              <a:t>]</a:t>
-            </a:r>
-            <a:r>
-              <a:rPr lang="en-US" dirty="0"/>
-              <a:t> has a key other than </a:t>
-            </a:r>
-            <a:r>
-              <a:rPr lang="en-US" dirty="0">
-                <a:latin typeface="Consolas" panose="020B0609020204030204" pitchFamily="49" charset="0"/>
-              </a:rPr>
-              <a:t>k</a:t>
-            </a:r>
-            <a:r>
-              <a:rPr lang="en-US" dirty="0"/>
-              <a:t>, set </a:t>
-            </a:r>
-            <a:r>
-              <a:rPr lang="en-US" dirty="0" err="1">
-                <a:latin typeface="Consolas" panose="020B0609020204030204" pitchFamily="49" charset="0"/>
-              </a:rPr>
-              <a:t>i</a:t>
-            </a:r>
-            <a:r>
-              <a:rPr lang="en-US" dirty="0">
-                <a:latin typeface="Consolas" panose="020B0609020204030204" pitchFamily="49" charset="0"/>
-              </a:rPr>
-              <a:t> = (i+1) % </a:t>
-            </a:r>
-            <a:r>
-              <a:rPr lang="en-US" dirty="0" err="1">
-                <a:latin typeface="Consolas" panose="020B0609020204030204" pitchFamily="49" charset="0"/>
-              </a:rPr>
-              <a:t>table.length</a:t>
-            </a:r>
-            <a:endParaRPr lang="en-US" dirty="0"/>
-          </a:p>
-          <a:p>
-            <a:pPr lvl="1"/>
-            <a:r>
-              <a:rPr lang="en-US" dirty="0"/>
-              <a:t>If you come across </a:t>
-            </a:r>
-            <a:r>
-              <a:rPr lang="en-US" dirty="0">
-                <a:latin typeface="Consolas" panose="020B0609020204030204" pitchFamily="49" charset="0"/>
-              </a:rPr>
-              <a:t>k</a:t>
-            </a:r>
-            <a:r>
-              <a:rPr lang="en-US" dirty="0"/>
-              <a:t> return </a:t>
-            </a:r>
-            <a:r>
-              <a:rPr lang="en-US" dirty="0">
-                <a:latin typeface="Consolas" panose="020B0609020204030204" pitchFamily="49" charset="0"/>
-              </a:rPr>
-              <a:t>table[</a:t>
-            </a:r>
-            <a:r>
-              <a:rPr lang="en-US" dirty="0" err="1">
-                <a:latin typeface="Consolas" panose="020B0609020204030204" pitchFamily="49" charset="0"/>
-              </a:rPr>
-              <a:t>i</a:t>
-            </a:r>
-            <a:r>
-              <a:rPr lang="en-US" dirty="0">
-                <a:latin typeface="Consolas" panose="020B0609020204030204" pitchFamily="49" charset="0"/>
-              </a:rPr>
-              <a:t>]</a:t>
-            </a:r>
-            <a:endParaRPr lang="en-US" dirty="0"/>
-          </a:p>
-          <a:p>
-            <a:pPr lvl="1"/>
-            <a:r>
-              <a:rPr lang="en-US" dirty="0"/>
-              <a:t>If you come across an empty index, the find was unsuccessful</a:t>
-            </a:r>
-          </a:p>
-        </p:txBody>
-      </p:sp>
-      <p:grpSp>
-        <p:nvGrpSpPr>
-          <p:cNvPr id="4" name="Group 3">
-            <a:extLst>
-              <a:ext uri="{FF2B5EF4-FFF2-40B4-BE49-F238E27FC236}">
-                <a16:creationId xmlns:a16="http://schemas.microsoft.com/office/drawing/2014/main" id="{276BC9F7-99BA-B7BC-1AD2-84242D56EDF4}"/>
-              </a:ext>
-            </a:extLst>
-          </p:cNvPr>
-          <p:cNvGrpSpPr/>
-          <p:nvPr/>
-        </p:nvGrpSpPr>
-        <p:grpSpPr>
-          <a:xfrm>
-            <a:off x="2895600" y="5467983"/>
-            <a:ext cx="6400800" cy="1097280"/>
-            <a:chOff x="4953000" y="660717"/>
-            <a:chExt cx="6400800" cy="1097280"/>
-          </a:xfrm>
-        </p:grpSpPr>
-        <p:grpSp>
-          <p:nvGrpSpPr>
-            <p:cNvPr id="5" name="Group 4">
-              <a:extLst>
-                <a:ext uri="{FF2B5EF4-FFF2-40B4-BE49-F238E27FC236}">
-                  <a16:creationId xmlns:a16="http://schemas.microsoft.com/office/drawing/2014/main" id="{412EC1DB-D4A6-6B7B-7C6F-C60875C4B880}"/>
-                </a:ext>
-              </a:extLst>
-            </p:cNvPr>
-            <p:cNvGrpSpPr/>
-            <p:nvPr/>
-          </p:nvGrpSpPr>
-          <p:grpSpPr>
-            <a:xfrm>
-              <a:off x="4953000" y="660717"/>
-              <a:ext cx="6400800" cy="640080"/>
-              <a:chOff x="2252980" y="5083048"/>
-              <a:chExt cx="6400800" cy="640080"/>
-            </a:xfrm>
-          </p:grpSpPr>
-          <p:sp>
-            <p:nvSpPr>
-              <p:cNvPr id="17" name="Rectangle 16">
-                <a:extLst>
-                  <a:ext uri="{FF2B5EF4-FFF2-40B4-BE49-F238E27FC236}">
-                    <a16:creationId xmlns:a16="http://schemas.microsoft.com/office/drawing/2014/main" id="{0F0BD263-8B0C-EE09-006A-586758C03449}"/>
-                  </a:ext>
-                </a:extLst>
-              </p:cNvPr>
-              <p:cNvSpPr/>
-              <p:nvPr/>
-            </p:nvSpPr>
-            <p:spPr>
-              <a:xfrm>
-                <a:off x="2252980" y="5083048"/>
-                <a:ext cx="640080" cy="640080"/>
-              </a:xfrm>
-              <a:prstGeom prst="rect">
-                <a:avLst/>
-              </a:prstGeom>
-              <a:solidFill>
-                <a:schemeClr val="bg1"/>
-              </a:solidFill>
-            </p:spPr>
-            <p:style>
-              <a:lnRef idx="2">
-                <a:schemeClr val="accent1">
-                  <a:shade val="15000"/>
-                </a:schemeClr>
-              </a:lnRef>
-              <a:fillRef idx="1">
-                <a:schemeClr val="accent1"/>
-              </a:fillRef>
-              <a:effectRef idx="0">
-                <a:schemeClr val="accent1"/>
-              </a:effectRef>
-              <a:fontRef idx="minor">
-                <a:schemeClr val="lt1"/>
-              </a:fontRef>
-            </p:style>
-            <p:txBody>
-              <a:bodyPr rtlCol="0" anchor="ctr"/>
-              <a:lstStyle/>
-              <a:p>
-                <a:pPr algn="ctr"/>
-                <a:endParaRPr lang="en-US" sz="2800" dirty="0">
-                  <a:solidFill>
-                    <a:schemeClr val="tx1"/>
-                  </a:solidFill>
-                </a:endParaRPr>
-              </a:p>
-            </p:txBody>
-          </p:sp>
-          <p:sp>
-            <p:nvSpPr>
-              <p:cNvPr id="18" name="Rectangle 17">
-                <a:extLst>
-                  <a:ext uri="{FF2B5EF4-FFF2-40B4-BE49-F238E27FC236}">
-                    <a16:creationId xmlns:a16="http://schemas.microsoft.com/office/drawing/2014/main" id="{1BCB131B-1A39-0FB0-EC28-AB2DC7165455}"/>
-                  </a:ext>
-                </a:extLst>
-              </p:cNvPr>
-              <p:cNvSpPr/>
-              <p:nvPr/>
-            </p:nvSpPr>
-            <p:spPr>
-              <a:xfrm>
-                <a:off x="2893060" y="5083048"/>
-                <a:ext cx="640080" cy="640080"/>
-              </a:xfrm>
-              <a:prstGeom prst="rect">
-                <a:avLst/>
-              </a:prstGeom>
-              <a:solidFill>
-                <a:schemeClr val="bg1"/>
-              </a:solidFill>
-            </p:spPr>
-            <p:style>
-              <a:lnRef idx="2">
-                <a:schemeClr val="accent1">
-                  <a:shade val="15000"/>
-                </a:schemeClr>
-              </a:lnRef>
-              <a:fillRef idx="1">
-                <a:schemeClr val="accent1"/>
-              </a:fillRef>
-              <a:effectRef idx="0">
-                <a:schemeClr val="accent1"/>
-              </a:effectRef>
-              <a:fontRef idx="minor">
-                <a:schemeClr val="lt1"/>
-              </a:fontRef>
-            </p:style>
-            <p:txBody>
-              <a:bodyPr rtlCol="0" anchor="ctr"/>
-              <a:lstStyle/>
-              <a:p>
-                <a:pPr algn="ctr"/>
-                <a:endParaRPr lang="en-US" sz="2800" dirty="0">
-                  <a:solidFill>
-                    <a:schemeClr val="tx1"/>
-                  </a:solidFill>
-                </a:endParaRPr>
-              </a:p>
-            </p:txBody>
-          </p:sp>
-          <p:sp>
-            <p:nvSpPr>
-              <p:cNvPr id="19" name="Rectangle 18">
-                <a:extLst>
-                  <a:ext uri="{FF2B5EF4-FFF2-40B4-BE49-F238E27FC236}">
-                    <a16:creationId xmlns:a16="http://schemas.microsoft.com/office/drawing/2014/main" id="{20065800-76F9-7D0C-E5B6-87020D3297B3}"/>
-                  </a:ext>
-                </a:extLst>
-              </p:cNvPr>
-              <p:cNvSpPr/>
-              <p:nvPr/>
-            </p:nvSpPr>
-            <p:spPr>
-              <a:xfrm>
-                <a:off x="3533140" y="5083048"/>
-                <a:ext cx="640080" cy="640080"/>
-              </a:xfrm>
-              <a:prstGeom prst="rect">
-                <a:avLst/>
-              </a:prstGeom>
-              <a:solidFill>
-                <a:schemeClr val="bg1"/>
-              </a:solidFill>
-            </p:spPr>
-            <p:style>
-              <a:lnRef idx="2">
-                <a:schemeClr val="accent1">
-                  <a:shade val="15000"/>
-                </a:schemeClr>
-              </a:lnRef>
-              <a:fillRef idx="1">
-                <a:schemeClr val="accent1"/>
-              </a:fillRef>
-              <a:effectRef idx="0">
-                <a:schemeClr val="accent1"/>
-              </a:effectRef>
-              <a:fontRef idx="minor">
-                <a:schemeClr val="lt1"/>
-              </a:fontRef>
-            </p:style>
-            <p:txBody>
-              <a:bodyPr rtlCol="0" anchor="ctr"/>
-              <a:lstStyle/>
-              <a:p>
-                <a:pPr algn="ctr"/>
-                <a:endParaRPr lang="en-US" sz="2800" dirty="0">
-                  <a:solidFill>
-                    <a:schemeClr val="tx1"/>
-                  </a:solidFill>
-                </a:endParaRPr>
-              </a:p>
-            </p:txBody>
-          </p:sp>
-          <p:sp>
-            <p:nvSpPr>
-              <p:cNvPr id="20" name="Rectangle 19">
-                <a:extLst>
-                  <a:ext uri="{FF2B5EF4-FFF2-40B4-BE49-F238E27FC236}">
-                    <a16:creationId xmlns:a16="http://schemas.microsoft.com/office/drawing/2014/main" id="{AA775EEE-4045-A0E9-526E-AC2E4A2B220F}"/>
-                  </a:ext>
-                </a:extLst>
-              </p:cNvPr>
-              <p:cNvSpPr/>
-              <p:nvPr/>
-            </p:nvSpPr>
-            <p:spPr>
-              <a:xfrm>
-                <a:off x="4173220" y="5083048"/>
-                <a:ext cx="640080" cy="640080"/>
-              </a:xfrm>
-              <a:prstGeom prst="rect">
-                <a:avLst/>
-              </a:prstGeom>
-              <a:solidFill>
-                <a:schemeClr val="bg1"/>
-              </a:solidFill>
-            </p:spPr>
-            <p:style>
-              <a:lnRef idx="2">
-                <a:schemeClr val="accent1">
-                  <a:shade val="15000"/>
-                </a:schemeClr>
-              </a:lnRef>
-              <a:fillRef idx="1">
-                <a:schemeClr val="accent1"/>
-              </a:fillRef>
-              <a:effectRef idx="0">
-                <a:schemeClr val="accent1"/>
-              </a:effectRef>
-              <a:fontRef idx="minor">
-                <a:schemeClr val="lt1"/>
-              </a:fontRef>
-            </p:style>
-            <p:txBody>
-              <a:bodyPr rtlCol="0" anchor="ctr"/>
-              <a:lstStyle/>
-              <a:p>
-                <a:pPr algn="ctr"/>
-                <a:endParaRPr lang="en-US" sz="2800" dirty="0">
-                  <a:solidFill>
-                    <a:schemeClr val="tx1"/>
-                  </a:solidFill>
-                </a:endParaRPr>
-              </a:p>
-            </p:txBody>
-          </p:sp>
-          <p:sp>
-            <p:nvSpPr>
-              <p:cNvPr id="21" name="Rectangle 20">
-                <a:extLst>
-                  <a:ext uri="{FF2B5EF4-FFF2-40B4-BE49-F238E27FC236}">
-                    <a16:creationId xmlns:a16="http://schemas.microsoft.com/office/drawing/2014/main" id="{48B9BA47-C1A1-480B-FBD9-0B5D0C3FEC27}"/>
-                  </a:ext>
-                </a:extLst>
-              </p:cNvPr>
-              <p:cNvSpPr/>
-              <p:nvPr/>
-            </p:nvSpPr>
-            <p:spPr>
-              <a:xfrm>
-                <a:off x="4813300" y="5083048"/>
-                <a:ext cx="640080" cy="640080"/>
-              </a:xfrm>
-              <a:prstGeom prst="rect">
-                <a:avLst/>
-              </a:prstGeom>
-              <a:solidFill>
-                <a:schemeClr val="bg1"/>
-              </a:solidFill>
-            </p:spPr>
-            <p:style>
-              <a:lnRef idx="2">
-                <a:schemeClr val="accent1">
-                  <a:shade val="15000"/>
-                </a:schemeClr>
-              </a:lnRef>
-              <a:fillRef idx="1">
-                <a:schemeClr val="accent1"/>
-              </a:fillRef>
-              <a:effectRef idx="0">
-                <a:schemeClr val="accent1"/>
-              </a:effectRef>
-              <a:fontRef idx="minor">
-                <a:schemeClr val="lt1"/>
-              </a:fontRef>
-            </p:style>
-            <p:txBody>
-              <a:bodyPr rtlCol="0" anchor="ctr"/>
-              <a:lstStyle/>
-              <a:p>
-                <a:pPr algn="ctr"/>
-                <a:endParaRPr lang="en-US" sz="2800" dirty="0">
-                  <a:solidFill>
-                    <a:schemeClr val="tx1"/>
-                  </a:solidFill>
-                </a:endParaRPr>
-              </a:p>
-            </p:txBody>
-          </p:sp>
-          <p:sp>
-            <p:nvSpPr>
-              <p:cNvPr id="22" name="Rectangle 21">
-                <a:extLst>
-                  <a:ext uri="{FF2B5EF4-FFF2-40B4-BE49-F238E27FC236}">
-                    <a16:creationId xmlns:a16="http://schemas.microsoft.com/office/drawing/2014/main" id="{BB61FD45-4837-E870-55ED-6756EC2B5361}"/>
-                  </a:ext>
-                </a:extLst>
-              </p:cNvPr>
-              <p:cNvSpPr/>
-              <p:nvPr/>
-            </p:nvSpPr>
-            <p:spPr>
-              <a:xfrm>
-                <a:off x="5453380" y="5083048"/>
-                <a:ext cx="640080" cy="640080"/>
-              </a:xfrm>
-              <a:prstGeom prst="rect">
-                <a:avLst/>
-              </a:prstGeom>
-              <a:solidFill>
-                <a:schemeClr val="bg1"/>
-              </a:solidFill>
-            </p:spPr>
-            <p:style>
-              <a:lnRef idx="2">
-                <a:schemeClr val="accent1">
-                  <a:shade val="15000"/>
-                </a:schemeClr>
-              </a:lnRef>
-              <a:fillRef idx="1">
-                <a:schemeClr val="accent1"/>
-              </a:fillRef>
-              <a:effectRef idx="0">
-                <a:schemeClr val="accent1"/>
-              </a:effectRef>
-              <a:fontRef idx="minor">
-                <a:schemeClr val="lt1"/>
-              </a:fontRef>
-            </p:style>
-            <p:txBody>
-              <a:bodyPr rtlCol="0" anchor="ctr"/>
-              <a:lstStyle/>
-              <a:p>
-                <a:pPr algn="ctr"/>
-                <a:endParaRPr lang="en-US" sz="2800" dirty="0">
-                  <a:solidFill>
-                    <a:schemeClr val="tx1"/>
-                  </a:solidFill>
-                </a:endParaRPr>
-              </a:p>
-            </p:txBody>
-          </p:sp>
-          <p:sp>
-            <p:nvSpPr>
-              <p:cNvPr id="23" name="Rectangle 22">
-                <a:extLst>
-                  <a:ext uri="{FF2B5EF4-FFF2-40B4-BE49-F238E27FC236}">
-                    <a16:creationId xmlns:a16="http://schemas.microsoft.com/office/drawing/2014/main" id="{AEEA9484-5BD7-74CD-F516-9CC8D067DE6A}"/>
-                  </a:ext>
-                </a:extLst>
-              </p:cNvPr>
-              <p:cNvSpPr/>
-              <p:nvPr/>
-            </p:nvSpPr>
-            <p:spPr>
-              <a:xfrm>
-                <a:off x="6093460" y="5083048"/>
-                <a:ext cx="640080" cy="640080"/>
-              </a:xfrm>
-              <a:prstGeom prst="rect">
-                <a:avLst/>
-              </a:prstGeom>
-              <a:solidFill>
-                <a:schemeClr val="bg1"/>
-              </a:solidFill>
-            </p:spPr>
-            <p:style>
-              <a:lnRef idx="2">
-                <a:schemeClr val="accent1">
-                  <a:shade val="15000"/>
-                </a:schemeClr>
-              </a:lnRef>
-              <a:fillRef idx="1">
-                <a:schemeClr val="accent1"/>
-              </a:fillRef>
-              <a:effectRef idx="0">
-                <a:schemeClr val="accent1"/>
-              </a:effectRef>
-              <a:fontRef idx="minor">
-                <a:schemeClr val="lt1"/>
-              </a:fontRef>
-            </p:style>
-            <p:txBody>
-              <a:bodyPr rtlCol="0" anchor="ctr"/>
-              <a:lstStyle/>
-              <a:p>
-                <a:pPr algn="ctr"/>
-                <a:endParaRPr lang="en-US" sz="2800" dirty="0">
-                  <a:solidFill>
-                    <a:schemeClr val="tx1"/>
-                  </a:solidFill>
-                </a:endParaRPr>
-              </a:p>
-            </p:txBody>
-          </p:sp>
-          <p:sp>
-            <p:nvSpPr>
-              <p:cNvPr id="24" name="Rectangle 23">
-                <a:extLst>
-                  <a:ext uri="{FF2B5EF4-FFF2-40B4-BE49-F238E27FC236}">
-                    <a16:creationId xmlns:a16="http://schemas.microsoft.com/office/drawing/2014/main" id="{2F251C79-01BF-5C06-7487-02E695D99A4F}"/>
-                  </a:ext>
-                </a:extLst>
-              </p:cNvPr>
-              <p:cNvSpPr/>
-              <p:nvPr/>
-            </p:nvSpPr>
-            <p:spPr>
-              <a:xfrm>
-                <a:off x="6733540" y="5083048"/>
-                <a:ext cx="640080" cy="640080"/>
-              </a:xfrm>
-              <a:prstGeom prst="rect">
-                <a:avLst/>
-              </a:prstGeom>
-              <a:solidFill>
-                <a:schemeClr val="bg1"/>
-              </a:solidFill>
-            </p:spPr>
-            <p:style>
-              <a:lnRef idx="2">
-                <a:schemeClr val="accent1">
-                  <a:shade val="15000"/>
-                </a:schemeClr>
-              </a:lnRef>
-              <a:fillRef idx="1">
-                <a:schemeClr val="accent1"/>
-              </a:fillRef>
-              <a:effectRef idx="0">
-                <a:schemeClr val="accent1"/>
-              </a:effectRef>
-              <a:fontRef idx="minor">
-                <a:schemeClr val="lt1"/>
-              </a:fontRef>
-            </p:style>
-            <p:txBody>
-              <a:bodyPr rtlCol="0" anchor="ctr"/>
-              <a:lstStyle/>
-              <a:p>
-                <a:pPr algn="ctr"/>
-                <a:endParaRPr lang="en-US" sz="2800" dirty="0">
-                  <a:solidFill>
-                    <a:schemeClr val="tx1"/>
-                  </a:solidFill>
-                </a:endParaRPr>
-              </a:p>
-            </p:txBody>
-          </p:sp>
-          <p:sp>
-            <p:nvSpPr>
-              <p:cNvPr id="25" name="Rectangle 24">
-                <a:extLst>
-                  <a:ext uri="{FF2B5EF4-FFF2-40B4-BE49-F238E27FC236}">
-                    <a16:creationId xmlns:a16="http://schemas.microsoft.com/office/drawing/2014/main" id="{C67AFA12-FBBE-9F99-7B1A-AE3BB7D429F8}"/>
-                  </a:ext>
-                </a:extLst>
-              </p:cNvPr>
-              <p:cNvSpPr/>
-              <p:nvPr/>
-            </p:nvSpPr>
-            <p:spPr>
-              <a:xfrm>
-                <a:off x="7373620" y="5083048"/>
-                <a:ext cx="640080" cy="640080"/>
-              </a:xfrm>
-              <a:prstGeom prst="rect">
-                <a:avLst/>
-              </a:prstGeom>
-              <a:solidFill>
-                <a:schemeClr val="bg1"/>
-              </a:solidFill>
-            </p:spPr>
-            <p:style>
-              <a:lnRef idx="2">
-                <a:schemeClr val="accent1">
-                  <a:shade val="15000"/>
-                </a:schemeClr>
-              </a:lnRef>
-              <a:fillRef idx="1">
-                <a:schemeClr val="accent1"/>
-              </a:fillRef>
-              <a:effectRef idx="0">
-                <a:schemeClr val="accent1"/>
-              </a:effectRef>
-              <a:fontRef idx="minor">
-                <a:schemeClr val="lt1"/>
-              </a:fontRef>
-            </p:style>
-            <p:txBody>
-              <a:bodyPr rtlCol="0" anchor="ctr"/>
-              <a:lstStyle/>
-              <a:p>
-                <a:pPr algn="ctr"/>
-                <a:endParaRPr lang="en-US" sz="2800" dirty="0">
-                  <a:solidFill>
-                    <a:schemeClr val="tx1"/>
-                  </a:solidFill>
-                </a:endParaRPr>
-              </a:p>
-            </p:txBody>
-          </p:sp>
-          <p:sp>
-            <p:nvSpPr>
-              <p:cNvPr id="26" name="Rectangle 25">
-                <a:extLst>
-                  <a:ext uri="{FF2B5EF4-FFF2-40B4-BE49-F238E27FC236}">
-                    <a16:creationId xmlns:a16="http://schemas.microsoft.com/office/drawing/2014/main" id="{1A245A2F-6564-4891-A90C-E3E2BF04E125}"/>
-                  </a:ext>
-                </a:extLst>
-              </p:cNvPr>
-              <p:cNvSpPr/>
-              <p:nvPr/>
-            </p:nvSpPr>
-            <p:spPr>
-              <a:xfrm>
-                <a:off x="8013700" y="5083048"/>
-                <a:ext cx="640080" cy="640080"/>
-              </a:xfrm>
-              <a:prstGeom prst="rect">
-                <a:avLst/>
-              </a:prstGeom>
-              <a:solidFill>
-                <a:schemeClr val="bg1"/>
-              </a:solidFill>
-            </p:spPr>
-            <p:style>
-              <a:lnRef idx="2">
-                <a:schemeClr val="accent1">
-                  <a:shade val="15000"/>
-                </a:schemeClr>
-              </a:lnRef>
-              <a:fillRef idx="1">
-                <a:schemeClr val="accent1"/>
-              </a:fillRef>
-              <a:effectRef idx="0">
-                <a:schemeClr val="accent1"/>
-              </a:effectRef>
-              <a:fontRef idx="minor">
-                <a:schemeClr val="lt1"/>
-              </a:fontRef>
-            </p:style>
-            <p:txBody>
-              <a:bodyPr rtlCol="0" anchor="ctr"/>
-              <a:lstStyle/>
-              <a:p>
-                <a:pPr algn="ctr"/>
-                <a:endParaRPr lang="en-US" sz="2800" dirty="0">
-                  <a:solidFill>
-                    <a:schemeClr val="tx1"/>
-                  </a:solidFill>
-                </a:endParaRPr>
-              </a:p>
-            </p:txBody>
-          </p:sp>
-        </p:grpSp>
-        <p:grpSp>
-          <p:nvGrpSpPr>
-            <p:cNvPr id="6" name="Group 5">
-              <a:extLst>
-                <a:ext uri="{FF2B5EF4-FFF2-40B4-BE49-F238E27FC236}">
-                  <a16:creationId xmlns:a16="http://schemas.microsoft.com/office/drawing/2014/main" id="{EAE4A53B-9B6C-7B8D-8E87-A270ED0D10A3}"/>
-                </a:ext>
-              </a:extLst>
-            </p:cNvPr>
-            <p:cNvGrpSpPr/>
-            <p:nvPr/>
-          </p:nvGrpSpPr>
-          <p:grpSpPr>
-            <a:xfrm>
-              <a:off x="4953000" y="1117917"/>
-              <a:ext cx="6400800" cy="640080"/>
-              <a:chOff x="2252980" y="5083048"/>
-              <a:chExt cx="6400800" cy="640080"/>
-            </a:xfrm>
-            <a:noFill/>
-          </p:grpSpPr>
-          <p:sp>
-            <p:nvSpPr>
-              <p:cNvPr id="7" name="Rectangle 6">
-                <a:extLst>
-                  <a:ext uri="{FF2B5EF4-FFF2-40B4-BE49-F238E27FC236}">
-                    <a16:creationId xmlns:a16="http://schemas.microsoft.com/office/drawing/2014/main" id="{BBBD0B4C-F158-E738-E58A-1DA6795238D8}"/>
-                  </a:ext>
-                </a:extLst>
-              </p:cNvPr>
-              <p:cNvSpPr/>
-              <p:nvPr/>
-            </p:nvSpPr>
-            <p:spPr>
-              <a:xfrm>
-                <a:off x="2252980" y="5083048"/>
-                <a:ext cx="640080" cy="640080"/>
-              </a:xfrm>
-              <a:prstGeom prst="rect">
-                <a:avLst/>
-              </a:prstGeom>
-              <a:grpFill/>
-              <a:ln>
-                <a:noFill/>
-              </a:ln>
-            </p:spPr>
-            <p:style>
-              <a:lnRef idx="2">
-                <a:schemeClr val="accent1">
-                  <a:shade val="15000"/>
-                </a:schemeClr>
-              </a:lnRef>
-              <a:fillRef idx="1">
-                <a:schemeClr val="accent1"/>
-              </a:fillRef>
-              <a:effectRef idx="0">
-                <a:schemeClr val="accent1"/>
-              </a:effectRef>
-              <a:fontRef idx="minor">
-                <a:schemeClr val="lt1"/>
-              </a:fontRef>
-            </p:style>
-            <p:txBody>
-              <a:bodyPr rtlCol="0" anchor="ctr"/>
-              <a:lstStyle/>
-              <a:p>
-                <a:pPr algn="ctr"/>
+      <mc:AlternateContent xmlns:mc="http://schemas.openxmlformats.org/markup-compatibility/2006" xmlns:a14="http://schemas.microsoft.com/office/drawing/2010/main">
+        <mc:Choice Requires="a14">
+          <p:sp>
+            <p:nvSpPr>
+              <p:cNvPr id="3" name="Content Placeholder 2">
+                <a:extLst>
+                  <a:ext uri="{FF2B5EF4-FFF2-40B4-BE49-F238E27FC236}">
+                    <a16:creationId xmlns:a16="http://schemas.microsoft.com/office/drawing/2014/main" id="{9E0D9F20-503B-1CC5-FAAD-15F079F00C56}"/>
+                  </a:ext>
+                </a:extLst>
+              </p:cNvPr>
+              <p:cNvSpPr>
+                <a:spLocks noGrp="1"/>
+              </p:cNvSpPr>
+              <p:nvPr>
+                <p:ph idx="1"/>
+              </p:nvPr>
+            </p:nvSpPr>
+            <p:spPr/>
+            <p:txBody>
+              <a:bodyPr/>
+              <a:lstStyle/>
+              <a:p>
                 <a:r>
-                  <a:rPr lang="en-US" sz="2800" dirty="0">
-                    <a:solidFill>
-                      <a:schemeClr val="tx1"/>
-                    </a:solidFill>
+                  <a:rPr lang="en-US" dirty="0"/>
+                  <a:t>What happens when </a:t>
+                </a:r>
+                <a14:m>
+                  <m:oMath xmlns:m="http://schemas.openxmlformats.org/officeDocument/2006/math">
+                    <m:r>
+                      <a:rPr lang="en-US" b="0" i="1" smtClean="0">
+                        <a:latin typeface="Cambria Math" panose="02040503050406030204" pitchFamily="18" charset="0"/>
+                      </a:rPr>
+                      <m:t>𝜆</m:t>
+                    </m:r>
+                  </m:oMath>
+                </a14:m>
+                <a:r>
+                  <a:rPr lang="en-US" dirty="0"/>
+                  <a:t> approaches 1?</a:t>
+                </a:r>
+              </a:p>
+              <a:p>
+                <a:pPr lvl="1"/>
+                <a:r>
+                  <a:rPr lang="en-US" dirty="0"/>
+                  <a:t>Get longer and longer contiguous blocks</a:t>
+                </a:r>
+              </a:p>
+              <a:p>
+                <a:pPr lvl="1"/>
+                <a:r>
+                  <a:rPr lang="en-US" dirty="0"/>
+                  <a:t>A collision is guaranteed to grow a block</a:t>
+                </a:r>
+              </a:p>
+              <a:p>
+                <a:pPr lvl="2"/>
+                <a:r>
+                  <a:rPr lang="en-US" dirty="0"/>
+                  <a:t>Larger blocks experience more collisions</a:t>
+                </a:r>
+              </a:p>
+              <a:p>
+                <a:pPr lvl="2"/>
+                <a:r>
+                  <a:rPr lang="en-US" dirty="0"/>
+                  <a:t>Feedback loop!</a:t>
+                </a:r>
+              </a:p>
+              <a:p>
+                <a:r>
+                  <a:rPr lang="en-US" dirty="0"/>
+                  <a:t>What happens when </a:t>
+                </a:r>
+                <a14:m>
+                  <m:oMath xmlns:m="http://schemas.openxmlformats.org/officeDocument/2006/math">
+                    <m:r>
+                      <a:rPr lang="en-US" b="0" i="1" smtClean="0">
+                        <a:latin typeface="Cambria Math" panose="02040503050406030204" pitchFamily="18" charset="0"/>
+                      </a:rPr>
+                      <m:t>𝜆</m:t>
+                    </m:r>
+                  </m:oMath>
+                </a14:m>
+                <a:r>
+                  <a:rPr lang="en-US" dirty="0"/>
+                  <a:t> exceeds 1?</a:t>
+                </a:r>
+              </a:p>
+              <a:p>
+                <a:pPr lvl="1"/>
+                <a:r>
+                  <a:rPr lang="en-US" dirty="0"/>
+                  <a:t>Impossible!</a:t>
+                </a:r>
+              </a:p>
+              <a:p>
+                <a:pPr lvl="1"/>
+                <a:r>
+                  <a:rPr lang="en-US" dirty="0"/>
+                  <a:t>You can’t insert more stuff</a:t>
+                </a:r>
+              </a:p>
+            </p:txBody>
+          </p:sp>
+        </mc:Choice>
+        <mc:Fallback xmlns="">
+          <p:sp>
+            <p:nvSpPr>
+              <p:cNvPr id="3" name="Content Placeholder 2">
+                <a:extLst>
+                  <a:ext uri="{FF2B5EF4-FFF2-40B4-BE49-F238E27FC236}">
+                    <a16:creationId xmlns:a16="http://schemas.microsoft.com/office/drawing/2014/main" id="{9E0D9F20-503B-1CC5-FAAD-15F079F00C56}"/>
+                  </a:ext>
+                </a:extLst>
+              </p:cNvPr>
+              <p:cNvSpPr>
+                <a:spLocks noGrp="1" noRot="1" noChangeAspect="1" noMove="1" noResize="1" noEditPoints="1" noAdjustHandles="1" noChangeArrowheads="1" noChangeShapeType="1" noTextEdit="1"/>
+              </p:cNvSpPr>
+              <p:nvPr>
+                <p:ph idx="1"/>
+              </p:nvPr>
+            </p:nvSpPr>
+            <p:spPr>
+              <a:blipFill>
+                <a:blip r:embed="rId2"/>
+                <a:stretch>
+                  <a:fillRect l="-1043" t="-2241"/>
+                </a:stretch>
+              </a:blipFill>
+            </p:spPr>
+            <p:txBody>
+              <a:bodyPr/>
+              <a:lstStyle/>
+              <a:p>
+                <a:r>
+                  <a:rPr lang="en-US">
+                    <a:noFill/>
                   </a:rPr>
-                  <a:t>0</a:t>
+                  <a:t> </a:t>
                 </a:r>
               </a:p>
             </p:txBody>
           </p:sp>
-          <p:sp>
-            <p:nvSpPr>
-              <p:cNvPr id="8" name="Rectangle 7">
-                <a:extLst>
-                  <a:ext uri="{FF2B5EF4-FFF2-40B4-BE49-F238E27FC236}">
-                    <a16:creationId xmlns:a16="http://schemas.microsoft.com/office/drawing/2014/main" id="{EE8BF469-3A2B-FC51-C4A4-253D9013DAF7}"/>
-                  </a:ext>
-                </a:extLst>
-              </p:cNvPr>
-              <p:cNvSpPr/>
-              <p:nvPr/>
-            </p:nvSpPr>
-            <p:spPr>
-              <a:xfrm>
-                <a:off x="2893060" y="5083048"/>
-                <a:ext cx="640080" cy="640080"/>
-              </a:xfrm>
-              <a:prstGeom prst="rect">
-                <a:avLst/>
-              </a:prstGeom>
-              <a:grpFill/>
-              <a:ln>
-                <a:noFill/>
-              </a:ln>
-            </p:spPr>
-            <p:style>
-              <a:lnRef idx="2">
-                <a:schemeClr val="accent1">
-                  <a:shade val="15000"/>
-                </a:schemeClr>
-              </a:lnRef>
-              <a:fillRef idx="1">
-                <a:schemeClr val="accent1"/>
-              </a:fillRef>
-              <a:effectRef idx="0">
-                <a:schemeClr val="accent1"/>
-              </a:effectRef>
-              <a:fontRef idx="minor">
-                <a:schemeClr val="lt1"/>
-              </a:fontRef>
-            </p:style>
-            <p:txBody>
-              <a:bodyPr rtlCol="0" anchor="ctr"/>
-              <a:lstStyle/>
-              <a:p>
-                <a:pPr algn="ctr"/>
-                <a:r>
-                  <a:rPr lang="en-US" sz="2800" dirty="0">
-                    <a:solidFill>
-                      <a:schemeClr val="tx1"/>
-                    </a:solidFill>
-                  </a:rPr>
-                  <a:t>1</a:t>
-                </a:r>
-              </a:p>
-            </p:txBody>
-          </p:sp>
-          <p:sp>
-            <p:nvSpPr>
-              <p:cNvPr id="9" name="Rectangle 8">
-                <a:extLst>
-                  <a:ext uri="{FF2B5EF4-FFF2-40B4-BE49-F238E27FC236}">
-                    <a16:creationId xmlns:a16="http://schemas.microsoft.com/office/drawing/2014/main" id="{C9AC31F3-54B7-B947-0217-17FC02604175}"/>
-                  </a:ext>
-                </a:extLst>
-              </p:cNvPr>
-              <p:cNvSpPr/>
-              <p:nvPr/>
-            </p:nvSpPr>
-            <p:spPr>
-              <a:xfrm>
-                <a:off x="3533140" y="5083048"/>
-                <a:ext cx="640080" cy="640080"/>
-              </a:xfrm>
-              <a:prstGeom prst="rect">
-                <a:avLst/>
-              </a:prstGeom>
-              <a:grpFill/>
-              <a:ln>
-                <a:noFill/>
-              </a:ln>
-            </p:spPr>
-            <p:style>
-              <a:lnRef idx="2">
-                <a:schemeClr val="accent1">
-                  <a:shade val="15000"/>
-                </a:schemeClr>
-              </a:lnRef>
-              <a:fillRef idx="1">
-                <a:schemeClr val="accent1"/>
-              </a:fillRef>
-              <a:effectRef idx="0">
-                <a:schemeClr val="accent1"/>
-              </a:effectRef>
-              <a:fontRef idx="minor">
-                <a:schemeClr val="lt1"/>
-              </a:fontRef>
-            </p:style>
-            <p:txBody>
-              <a:bodyPr rtlCol="0" anchor="ctr"/>
-              <a:lstStyle/>
-              <a:p>
-                <a:pPr algn="ctr"/>
-                <a:r>
-                  <a:rPr lang="en-US" sz="2800" dirty="0">
-                    <a:solidFill>
-                      <a:schemeClr val="tx1"/>
-                    </a:solidFill>
-                  </a:rPr>
-                  <a:t>2</a:t>
-                </a:r>
-              </a:p>
-            </p:txBody>
-          </p:sp>
-          <p:sp>
-            <p:nvSpPr>
-              <p:cNvPr id="10" name="Rectangle 9">
-                <a:extLst>
-                  <a:ext uri="{FF2B5EF4-FFF2-40B4-BE49-F238E27FC236}">
-                    <a16:creationId xmlns:a16="http://schemas.microsoft.com/office/drawing/2014/main" id="{E6818FCD-6E83-A9BD-EAA4-3AAD7B03036B}"/>
-                  </a:ext>
-                </a:extLst>
-              </p:cNvPr>
-              <p:cNvSpPr/>
-              <p:nvPr/>
-            </p:nvSpPr>
-            <p:spPr>
-              <a:xfrm>
-                <a:off x="4173220" y="5083048"/>
-                <a:ext cx="640080" cy="640080"/>
-              </a:xfrm>
-              <a:prstGeom prst="rect">
-                <a:avLst/>
-              </a:prstGeom>
-              <a:grpFill/>
-              <a:ln>
-                <a:noFill/>
-              </a:ln>
-            </p:spPr>
-            <p:style>
-              <a:lnRef idx="2">
-                <a:schemeClr val="accent1">
-                  <a:shade val="15000"/>
-                </a:schemeClr>
-              </a:lnRef>
-              <a:fillRef idx="1">
-                <a:schemeClr val="accent1"/>
-              </a:fillRef>
-              <a:effectRef idx="0">
-                <a:schemeClr val="accent1"/>
-              </a:effectRef>
-              <a:fontRef idx="minor">
-                <a:schemeClr val="lt1"/>
-              </a:fontRef>
-            </p:style>
-            <p:txBody>
-              <a:bodyPr rtlCol="0" anchor="ctr"/>
-              <a:lstStyle/>
-              <a:p>
-                <a:pPr algn="ctr"/>
-                <a:r>
-                  <a:rPr lang="en-US" sz="2800" dirty="0">
-                    <a:solidFill>
-                      <a:schemeClr val="tx1"/>
-                    </a:solidFill>
-                  </a:rPr>
-                  <a:t>3</a:t>
-                </a:r>
-              </a:p>
-            </p:txBody>
-          </p:sp>
-          <p:sp>
-            <p:nvSpPr>
-              <p:cNvPr id="11" name="Rectangle 10">
-                <a:extLst>
-                  <a:ext uri="{FF2B5EF4-FFF2-40B4-BE49-F238E27FC236}">
-                    <a16:creationId xmlns:a16="http://schemas.microsoft.com/office/drawing/2014/main" id="{39B224D1-EB59-30C6-540B-8994D7663CDC}"/>
-                  </a:ext>
-                </a:extLst>
-              </p:cNvPr>
-              <p:cNvSpPr/>
-              <p:nvPr/>
-            </p:nvSpPr>
-            <p:spPr>
-              <a:xfrm>
-                <a:off x="4813300" y="5083048"/>
-                <a:ext cx="640080" cy="640080"/>
-              </a:xfrm>
-              <a:prstGeom prst="rect">
-                <a:avLst/>
-              </a:prstGeom>
-              <a:grpFill/>
-              <a:ln>
-                <a:noFill/>
-              </a:ln>
-            </p:spPr>
-            <p:style>
-              <a:lnRef idx="2">
-                <a:schemeClr val="accent1">
-                  <a:shade val="15000"/>
-                </a:schemeClr>
-              </a:lnRef>
-              <a:fillRef idx="1">
-                <a:schemeClr val="accent1"/>
-              </a:fillRef>
-              <a:effectRef idx="0">
-                <a:schemeClr val="accent1"/>
-              </a:effectRef>
-              <a:fontRef idx="minor">
-                <a:schemeClr val="lt1"/>
-              </a:fontRef>
-            </p:style>
-            <p:txBody>
-              <a:bodyPr rtlCol="0" anchor="ctr"/>
-              <a:lstStyle/>
-              <a:p>
-                <a:pPr algn="ctr"/>
-                <a:r>
-                  <a:rPr lang="en-US" sz="2800" dirty="0">
-                    <a:solidFill>
-                      <a:schemeClr val="tx1"/>
-                    </a:solidFill>
-                  </a:rPr>
-                  <a:t>4</a:t>
-                </a:r>
-              </a:p>
-            </p:txBody>
-          </p:sp>
-          <p:sp>
-            <p:nvSpPr>
-              <p:cNvPr id="12" name="Rectangle 11">
-                <a:extLst>
-                  <a:ext uri="{FF2B5EF4-FFF2-40B4-BE49-F238E27FC236}">
-                    <a16:creationId xmlns:a16="http://schemas.microsoft.com/office/drawing/2014/main" id="{C63F476A-B374-374B-789B-67414FC2A447}"/>
-                  </a:ext>
-                </a:extLst>
-              </p:cNvPr>
-              <p:cNvSpPr/>
-              <p:nvPr/>
-            </p:nvSpPr>
-            <p:spPr>
-              <a:xfrm>
-                <a:off x="5453380" y="5083048"/>
-                <a:ext cx="640080" cy="640080"/>
-              </a:xfrm>
-              <a:prstGeom prst="rect">
-                <a:avLst/>
-              </a:prstGeom>
-              <a:grpFill/>
-              <a:ln>
-                <a:noFill/>
-              </a:ln>
-            </p:spPr>
-            <p:style>
-              <a:lnRef idx="2">
-                <a:schemeClr val="accent1">
-                  <a:shade val="15000"/>
-                </a:schemeClr>
-              </a:lnRef>
-              <a:fillRef idx="1">
-                <a:schemeClr val="accent1"/>
-              </a:fillRef>
-              <a:effectRef idx="0">
-                <a:schemeClr val="accent1"/>
-              </a:effectRef>
-              <a:fontRef idx="minor">
-                <a:schemeClr val="lt1"/>
-              </a:fontRef>
-            </p:style>
-            <p:txBody>
-              <a:bodyPr rtlCol="0" anchor="ctr"/>
-              <a:lstStyle/>
-              <a:p>
-                <a:pPr algn="ctr"/>
-                <a:r>
-                  <a:rPr lang="en-US" sz="2800" dirty="0">
-                    <a:solidFill>
-                      <a:schemeClr val="tx1"/>
-                    </a:solidFill>
-                  </a:rPr>
-                  <a:t>5</a:t>
-                </a:r>
-              </a:p>
-            </p:txBody>
-          </p:sp>
-          <p:sp>
-            <p:nvSpPr>
-              <p:cNvPr id="13" name="Rectangle 12">
-                <a:extLst>
-                  <a:ext uri="{FF2B5EF4-FFF2-40B4-BE49-F238E27FC236}">
-                    <a16:creationId xmlns:a16="http://schemas.microsoft.com/office/drawing/2014/main" id="{B23329E1-825C-BBDB-1055-328D27B7B737}"/>
-                  </a:ext>
-                </a:extLst>
-              </p:cNvPr>
-              <p:cNvSpPr/>
-              <p:nvPr/>
-            </p:nvSpPr>
-            <p:spPr>
-              <a:xfrm>
-                <a:off x="6093460" y="5083048"/>
-                <a:ext cx="640080" cy="640080"/>
-              </a:xfrm>
-              <a:prstGeom prst="rect">
-                <a:avLst/>
-              </a:prstGeom>
-              <a:grpFill/>
-              <a:ln>
-                <a:noFill/>
-              </a:ln>
-            </p:spPr>
-            <p:style>
-              <a:lnRef idx="2">
-                <a:schemeClr val="accent1">
-                  <a:shade val="15000"/>
-                </a:schemeClr>
-              </a:lnRef>
-              <a:fillRef idx="1">
-                <a:schemeClr val="accent1"/>
-              </a:fillRef>
-              <a:effectRef idx="0">
-                <a:schemeClr val="accent1"/>
-              </a:effectRef>
-              <a:fontRef idx="minor">
-                <a:schemeClr val="lt1"/>
-              </a:fontRef>
-            </p:style>
-            <p:txBody>
-              <a:bodyPr rtlCol="0" anchor="ctr"/>
-              <a:lstStyle/>
-              <a:p>
-                <a:pPr algn="ctr"/>
-                <a:r>
-                  <a:rPr lang="en-US" sz="2800" dirty="0">
-                    <a:solidFill>
-                      <a:schemeClr val="tx1"/>
-                    </a:solidFill>
-                  </a:rPr>
-                  <a:t>6</a:t>
-                </a:r>
-              </a:p>
-            </p:txBody>
-          </p:sp>
-          <p:sp>
-            <p:nvSpPr>
-              <p:cNvPr id="14" name="Rectangle 13">
-                <a:extLst>
-                  <a:ext uri="{FF2B5EF4-FFF2-40B4-BE49-F238E27FC236}">
-                    <a16:creationId xmlns:a16="http://schemas.microsoft.com/office/drawing/2014/main" id="{C09B7E04-AA65-9DC6-22AD-B63B7FA8D350}"/>
-                  </a:ext>
-                </a:extLst>
-              </p:cNvPr>
-              <p:cNvSpPr/>
-              <p:nvPr/>
-            </p:nvSpPr>
-            <p:spPr>
-              <a:xfrm>
-                <a:off x="6733540" y="5083048"/>
-                <a:ext cx="640080" cy="640080"/>
-              </a:xfrm>
-              <a:prstGeom prst="rect">
-                <a:avLst/>
-              </a:prstGeom>
-              <a:grpFill/>
-              <a:ln>
-                <a:noFill/>
-              </a:ln>
-            </p:spPr>
-            <p:style>
-              <a:lnRef idx="2">
-                <a:schemeClr val="accent1">
-                  <a:shade val="15000"/>
-                </a:schemeClr>
-              </a:lnRef>
-              <a:fillRef idx="1">
-                <a:schemeClr val="accent1"/>
-              </a:fillRef>
-              <a:effectRef idx="0">
-                <a:schemeClr val="accent1"/>
-              </a:effectRef>
-              <a:fontRef idx="minor">
-                <a:schemeClr val="lt1"/>
-              </a:fontRef>
-            </p:style>
-            <p:txBody>
-              <a:bodyPr rtlCol="0" anchor="ctr"/>
-              <a:lstStyle/>
-              <a:p>
-                <a:pPr algn="ctr"/>
-                <a:r>
-                  <a:rPr lang="en-US" sz="2800" dirty="0">
-                    <a:solidFill>
-                      <a:schemeClr val="tx1"/>
-                    </a:solidFill>
-                  </a:rPr>
-                  <a:t>7</a:t>
-                </a:r>
-              </a:p>
-            </p:txBody>
-          </p:sp>
-          <p:sp>
-            <p:nvSpPr>
-              <p:cNvPr id="15" name="Rectangle 14">
-                <a:extLst>
-                  <a:ext uri="{FF2B5EF4-FFF2-40B4-BE49-F238E27FC236}">
-                    <a16:creationId xmlns:a16="http://schemas.microsoft.com/office/drawing/2014/main" id="{CF17D356-8CC5-C0AF-2880-5EE8F66A33EB}"/>
-                  </a:ext>
-                </a:extLst>
-              </p:cNvPr>
-              <p:cNvSpPr/>
-              <p:nvPr/>
-            </p:nvSpPr>
-            <p:spPr>
-              <a:xfrm>
-                <a:off x="7373620" y="5083048"/>
-                <a:ext cx="640080" cy="640080"/>
-              </a:xfrm>
-              <a:prstGeom prst="rect">
-                <a:avLst/>
-              </a:prstGeom>
-              <a:grpFill/>
-              <a:ln>
-                <a:noFill/>
-              </a:ln>
-            </p:spPr>
-            <p:style>
-              <a:lnRef idx="2">
-                <a:schemeClr val="accent1">
-                  <a:shade val="15000"/>
-                </a:schemeClr>
-              </a:lnRef>
-              <a:fillRef idx="1">
-                <a:schemeClr val="accent1"/>
-              </a:fillRef>
-              <a:effectRef idx="0">
-                <a:schemeClr val="accent1"/>
-              </a:effectRef>
-              <a:fontRef idx="minor">
-                <a:schemeClr val="lt1"/>
-              </a:fontRef>
-            </p:style>
-            <p:txBody>
-              <a:bodyPr rtlCol="0" anchor="ctr"/>
-              <a:lstStyle/>
-              <a:p>
-                <a:pPr algn="ctr"/>
-                <a:r>
-                  <a:rPr lang="en-US" sz="2800" dirty="0">
-                    <a:solidFill>
-                      <a:schemeClr val="tx1"/>
-                    </a:solidFill>
-                  </a:rPr>
-                  <a:t>8</a:t>
-                </a:r>
-              </a:p>
-            </p:txBody>
-          </p:sp>
-          <p:sp>
-            <p:nvSpPr>
-              <p:cNvPr id="16" name="Rectangle 15">
-                <a:extLst>
-                  <a:ext uri="{FF2B5EF4-FFF2-40B4-BE49-F238E27FC236}">
-                    <a16:creationId xmlns:a16="http://schemas.microsoft.com/office/drawing/2014/main" id="{D3BF3FBC-BB62-99F8-8361-7ECF47FBB82E}"/>
-                  </a:ext>
-                </a:extLst>
-              </p:cNvPr>
-              <p:cNvSpPr/>
-              <p:nvPr/>
-            </p:nvSpPr>
-            <p:spPr>
-              <a:xfrm>
-                <a:off x="8013700" y="5083048"/>
-                <a:ext cx="640080" cy="640080"/>
-              </a:xfrm>
-              <a:prstGeom prst="rect">
-                <a:avLst/>
-              </a:prstGeom>
-              <a:grpFill/>
-              <a:ln>
-                <a:noFill/>
-              </a:ln>
-            </p:spPr>
-            <p:style>
-              <a:lnRef idx="2">
-                <a:schemeClr val="accent1">
-                  <a:shade val="15000"/>
-                </a:schemeClr>
-              </a:lnRef>
-              <a:fillRef idx="1">
-                <a:schemeClr val="accent1"/>
-              </a:fillRef>
-              <a:effectRef idx="0">
-                <a:schemeClr val="accent1"/>
-              </a:effectRef>
-              <a:fontRef idx="minor">
-                <a:schemeClr val="lt1"/>
-              </a:fontRef>
-            </p:style>
-            <p:txBody>
-              <a:bodyPr rtlCol="0" anchor="ctr"/>
-              <a:lstStyle/>
-              <a:p>
-                <a:pPr algn="ctr"/>
-                <a:r>
-                  <a:rPr lang="en-US" sz="2800" dirty="0">
-                    <a:solidFill>
-                      <a:schemeClr val="tx1"/>
-                    </a:solidFill>
-                  </a:rPr>
-                  <a:t>9</a:t>
-                </a:r>
-              </a:p>
-            </p:txBody>
-          </p:sp>
-        </p:grpSp>
-      </p:grpSp>
+        </mc:Fallback>
+      </mc:AlternateContent>
     </p:spTree>
     <p:extLst>
       <p:ext uri="{BB962C8B-B14F-4D97-AF65-F5344CB8AC3E}">
-        <p14:creationId xmlns:p14="http://schemas.microsoft.com/office/powerpoint/2010/main" val="1636590291"/>
+        <p14:creationId xmlns:p14="http://schemas.microsoft.com/office/powerpoint/2010/main" val="20066518"/>
       </p:ext>
     </p:extLst>
   </p:cSld>
@@ -37060,1711 +36089,13 @@
           <a:p>
             <a:r>
               <a:rPr lang="en-US" dirty="0"/>
-              <a:t>Linear Probing + Tombstone: Insert</a:t>
-            </a:r>
-          </a:p>
-        </p:txBody>
-      </p:sp>
-      <p:sp>
-        <p:nvSpPr>
-          <p:cNvPr id="3" name="Content Placeholder 2">
-            <a:extLst>
-              <a:ext uri="{FF2B5EF4-FFF2-40B4-BE49-F238E27FC236}">
-                <a16:creationId xmlns:a16="http://schemas.microsoft.com/office/drawing/2014/main" id="{6CBEF850-0680-6520-62A9-DA71336F124F}"/>
-              </a:ext>
-            </a:extLst>
-          </p:cNvPr>
-          <p:cNvSpPr>
-            <a:spLocks noGrp="1"/>
-          </p:cNvSpPr>
-          <p:nvPr>
-            <p:ph idx="1"/>
-          </p:nvPr>
-        </p:nvSpPr>
-        <p:spPr/>
-        <p:txBody>
-          <a:bodyPr/>
-          <a:lstStyle/>
-          <a:p>
-            <a:r>
-              <a:rPr lang="en-US" dirty="0"/>
-              <a:t>To insert </a:t>
-            </a:r>
-            <a:r>
-              <a:rPr lang="en-US" dirty="0" err="1">
-                <a:latin typeface="Consolas" panose="020B0609020204030204" pitchFamily="49" charset="0"/>
-              </a:rPr>
-              <a:t>k,v</a:t>
-            </a:r>
-            <a:endParaRPr lang="en-US" dirty="0">
-              <a:latin typeface="Consolas" panose="020B0609020204030204" pitchFamily="49" charset="0"/>
-            </a:endParaRPr>
-          </a:p>
-          <a:p>
-            <a:pPr lvl="1"/>
-            <a:r>
-              <a:rPr lang="en-US" dirty="0"/>
-              <a:t>Calculate </a:t>
-            </a:r>
-            <a:r>
-              <a:rPr lang="en-US" dirty="0" err="1">
-                <a:latin typeface="Consolas" panose="020B0609020204030204" pitchFamily="49" charset="0"/>
-              </a:rPr>
-              <a:t>i</a:t>
-            </a:r>
-            <a:r>
-              <a:rPr lang="en-US" dirty="0">
-                <a:latin typeface="Consolas" panose="020B0609020204030204" pitchFamily="49" charset="0"/>
-              </a:rPr>
-              <a:t> = h(k) % </a:t>
-            </a:r>
-            <a:r>
-              <a:rPr lang="en-US" dirty="0" err="1">
-                <a:latin typeface="Consolas" panose="020B0609020204030204" pitchFamily="49" charset="0"/>
-              </a:rPr>
-              <a:t>table.length</a:t>
-            </a:r>
-            <a:endParaRPr lang="en-US" dirty="0"/>
-          </a:p>
-          <a:p>
-            <a:pPr lvl="1"/>
-            <a:r>
-              <a:rPr lang="en-US" dirty="0"/>
-              <a:t>While </a:t>
-            </a:r>
-            <a:r>
-              <a:rPr lang="en-US" dirty="0">
-                <a:latin typeface="Consolas" panose="020B0609020204030204" pitchFamily="49" charset="0"/>
-              </a:rPr>
-              <a:t>table[</a:t>
-            </a:r>
-            <a:r>
-              <a:rPr lang="en-US" dirty="0" err="1">
-                <a:latin typeface="Consolas" panose="020B0609020204030204" pitchFamily="49" charset="0"/>
-              </a:rPr>
-              <a:t>i</a:t>
-            </a:r>
-            <a:r>
-              <a:rPr lang="en-US" dirty="0">
-                <a:latin typeface="Consolas" panose="020B0609020204030204" pitchFamily="49" charset="0"/>
-              </a:rPr>
-              <a:t>]</a:t>
-            </a:r>
-            <a:r>
-              <a:rPr lang="en-US" dirty="0"/>
-              <a:t> has a key other than </a:t>
-            </a:r>
-            <a:r>
-              <a:rPr lang="en-US" dirty="0">
-                <a:latin typeface="Consolas" panose="020B0609020204030204" pitchFamily="49" charset="0"/>
-              </a:rPr>
-              <a:t>k</a:t>
-            </a:r>
-            <a:r>
-              <a:rPr lang="en-US" dirty="0"/>
-              <a:t>, set </a:t>
-            </a:r>
-            <a:r>
-              <a:rPr lang="en-US" dirty="0" err="1">
-                <a:latin typeface="Consolas" panose="020B0609020204030204" pitchFamily="49" charset="0"/>
-              </a:rPr>
-              <a:t>i</a:t>
-            </a:r>
-            <a:r>
-              <a:rPr lang="en-US" dirty="0">
-                <a:latin typeface="Consolas" panose="020B0609020204030204" pitchFamily="49" charset="0"/>
-              </a:rPr>
-              <a:t> = (i+1) % </a:t>
-            </a:r>
-            <a:r>
-              <a:rPr lang="en-US" dirty="0" err="1">
-                <a:latin typeface="Consolas" panose="020B0609020204030204" pitchFamily="49" charset="0"/>
-              </a:rPr>
-              <a:t>table.length</a:t>
-            </a:r>
-            <a:endParaRPr lang="en-US" dirty="0">
-              <a:latin typeface="Consolas" panose="020B0609020204030204" pitchFamily="49" charset="0"/>
-            </a:endParaRPr>
-          </a:p>
-          <a:p>
-            <a:pPr lvl="2"/>
-            <a:r>
-              <a:rPr lang="en-US" dirty="0"/>
-              <a:t>If </a:t>
-            </a:r>
-            <a:r>
-              <a:rPr lang="en-US" dirty="0">
-                <a:latin typeface="Consolas" panose="020B0609020204030204" pitchFamily="49" charset="0"/>
-              </a:rPr>
-              <a:t>table[</a:t>
-            </a:r>
-            <a:r>
-              <a:rPr lang="en-US" dirty="0" err="1">
-                <a:latin typeface="Consolas" panose="020B0609020204030204" pitchFamily="49" charset="0"/>
-              </a:rPr>
-              <a:t>i</a:t>
-            </a:r>
-            <a:r>
-              <a:rPr lang="en-US" dirty="0">
-                <a:latin typeface="Consolas" panose="020B0609020204030204" pitchFamily="49" charset="0"/>
-              </a:rPr>
-              <a:t>]</a:t>
-            </a:r>
-            <a:r>
-              <a:rPr lang="en-US" dirty="0"/>
-              <a:t> has a tombstone, set </a:t>
-            </a:r>
-            <a:r>
-              <a:rPr lang="en-US" dirty="0">
-                <a:latin typeface="Consolas" panose="020B0609020204030204" pitchFamily="49" charset="0"/>
-              </a:rPr>
-              <a:t>x = </a:t>
-            </a:r>
-            <a:r>
-              <a:rPr lang="en-US" dirty="0" err="1">
-                <a:latin typeface="Consolas" panose="020B0609020204030204" pitchFamily="49" charset="0"/>
-              </a:rPr>
-              <a:t>i</a:t>
-            </a:r>
-            <a:endParaRPr lang="en-US" b="0" dirty="0">
-              <a:latin typeface="Consolas" panose="020B0609020204030204" pitchFamily="49" charset="0"/>
-            </a:endParaRPr>
-          </a:p>
-          <a:p>
-            <a:pPr lvl="3"/>
-            <a:r>
-              <a:rPr lang="en-US" dirty="0"/>
-              <a:t>That is where we will insert if the find is unsuccessful</a:t>
-            </a:r>
-          </a:p>
-          <a:p>
-            <a:pPr lvl="1"/>
-            <a:r>
-              <a:rPr lang="en-US" dirty="0"/>
-              <a:t>If you come across </a:t>
-            </a:r>
-            <a:r>
-              <a:rPr lang="en-US" dirty="0">
-                <a:latin typeface="Consolas" panose="020B0609020204030204" pitchFamily="49" charset="0"/>
-              </a:rPr>
-              <a:t>k</a:t>
-            </a:r>
-            <a:r>
-              <a:rPr lang="en-US" dirty="0"/>
-              <a:t>, set </a:t>
-            </a:r>
-            <a:r>
-              <a:rPr lang="en-US" dirty="0">
-                <a:latin typeface="Consolas" panose="020B0609020204030204" pitchFamily="49" charset="0"/>
-              </a:rPr>
-              <a:t>table[</a:t>
-            </a:r>
-            <a:r>
-              <a:rPr lang="en-US" dirty="0" err="1">
-                <a:latin typeface="Consolas" panose="020B0609020204030204" pitchFamily="49" charset="0"/>
-              </a:rPr>
-              <a:t>i</a:t>
-            </a:r>
-            <a:r>
-              <a:rPr lang="en-US" dirty="0">
-                <a:latin typeface="Consolas" panose="020B0609020204030204" pitchFamily="49" charset="0"/>
-              </a:rPr>
-              <a:t>] = </a:t>
-            </a:r>
-            <a:r>
-              <a:rPr lang="en-US" dirty="0" err="1">
-                <a:latin typeface="Consolas" panose="020B0609020204030204" pitchFamily="49" charset="0"/>
-              </a:rPr>
-              <a:t>k,v</a:t>
-            </a:r>
-            <a:endParaRPr lang="en-US" dirty="0">
-              <a:latin typeface="Consolas" panose="020B0609020204030204" pitchFamily="49" charset="0"/>
-            </a:endParaRPr>
-          </a:p>
-          <a:p>
-            <a:pPr lvl="1"/>
-            <a:r>
-              <a:rPr lang="en-US" dirty="0"/>
-              <a:t>If you come across an empty index, the find was unsuccessful</a:t>
-            </a:r>
-          </a:p>
-          <a:p>
-            <a:pPr lvl="2"/>
-            <a:r>
-              <a:rPr lang="en-US" dirty="0"/>
-              <a:t>Set </a:t>
-            </a:r>
-            <a:r>
-              <a:rPr lang="en-US" dirty="0">
-                <a:latin typeface="Consolas" panose="020B0609020204030204" pitchFamily="49" charset="0"/>
-              </a:rPr>
-              <a:t>table[x] = </a:t>
-            </a:r>
-            <a:r>
-              <a:rPr lang="en-US" dirty="0" err="1">
-                <a:latin typeface="Consolas" panose="020B0609020204030204" pitchFamily="49" charset="0"/>
-              </a:rPr>
-              <a:t>k,v</a:t>
-            </a:r>
-            <a:r>
-              <a:rPr lang="en-US" dirty="0"/>
-              <a:t> if we saw a tombstone</a:t>
-            </a:r>
-          </a:p>
-          <a:p>
-            <a:pPr lvl="2"/>
-            <a:r>
-              <a:rPr lang="en-US" dirty="0"/>
-              <a:t>Set </a:t>
-            </a:r>
-            <a:r>
-              <a:rPr lang="en-US" dirty="0">
-                <a:latin typeface="Consolas" panose="020B0609020204030204" pitchFamily="49" charset="0"/>
-              </a:rPr>
-              <a:t>table[x] = </a:t>
-            </a:r>
-            <a:r>
-              <a:rPr lang="en-US" dirty="0" err="1">
-                <a:latin typeface="Consolas" panose="020B0609020204030204" pitchFamily="49" charset="0"/>
-              </a:rPr>
-              <a:t>k,v</a:t>
-            </a:r>
-            <a:r>
-              <a:rPr lang="en-US" dirty="0"/>
-              <a:t> otherwise</a:t>
-            </a:r>
-          </a:p>
-        </p:txBody>
-      </p:sp>
-      <p:grpSp>
-        <p:nvGrpSpPr>
-          <p:cNvPr id="4" name="Group 3">
-            <a:extLst>
-              <a:ext uri="{FF2B5EF4-FFF2-40B4-BE49-F238E27FC236}">
-                <a16:creationId xmlns:a16="http://schemas.microsoft.com/office/drawing/2014/main" id="{A7F5364F-88DC-3F96-2BC8-BAFA44EC14BE}"/>
-              </a:ext>
-            </a:extLst>
-          </p:cNvPr>
-          <p:cNvGrpSpPr/>
-          <p:nvPr/>
-        </p:nvGrpSpPr>
-        <p:grpSpPr>
-          <a:xfrm>
-            <a:off x="2895600" y="5467983"/>
-            <a:ext cx="6400800" cy="1097280"/>
-            <a:chOff x="4953000" y="660717"/>
-            <a:chExt cx="6400800" cy="1097280"/>
-          </a:xfrm>
-        </p:grpSpPr>
-        <p:grpSp>
-          <p:nvGrpSpPr>
-            <p:cNvPr id="5" name="Group 4">
-              <a:extLst>
-                <a:ext uri="{FF2B5EF4-FFF2-40B4-BE49-F238E27FC236}">
-                  <a16:creationId xmlns:a16="http://schemas.microsoft.com/office/drawing/2014/main" id="{784DAC70-2D02-4363-C33E-910CC23D54FE}"/>
-                </a:ext>
-              </a:extLst>
-            </p:cNvPr>
-            <p:cNvGrpSpPr/>
-            <p:nvPr/>
-          </p:nvGrpSpPr>
-          <p:grpSpPr>
-            <a:xfrm>
-              <a:off x="4953000" y="660717"/>
-              <a:ext cx="6400800" cy="640080"/>
-              <a:chOff x="2252980" y="5083048"/>
-              <a:chExt cx="6400800" cy="640080"/>
-            </a:xfrm>
-          </p:grpSpPr>
-          <p:sp>
-            <p:nvSpPr>
-              <p:cNvPr id="17" name="Rectangle 16">
-                <a:extLst>
-                  <a:ext uri="{FF2B5EF4-FFF2-40B4-BE49-F238E27FC236}">
-                    <a16:creationId xmlns:a16="http://schemas.microsoft.com/office/drawing/2014/main" id="{313EEE87-6AB8-548B-F84D-F081E8ECF76E}"/>
-                  </a:ext>
-                </a:extLst>
-              </p:cNvPr>
-              <p:cNvSpPr/>
-              <p:nvPr/>
-            </p:nvSpPr>
-            <p:spPr>
-              <a:xfrm>
-                <a:off x="2252980" y="5083048"/>
-                <a:ext cx="640080" cy="640080"/>
-              </a:xfrm>
-              <a:prstGeom prst="rect">
-                <a:avLst/>
-              </a:prstGeom>
-              <a:solidFill>
-                <a:schemeClr val="bg1"/>
-              </a:solidFill>
-            </p:spPr>
-            <p:style>
-              <a:lnRef idx="2">
-                <a:schemeClr val="accent1">
-                  <a:shade val="15000"/>
-                </a:schemeClr>
-              </a:lnRef>
-              <a:fillRef idx="1">
-                <a:schemeClr val="accent1"/>
-              </a:fillRef>
-              <a:effectRef idx="0">
-                <a:schemeClr val="accent1"/>
-              </a:effectRef>
-              <a:fontRef idx="minor">
-                <a:schemeClr val="lt1"/>
-              </a:fontRef>
-            </p:style>
-            <p:txBody>
-              <a:bodyPr rtlCol="0" anchor="ctr"/>
-              <a:lstStyle/>
-              <a:p>
-                <a:pPr algn="ctr"/>
-                <a:endParaRPr lang="en-US" sz="2800" dirty="0">
-                  <a:solidFill>
-                    <a:schemeClr val="tx1"/>
-                  </a:solidFill>
-                </a:endParaRPr>
-              </a:p>
-            </p:txBody>
-          </p:sp>
-          <p:sp>
-            <p:nvSpPr>
-              <p:cNvPr id="18" name="Rectangle 17">
-                <a:extLst>
-                  <a:ext uri="{FF2B5EF4-FFF2-40B4-BE49-F238E27FC236}">
-                    <a16:creationId xmlns:a16="http://schemas.microsoft.com/office/drawing/2014/main" id="{84FFA859-CE6A-3363-4D19-9CAB7D56F053}"/>
-                  </a:ext>
-                </a:extLst>
-              </p:cNvPr>
-              <p:cNvSpPr/>
-              <p:nvPr/>
-            </p:nvSpPr>
-            <p:spPr>
-              <a:xfrm>
-                <a:off x="2893060" y="5083048"/>
-                <a:ext cx="640080" cy="640080"/>
-              </a:xfrm>
-              <a:prstGeom prst="rect">
-                <a:avLst/>
-              </a:prstGeom>
-              <a:solidFill>
-                <a:schemeClr val="bg1"/>
-              </a:solidFill>
-            </p:spPr>
-            <p:style>
-              <a:lnRef idx="2">
-                <a:schemeClr val="accent1">
-                  <a:shade val="15000"/>
-                </a:schemeClr>
-              </a:lnRef>
-              <a:fillRef idx="1">
-                <a:schemeClr val="accent1"/>
-              </a:fillRef>
-              <a:effectRef idx="0">
-                <a:schemeClr val="accent1"/>
-              </a:effectRef>
-              <a:fontRef idx="minor">
-                <a:schemeClr val="lt1"/>
-              </a:fontRef>
-            </p:style>
-            <p:txBody>
-              <a:bodyPr rtlCol="0" anchor="ctr"/>
-              <a:lstStyle/>
-              <a:p>
-                <a:pPr algn="ctr"/>
-                <a:endParaRPr lang="en-US" sz="2800" dirty="0">
-                  <a:solidFill>
-                    <a:schemeClr val="tx1"/>
-                  </a:solidFill>
-                </a:endParaRPr>
-              </a:p>
-            </p:txBody>
-          </p:sp>
-          <p:sp>
-            <p:nvSpPr>
-              <p:cNvPr id="19" name="Rectangle 18">
-                <a:extLst>
-                  <a:ext uri="{FF2B5EF4-FFF2-40B4-BE49-F238E27FC236}">
-                    <a16:creationId xmlns:a16="http://schemas.microsoft.com/office/drawing/2014/main" id="{0627DBA0-51B9-2EDB-EBA7-1E4A030D3BD3}"/>
-                  </a:ext>
-                </a:extLst>
-              </p:cNvPr>
-              <p:cNvSpPr/>
-              <p:nvPr/>
-            </p:nvSpPr>
-            <p:spPr>
-              <a:xfrm>
-                <a:off x="3533140" y="5083048"/>
-                <a:ext cx="640080" cy="640080"/>
-              </a:xfrm>
-              <a:prstGeom prst="rect">
-                <a:avLst/>
-              </a:prstGeom>
-              <a:solidFill>
-                <a:schemeClr val="bg1"/>
-              </a:solidFill>
-            </p:spPr>
-            <p:style>
-              <a:lnRef idx="2">
-                <a:schemeClr val="accent1">
-                  <a:shade val="15000"/>
-                </a:schemeClr>
-              </a:lnRef>
-              <a:fillRef idx="1">
-                <a:schemeClr val="accent1"/>
-              </a:fillRef>
-              <a:effectRef idx="0">
-                <a:schemeClr val="accent1"/>
-              </a:effectRef>
-              <a:fontRef idx="minor">
-                <a:schemeClr val="lt1"/>
-              </a:fontRef>
-            </p:style>
-            <p:txBody>
-              <a:bodyPr rtlCol="0" anchor="ctr"/>
-              <a:lstStyle/>
-              <a:p>
-                <a:pPr algn="ctr"/>
-                <a:endParaRPr lang="en-US" sz="2800" dirty="0">
-                  <a:solidFill>
-                    <a:schemeClr val="tx1"/>
-                  </a:solidFill>
-                </a:endParaRPr>
-              </a:p>
-            </p:txBody>
-          </p:sp>
-          <p:sp>
-            <p:nvSpPr>
-              <p:cNvPr id="20" name="Rectangle 19">
-                <a:extLst>
-                  <a:ext uri="{FF2B5EF4-FFF2-40B4-BE49-F238E27FC236}">
-                    <a16:creationId xmlns:a16="http://schemas.microsoft.com/office/drawing/2014/main" id="{54B5109F-FED7-B365-433C-F0CF16F73FD8}"/>
-                  </a:ext>
-                </a:extLst>
-              </p:cNvPr>
-              <p:cNvSpPr/>
-              <p:nvPr/>
-            </p:nvSpPr>
-            <p:spPr>
-              <a:xfrm>
-                <a:off x="4173220" y="5083048"/>
-                <a:ext cx="640080" cy="640080"/>
-              </a:xfrm>
-              <a:prstGeom prst="rect">
-                <a:avLst/>
-              </a:prstGeom>
-              <a:solidFill>
-                <a:schemeClr val="bg1"/>
-              </a:solidFill>
-            </p:spPr>
-            <p:style>
-              <a:lnRef idx="2">
-                <a:schemeClr val="accent1">
-                  <a:shade val="15000"/>
-                </a:schemeClr>
-              </a:lnRef>
-              <a:fillRef idx="1">
-                <a:schemeClr val="accent1"/>
-              </a:fillRef>
-              <a:effectRef idx="0">
-                <a:schemeClr val="accent1"/>
-              </a:effectRef>
-              <a:fontRef idx="minor">
-                <a:schemeClr val="lt1"/>
-              </a:fontRef>
-            </p:style>
-            <p:txBody>
-              <a:bodyPr rtlCol="0" anchor="ctr"/>
-              <a:lstStyle/>
-              <a:p>
-                <a:pPr algn="ctr"/>
-                <a:endParaRPr lang="en-US" sz="2800" dirty="0">
-                  <a:solidFill>
-                    <a:schemeClr val="tx1"/>
-                  </a:solidFill>
-                </a:endParaRPr>
-              </a:p>
-            </p:txBody>
-          </p:sp>
-          <p:sp>
-            <p:nvSpPr>
-              <p:cNvPr id="21" name="Rectangle 20">
-                <a:extLst>
-                  <a:ext uri="{FF2B5EF4-FFF2-40B4-BE49-F238E27FC236}">
-                    <a16:creationId xmlns:a16="http://schemas.microsoft.com/office/drawing/2014/main" id="{7C3AF265-E570-4D67-F01B-B938693539B6}"/>
-                  </a:ext>
-                </a:extLst>
-              </p:cNvPr>
-              <p:cNvSpPr/>
-              <p:nvPr/>
-            </p:nvSpPr>
-            <p:spPr>
-              <a:xfrm>
-                <a:off x="4813300" y="5083048"/>
-                <a:ext cx="640080" cy="640080"/>
-              </a:xfrm>
-              <a:prstGeom prst="rect">
-                <a:avLst/>
-              </a:prstGeom>
-              <a:solidFill>
-                <a:schemeClr val="bg1"/>
-              </a:solidFill>
-            </p:spPr>
-            <p:style>
-              <a:lnRef idx="2">
-                <a:schemeClr val="accent1">
-                  <a:shade val="15000"/>
-                </a:schemeClr>
-              </a:lnRef>
-              <a:fillRef idx="1">
-                <a:schemeClr val="accent1"/>
-              </a:fillRef>
-              <a:effectRef idx="0">
-                <a:schemeClr val="accent1"/>
-              </a:effectRef>
-              <a:fontRef idx="minor">
-                <a:schemeClr val="lt1"/>
-              </a:fontRef>
-            </p:style>
-            <p:txBody>
-              <a:bodyPr rtlCol="0" anchor="ctr"/>
-              <a:lstStyle/>
-              <a:p>
-                <a:pPr algn="ctr"/>
-                <a:endParaRPr lang="en-US" sz="2800" dirty="0">
-                  <a:solidFill>
-                    <a:schemeClr val="tx1"/>
-                  </a:solidFill>
-                </a:endParaRPr>
-              </a:p>
-            </p:txBody>
-          </p:sp>
-          <p:sp>
-            <p:nvSpPr>
-              <p:cNvPr id="22" name="Rectangle 21">
-                <a:extLst>
-                  <a:ext uri="{FF2B5EF4-FFF2-40B4-BE49-F238E27FC236}">
-                    <a16:creationId xmlns:a16="http://schemas.microsoft.com/office/drawing/2014/main" id="{491A2D82-FDC4-EA2F-2A43-D14EA4AA9250}"/>
-                  </a:ext>
-                </a:extLst>
-              </p:cNvPr>
-              <p:cNvSpPr/>
-              <p:nvPr/>
-            </p:nvSpPr>
-            <p:spPr>
-              <a:xfrm>
-                <a:off x="5453380" y="5083048"/>
-                <a:ext cx="640080" cy="640080"/>
-              </a:xfrm>
-              <a:prstGeom prst="rect">
-                <a:avLst/>
-              </a:prstGeom>
-              <a:solidFill>
-                <a:schemeClr val="bg1"/>
-              </a:solidFill>
-            </p:spPr>
-            <p:style>
-              <a:lnRef idx="2">
-                <a:schemeClr val="accent1">
-                  <a:shade val="15000"/>
-                </a:schemeClr>
-              </a:lnRef>
-              <a:fillRef idx="1">
-                <a:schemeClr val="accent1"/>
-              </a:fillRef>
-              <a:effectRef idx="0">
-                <a:schemeClr val="accent1"/>
-              </a:effectRef>
-              <a:fontRef idx="minor">
-                <a:schemeClr val="lt1"/>
-              </a:fontRef>
-            </p:style>
-            <p:txBody>
-              <a:bodyPr rtlCol="0" anchor="ctr"/>
-              <a:lstStyle/>
-              <a:p>
-                <a:pPr algn="ctr"/>
-                <a:endParaRPr lang="en-US" sz="2800" dirty="0">
-                  <a:solidFill>
-                    <a:schemeClr val="tx1"/>
-                  </a:solidFill>
-                </a:endParaRPr>
-              </a:p>
-            </p:txBody>
-          </p:sp>
-          <p:sp>
-            <p:nvSpPr>
-              <p:cNvPr id="23" name="Rectangle 22">
-                <a:extLst>
-                  <a:ext uri="{FF2B5EF4-FFF2-40B4-BE49-F238E27FC236}">
-                    <a16:creationId xmlns:a16="http://schemas.microsoft.com/office/drawing/2014/main" id="{DDEA582E-177A-FEBE-3F05-79B2349E7EED}"/>
-                  </a:ext>
-                </a:extLst>
-              </p:cNvPr>
-              <p:cNvSpPr/>
-              <p:nvPr/>
-            </p:nvSpPr>
-            <p:spPr>
-              <a:xfrm>
-                <a:off x="6093460" y="5083048"/>
-                <a:ext cx="640080" cy="640080"/>
-              </a:xfrm>
-              <a:prstGeom prst="rect">
-                <a:avLst/>
-              </a:prstGeom>
-              <a:solidFill>
-                <a:schemeClr val="bg1"/>
-              </a:solidFill>
-            </p:spPr>
-            <p:style>
-              <a:lnRef idx="2">
-                <a:schemeClr val="accent1">
-                  <a:shade val="15000"/>
-                </a:schemeClr>
-              </a:lnRef>
-              <a:fillRef idx="1">
-                <a:schemeClr val="accent1"/>
-              </a:fillRef>
-              <a:effectRef idx="0">
-                <a:schemeClr val="accent1"/>
-              </a:effectRef>
-              <a:fontRef idx="minor">
-                <a:schemeClr val="lt1"/>
-              </a:fontRef>
-            </p:style>
-            <p:txBody>
-              <a:bodyPr rtlCol="0" anchor="ctr"/>
-              <a:lstStyle/>
-              <a:p>
-                <a:pPr algn="ctr"/>
-                <a:endParaRPr lang="en-US" sz="2800" dirty="0">
-                  <a:solidFill>
-                    <a:schemeClr val="tx1"/>
-                  </a:solidFill>
-                </a:endParaRPr>
-              </a:p>
-            </p:txBody>
-          </p:sp>
-          <p:sp>
-            <p:nvSpPr>
-              <p:cNvPr id="24" name="Rectangle 23">
-                <a:extLst>
-                  <a:ext uri="{FF2B5EF4-FFF2-40B4-BE49-F238E27FC236}">
-                    <a16:creationId xmlns:a16="http://schemas.microsoft.com/office/drawing/2014/main" id="{9A7DDDD4-8D2E-F314-F507-8FA0016B4B5C}"/>
-                  </a:ext>
-                </a:extLst>
-              </p:cNvPr>
-              <p:cNvSpPr/>
-              <p:nvPr/>
-            </p:nvSpPr>
-            <p:spPr>
-              <a:xfrm>
-                <a:off x="6733540" y="5083048"/>
-                <a:ext cx="640080" cy="640080"/>
-              </a:xfrm>
-              <a:prstGeom prst="rect">
-                <a:avLst/>
-              </a:prstGeom>
-              <a:solidFill>
-                <a:schemeClr val="bg1"/>
-              </a:solidFill>
-            </p:spPr>
-            <p:style>
-              <a:lnRef idx="2">
-                <a:schemeClr val="accent1">
-                  <a:shade val="15000"/>
-                </a:schemeClr>
-              </a:lnRef>
-              <a:fillRef idx="1">
-                <a:schemeClr val="accent1"/>
-              </a:fillRef>
-              <a:effectRef idx="0">
-                <a:schemeClr val="accent1"/>
-              </a:effectRef>
-              <a:fontRef idx="minor">
-                <a:schemeClr val="lt1"/>
-              </a:fontRef>
-            </p:style>
-            <p:txBody>
-              <a:bodyPr rtlCol="0" anchor="ctr"/>
-              <a:lstStyle/>
-              <a:p>
-                <a:pPr algn="ctr"/>
-                <a:endParaRPr lang="en-US" sz="2800" dirty="0">
-                  <a:solidFill>
-                    <a:schemeClr val="tx1"/>
-                  </a:solidFill>
-                </a:endParaRPr>
-              </a:p>
-            </p:txBody>
-          </p:sp>
-          <p:sp>
-            <p:nvSpPr>
-              <p:cNvPr id="25" name="Rectangle 24">
-                <a:extLst>
-                  <a:ext uri="{FF2B5EF4-FFF2-40B4-BE49-F238E27FC236}">
-                    <a16:creationId xmlns:a16="http://schemas.microsoft.com/office/drawing/2014/main" id="{CF9000BC-81DC-CE44-03EB-CDF8D357E516}"/>
-                  </a:ext>
-                </a:extLst>
-              </p:cNvPr>
-              <p:cNvSpPr/>
-              <p:nvPr/>
-            </p:nvSpPr>
-            <p:spPr>
-              <a:xfrm>
-                <a:off x="7373620" y="5083048"/>
-                <a:ext cx="640080" cy="640080"/>
-              </a:xfrm>
-              <a:prstGeom prst="rect">
-                <a:avLst/>
-              </a:prstGeom>
-              <a:solidFill>
-                <a:schemeClr val="bg1"/>
-              </a:solidFill>
-            </p:spPr>
-            <p:style>
-              <a:lnRef idx="2">
-                <a:schemeClr val="accent1">
-                  <a:shade val="15000"/>
-                </a:schemeClr>
-              </a:lnRef>
-              <a:fillRef idx="1">
-                <a:schemeClr val="accent1"/>
-              </a:fillRef>
-              <a:effectRef idx="0">
-                <a:schemeClr val="accent1"/>
-              </a:effectRef>
-              <a:fontRef idx="minor">
-                <a:schemeClr val="lt1"/>
-              </a:fontRef>
-            </p:style>
-            <p:txBody>
-              <a:bodyPr rtlCol="0" anchor="ctr"/>
-              <a:lstStyle/>
-              <a:p>
-                <a:pPr algn="ctr"/>
-                <a:endParaRPr lang="en-US" sz="2800" dirty="0">
-                  <a:solidFill>
-                    <a:schemeClr val="tx1"/>
-                  </a:solidFill>
-                </a:endParaRPr>
-              </a:p>
-            </p:txBody>
-          </p:sp>
-          <p:sp>
-            <p:nvSpPr>
-              <p:cNvPr id="26" name="Rectangle 25">
-                <a:extLst>
-                  <a:ext uri="{FF2B5EF4-FFF2-40B4-BE49-F238E27FC236}">
-                    <a16:creationId xmlns:a16="http://schemas.microsoft.com/office/drawing/2014/main" id="{5DF3124B-193F-D905-24FE-C943F42B8A33}"/>
-                  </a:ext>
-                </a:extLst>
-              </p:cNvPr>
-              <p:cNvSpPr/>
-              <p:nvPr/>
-            </p:nvSpPr>
-            <p:spPr>
-              <a:xfrm>
-                <a:off x="8013700" y="5083048"/>
-                <a:ext cx="640080" cy="640080"/>
-              </a:xfrm>
-              <a:prstGeom prst="rect">
-                <a:avLst/>
-              </a:prstGeom>
-              <a:solidFill>
-                <a:schemeClr val="bg1"/>
-              </a:solidFill>
-            </p:spPr>
-            <p:style>
-              <a:lnRef idx="2">
-                <a:schemeClr val="accent1">
-                  <a:shade val="15000"/>
-                </a:schemeClr>
-              </a:lnRef>
-              <a:fillRef idx="1">
-                <a:schemeClr val="accent1"/>
-              </a:fillRef>
-              <a:effectRef idx="0">
-                <a:schemeClr val="accent1"/>
-              </a:effectRef>
-              <a:fontRef idx="minor">
-                <a:schemeClr val="lt1"/>
-              </a:fontRef>
-            </p:style>
-            <p:txBody>
-              <a:bodyPr rtlCol="0" anchor="ctr"/>
-              <a:lstStyle/>
-              <a:p>
-                <a:pPr algn="ctr"/>
-                <a:endParaRPr lang="en-US" sz="2800" dirty="0">
-                  <a:solidFill>
-                    <a:schemeClr val="tx1"/>
-                  </a:solidFill>
-                </a:endParaRPr>
-              </a:p>
-            </p:txBody>
-          </p:sp>
-        </p:grpSp>
-        <p:grpSp>
-          <p:nvGrpSpPr>
-            <p:cNvPr id="6" name="Group 5">
-              <a:extLst>
-                <a:ext uri="{FF2B5EF4-FFF2-40B4-BE49-F238E27FC236}">
-                  <a16:creationId xmlns:a16="http://schemas.microsoft.com/office/drawing/2014/main" id="{56F3B3C3-578B-F0CF-7FDA-4D658EACB546}"/>
-                </a:ext>
-              </a:extLst>
-            </p:cNvPr>
-            <p:cNvGrpSpPr/>
-            <p:nvPr/>
-          </p:nvGrpSpPr>
-          <p:grpSpPr>
-            <a:xfrm>
-              <a:off x="4953000" y="1117917"/>
-              <a:ext cx="6400800" cy="640080"/>
-              <a:chOff x="2252980" y="5083048"/>
-              <a:chExt cx="6400800" cy="640080"/>
-            </a:xfrm>
-            <a:noFill/>
-          </p:grpSpPr>
-          <p:sp>
-            <p:nvSpPr>
-              <p:cNvPr id="7" name="Rectangle 6">
-                <a:extLst>
-                  <a:ext uri="{FF2B5EF4-FFF2-40B4-BE49-F238E27FC236}">
-                    <a16:creationId xmlns:a16="http://schemas.microsoft.com/office/drawing/2014/main" id="{5ECA0DCD-68D5-0470-BBE4-88793B346E25}"/>
-                  </a:ext>
-                </a:extLst>
-              </p:cNvPr>
-              <p:cNvSpPr/>
-              <p:nvPr/>
-            </p:nvSpPr>
-            <p:spPr>
-              <a:xfrm>
-                <a:off x="2252980" y="5083048"/>
-                <a:ext cx="640080" cy="640080"/>
-              </a:xfrm>
-              <a:prstGeom prst="rect">
-                <a:avLst/>
-              </a:prstGeom>
-              <a:grpFill/>
-              <a:ln>
-                <a:noFill/>
-              </a:ln>
-            </p:spPr>
-            <p:style>
-              <a:lnRef idx="2">
-                <a:schemeClr val="accent1">
-                  <a:shade val="15000"/>
-                </a:schemeClr>
-              </a:lnRef>
-              <a:fillRef idx="1">
-                <a:schemeClr val="accent1"/>
-              </a:fillRef>
-              <a:effectRef idx="0">
-                <a:schemeClr val="accent1"/>
-              </a:effectRef>
-              <a:fontRef idx="minor">
-                <a:schemeClr val="lt1"/>
-              </a:fontRef>
-            </p:style>
-            <p:txBody>
-              <a:bodyPr rtlCol="0" anchor="ctr"/>
-              <a:lstStyle/>
-              <a:p>
-                <a:pPr algn="ctr"/>
-                <a:r>
-                  <a:rPr lang="en-US" sz="2800" dirty="0">
-                    <a:solidFill>
-                      <a:schemeClr val="tx1"/>
-                    </a:solidFill>
-                  </a:rPr>
-                  <a:t>0</a:t>
-                </a:r>
-              </a:p>
-            </p:txBody>
-          </p:sp>
-          <p:sp>
-            <p:nvSpPr>
-              <p:cNvPr id="8" name="Rectangle 7">
-                <a:extLst>
-                  <a:ext uri="{FF2B5EF4-FFF2-40B4-BE49-F238E27FC236}">
-                    <a16:creationId xmlns:a16="http://schemas.microsoft.com/office/drawing/2014/main" id="{049C5070-60AB-1BF9-E768-8ADCF618F29D}"/>
-                  </a:ext>
-                </a:extLst>
-              </p:cNvPr>
-              <p:cNvSpPr/>
-              <p:nvPr/>
-            </p:nvSpPr>
-            <p:spPr>
-              <a:xfrm>
-                <a:off x="2893060" y="5083048"/>
-                <a:ext cx="640080" cy="640080"/>
-              </a:xfrm>
-              <a:prstGeom prst="rect">
-                <a:avLst/>
-              </a:prstGeom>
-              <a:grpFill/>
-              <a:ln>
-                <a:noFill/>
-              </a:ln>
-            </p:spPr>
-            <p:style>
-              <a:lnRef idx="2">
-                <a:schemeClr val="accent1">
-                  <a:shade val="15000"/>
-                </a:schemeClr>
-              </a:lnRef>
-              <a:fillRef idx="1">
-                <a:schemeClr val="accent1"/>
-              </a:fillRef>
-              <a:effectRef idx="0">
-                <a:schemeClr val="accent1"/>
-              </a:effectRef>
-              <a:fontRef idx="minor">
-                <a:schemeClr val="lt1"/>
-              </a:fontRef>
-            </p:style>
-            <p:txBody>
-              <a:bodyPr rtlCol="0" anchor="ctr"/>
-              <a:lstStyle/>
-              <a:p>
-                <a:pPr algn="ctr"/>
-                <a:r>
-                  <a:rPr lang="en-US" sz="2800" dirty="0">
-                    <a:solidFill>
-                      <a:schemeClr val="tx1"/>
-                    </a:solidFill>
-                  </a:rPr>
-                  <a:t>1</a:t>
-                </a:r>
-              </a:p>
-            </p:txBody>
-          </p:sp>
-          <p:sp>
-            <p:nvSpPr>
-              <p:cNvPr id="9" name="Rectangle 8">
-                <a:extLst>
-                  <a:ext uri="{FF2B5EF4-FFF2-40B4-BE49-F238E27FC236}">
-                    <a16:creationId xmlns:a16="http://schemas.microsoft.com/office/drawing/2014/main" id="{7ABDDB81-53DE-3741-D996-1F287A6DDDBA}"/>
-                  </a:ext>
-                </a:extLst>
-              </p:cNvPr>
-              <p:cNvSpPr/>
-              <p:nvPr/>
-            </p:nvSpPr>
-            <p:spPr>
-              <a:xfrm>
-                <a:off x="3533140" y="5083048"/>
-                <a:ext cx="640080" cy="640080"/>
-              </a:xfrm>
-              <a:prstGeom prst="rect">
-                <a:avLst/>
-              </a:prstGeom>
-              <a:grpFill/>
-              <a:ln>
-                <a:noFill/>
-              </a:ln>
-            </p:spPr>
-            <p:style>
-              <a:lnRef idx="2">
-                <a:schemeClr val="accent1">
-                  <a:shade val="15000"/>
-                </a:schemeClr>
-              </a:lnRef>
-              <a:fillRef idx="1">
-                <a:schemeClr val="accent1"/>
-              </a:fillRef>
-              <a:effectRef idx="0">
-                <a:schemeClr val="accent1"/>
-              </a:effectRef>
-              <a:fontRef idx="minor">
-                <a:schemeClr val="lt1"/>
-              </a:fontRef>
-            </p:style>
-            <p:txBody>
-              <a:bodyPr rtlCol="0" anchor="ctr"/>
-              <a:lstStyle/>
-              <a:p>
-                <a:pPr algn="ctr"/>
-                <a:r>
-                  <a:rPr lang="en-US" sz="2800" dirty="0">
-                    <a:solidFill>
-                      <a:schemeClr val="tx1"/>
-                    </a:solidFill>
-                  </a:rPr>
-                  <a:t>2</a:t>
-                </a:r>
-              </a:p>
-            </p:txBody>
-          </p:sp>
-          <p:sp>
-            <p:nvSpPr>
-              <p:cNvPr id="10" name="Rectangle 9">
-                <a:extLst>
-                  <a:ext uri="{FF2B5EF4-FFF2-40B4-BE49-F238E27FC236}">
-                    <a16:creationId xmlns:a16="http://schemas.microsoft.com/office/drawing/2014/main" id="{1A6C8874-6AA8-354F-33B5-648D0C65EEE2}"/>
-                  </a:ext>
-                </a:extLst>
-              </p:cNvPr>
-              <p:cNvSpPr/>
-              <p:nvPr/>
-            </p:nvSpPr>
-            <p:spPr>
-              <a:xfrm>
-                <a:off x="4173220" y="5083048"/>
-                <a:ext cx="640080" cy="640080"/>
-              </a:xfrm>
-              <a:prstGeom prst="rect">
-                <a:avLst/>
-              </a:prstGeom>
-              <a:grpFill/>
-              <a:ln>
-                <a:noFill/>
-              </a:ln>
-            </p:spPr>
-            <p:style>
-              <a:lnRef idx="2">
-                <a:schemeClr val="accent1">
-                  <a:shade val="15000"/>
-                </a:schemeClr>
-              </a:lnRef>
-              <a:fillRef idx="1">
-                <a:schemeClr val="accent1"/>
-              </a:fillRef>
-              <a:effectRef idx="0">
-                <a:schemeClr val="accent1"/>
-              </a:effectRef>
-              <a:fontRef idx="minor">
-                <a:schemeClr val="lt1"/>
-              </a:fontRef>
-            </p:style>
-            <p:txBody>
-              <a:bodyPr rtlCol="0" anchor="ctr"/>
-              <a:lstStyle/>
-              <a:p>
-                <a:pPr algn="ctr"/>
-                <a:r>
-                  <a:rPr lang="en-US" sz="2800" dirty="0">
-                    <a:solidFill>
-                      <a:schemeClr val="tx1"/>
-                    </a:solidFill>
-                  </a:rPr>
-                  <a:t>3</a:t>
-                </a:r>
-              </a:p>
-            </p:txBody>
-          </p:sp>
-          <p:sp>
-            <p:nvSpPr>
-              <p:cNvPr id="11" name="Rectangle 10">
-                <a:extLst>
-                  <a:ext uri="{FF2B5EF4-FFF2-40B4-BE49-F238E27FC236}">
-                    <a16:creationId xmlns:a16="http://schemas.microsoft.com/office/drawing/2014/main" id="{6790C2C0-54CD-8E8A-29F1-4E4245996583}"/>
-                  </a:ext>
-                </a:extLst>
-              </p:cNvPr>
-              <p:cNvSpPr/>
-              <p:nvPr/>
-            </p:nvSpPr>
-            <p:spPr>
-              <a:xfrm>
-                <a:off x="4813300" y="5083048"/>
-                <a:ext cx="640080" cy="640080"/>
-              </a:xfrm>
-              <a:prstGeom prst="rect">
-                <a:avLst/>
-              </a:prstGeom>
-              <a:grpFill/>
-              <a:ln>
-                <a:noFill/>
-              </a:ln>
-            </p:spPr>
-            <p:style>
-              <a:lnRef idx="2">
-                <a:schemeClr val="accent1">
-                  <a:shade val="15000"/>
-                </a:schemeClr>
-              </a:lnRef>
-              <a:fillRef idx="1">
-                <a:schemeClr val="accent1"/>
-              </a:fillRef>
-              <a:effectRef idx="0">
-                <a:schemeClr val="accent1"/>
-              </a:effectRef>
-              <a:fontRef idx="minor">
-                <a:schemeClr val="lt1"/>
-              </a:fontRef>
-            </p:style>
-            <p:txBody>
-              <a:bodyPr rtlCol="0" anchor="ctr"/>
-              <a:lstStyle/>
-              <a:p>
-                <a:pPr algn="ctr"/>
-                <a:r>
-                  <a:rPr lang="en-US" sz="2800" dirty="0">
-                    <a:solidFill>
-                      <a:schemeClr val="tx1"/>
-                    </a:solidFill>
-                  </a:rPr>
-                  <a:t>4</a:t>
-                </a:r>
-              </a:p>
-            </p:txBody>
-          </p:sp>
-          <p:sp>
-            <p:nvSpPr>
-              <p:cNvPr id="12" name="Rectangle 11">
-                <a:extLst>
-                  <a:ext uri="{FF2B5EF4-FFF2-40B4-BE49-F238E27FC236}">
-                    <a16:creationId xmlns:a16="http://schemas.microsoft.com/office/drawing/2014/main" id="{777B6A59-79DD-E078-29A8-28E65E272796}"/>
-                  </a:ext>
-                </a:extLst>
-              </p:cNvPr>
-              <p:cNvSpPr/>
-              <p:nvPr/>
-            </p:nvSpPr>
-            <p:spPr>
-              <a:xfrm>
-                <a:off x="5453380" y="5083048"/>
-                <a:ext cx="640080" cy="640080"/>
-              </a:xfrm>
-              <a:prstGeom prst="rect">
-                <a:avLst/>
-              </a:prstGeom>
-              <a:grpFill/>
-              <a:ln>
-                <a:noFill/>
-              </a:ln>
-            </p:spPr>
-            <p:style>
-              <a:lnRef idx="2">
-                <a:schemeClr val="accent1">
-                  <a:shade val="15000"/>
-                </a:schemeClr>
-              </a:lnRef>
-              <a:fillRef idx="1">
-                <a:schemeClr val="accent1"/>
-              </a:fillRef>
-              <a:effectRef idx="0">
-                <a:schemeClr val="accent1"/>
-              </a:effectRef>
-              <a:fontRef idx="minor">
-                <a:schemeClr val="lt1"/>
-              </a:fontRef>
-            </p:style>
-            <p:txBody>
-              <a:bodyPr rtlCol="0" anchor="ctr"/>
-              <a:lstStyle/>
-              <a:p>
-                <a:pPr algn="ctr"/>
-                <a:r>
-                  <a:rPr lang="en-US" sz="2800" dirty="0">
-                    <a:solidFill>
-                      <a:schemeClr val="tx1"/>
-                    </a:solidFill>
-                  </a:rPr>
-                  <a:t>5</a:t>
-                </a:r>
-              </a:p>
-            </p:txBody>
-          </p:sp>
-          <p:sp>
-            <p:nvSpPr>
-              <p:cNvPr id="13" name="Rectangle 12">
-                <a:extLst>
-                  <a:ext uri="{FF2B5EF4-FFF2-40B4-BE49-F238E27FC236}">
-                    <a16:creationId xmlns:a16="http://schemas.microsoft.com/office/drawing/2014/main" id="{2BC9E6AB-C5FC-2724-1BF9-D8BBC6BF709A}"/>
-                  </a:ext>
-                </a:extLst>
-              </p:cNvPr>
-              <p:cNvSpPr/>
-              <p:nvPr/>
-            </p:nvSpPr>
-            <p:spPr>
-              <a:xfrm>
-                <a:off x="6093460" y="5083048"/>
-                <a:ext cx="640080" cy="640080"/>
-              </a:xfrm>
-              <a:prstGeom prst="rect">
-                <a:avLst/>
-              </a:prstGeom>
-              <a:grpFill/>
-              <a:ln>
-                <a:noFill/>
-              </a:ln>
-            </p:spPr>
-            <p:style>
-              <a:lnRef idx="2">
-                <a:schemeClr val="accent1">
-                  <a:shade val="15000"/>
-                </a:schemeClr>
-              </a:lnRef>
-              <a:fillRef idx="1">
-                <a:schemeClr val="accent1"/>
-              </a:fillRef>
-              <a:effectRef idx="0">
-                <a:schemeClr val="accent1"/>
-              </a:effectRef>
-              <a:fontRef idx="minor">
-                <a:schemeClr val="lt1"/>
-              </a:fontRef>
-            </p:style>
-            <p:txBody>
-              <a:bodyPr rtlCol="0" anchor="ctr"/>
-              <a:lstStyle/>
-              <a:p>
-                <a:pPr algn="ctr"/>
-                <a:r>
-                  <a:rPr lang="en-US" sz="2800" dirty="0">
-                    <a:solidFill>
-                      <a:schemeClr val="tx1"/>
-                    </a:solidFill>
-                  </a:rPr>
-                  <a:t>6</a:t>
-                </a:r>
-              </a:p>
-            </p:txBody>
-          </p:sp>
-          <p:sp>
-            <p:nvSpPr>
-              <p:cNvPr id="14" name="Rectangle 13">
-                <a:extLst>
-                  <a:ext uri="{FF2B5EF4-FFF2-40B4-BE49-F238E27FC236}">
-                    <a16:creationId xmlns:a16="http://schemas.microsoft.com/office/drawing/2014/main" id="{9198A0B8-7969-41D6-DAFF-DB99A0ED3CF0}"/>
-                  </a:ext>
-                </a:extLst>
-              </p:cNvPr>
-              <p:cNvSpPr/>
-              <p:nvPr/>
-            </p:nvSpPr>
-            <p:spPr>
-              <a:xfrm>
-                <a:off x="6733540" y="5083048"/>
-                <a:ext cx="640080" cy="640080"/>
-              </a:xfrm>
-              <a:prstGeom prst="rect">
-                <a:avLst/>
-              </a:prstGeom>
-              <a:grpFill/>
-              <a:ln>
-                <a:noFill/>
-              </a:ln>
-            </p:spPr>
-            <p:style>
-              <a:lnRef idx="2">
-                <a:schemeClr val="accent1">
-                  <a:shade val="15000"/>
-                </a:schemeClr>
-              </a:lnRef>
-              <a:fillRef idx="1">
-                <a:schemeClr val="accent1"/>
-              </a:fillRef>
-              <a:effectRef idx="0">
-                <a:schemeClr val="accent1"/>
-              </a:effectRef>
-              <a:fontRef idx="minor">
-                <a:schemeClr val="lt1"/>
-              </a:fontRef>
-            </p:style>
-            <p:txBody>
-              <a:bodyPr rtlCol="0" anchor="ctr"/>
-              <a:lstStyle/>
-              <a:p>
-                <a:pPr algn="ctr"/>
-                <a:r>
-                  <a:rPr lang="en-US" sz="2800" dirty="0">
-                    <a:solidFill>
-                      <a:schemeClr val="tx1"/>
-                    </a:solidFill>
-                  </a:rPr>
-                  <a:t>7</a:t>
-                </a:r>
-              </a:p>
-            </p:txBody>
-          </p:sp>
-          <p:sp>
-            <p:nvSpPr>
-              <p:cNvPr id="15" name="Rectangle 14">
-                <a:extLst>
-                  <a:ext uri="{FF2B5EF4-FFF2-40B4-BE49-F238E27FC236}">
-                    <a16:creationId xmlns:a16="http://schemas.microsoft.com/office/drawing/2014/main" id="{C69979AC-43BC-32F9-927F-21D434B1657C}"/>
-                  </a:ext>
-                </a:extLst>
-              </p:cNvPr>
-              <p:cNvSpPr/>
-              <p:nvPr/>
-            </p:nvSpPr>
-            <p:spPr>
-              <a:xfrm>
-                <a:off x="7373620" y="5083048"/>
-                <a:ext cx="640080" cy="640080"/>
-              </a:xfrm>
-              <a:prstGeom prst="rect">
-                <a:avLst/>
-              </a:prstGeom>
-              <a:grpFill/>
-              <a:ln>
-                <a:noFill/>
-              </a:ln>
-            </p:spPr>
-            <p:style>
-              <a:lnRef idx="2">
-                <a:schemeClr val="accent1">
-                  <a:shade val="15000"/>
-                </a:schemeClr>
-              </a:lnRef>
-              <a:fillRef idx="1">
-                <a:schemeClr val="accent1"/>
-              </a:fillRef>
-              <a:effectRef idx="0">
-                <a:schemeClr val="accent1"/>
-              </a:effectRef>
-              <a:fontRef idx="minor">
-                <a:schemeClr val="lt1"/>
-              </a:fontRef>
-            </p:style>
-            <p:txBody>
-              <a:bodyPr rtlCol="0" anchor="ctr"/>
-              <a:lstStyle/>
-              <a:p>
-                <a:pPr algn="ctr"/>
-                <a:r>
-                  <a:rPr lang="en-US" sz="2800" dirty="0">
-                    <a:solidFill>
-                      <a:schemeClr val="tx1"/>
-                    </a:solidFill>
-                  </a:rPr>
-                  <a:t>8</a:t>
-                </a:r>
-              </a:p>
-            </p:txBody>
-          </p:sp>
-          <p:sp>
-            <p:nvSpPr>
-              <p:cNvPr id="16" name="Rectangle 15">
-                <a:extLst>
-                  <a:ext uri="{FF2B5EF4-FFF2-40B4-BE49-F238E27FC236}">
-                    <a16:creationId xmlns:a16="http://schemas.microsoft.com/office/drawing/2014/main" id="{C3FB1665-49F1-41F3-8E29-06DAC51EBB0E}"/>
-                  </a:ext>
-                </a:extLst>
-              </p:cNvPr>
-              <p:cNvSpPr/>
-              <p:nvPr/>
-            </p:nvSpPr>
-            <p:spPr>
-              <a:xfrm>
-                <a:off x="8013700" y="5083048"/>
-                <a:ext cx="640080" cy="640080"/>
-              </a:xfrm>
-              <a:prstGeom prst="rect">
-                <a:avLst/>
-              </a:prstGeom>
-              <a:grpFill/>
-              <a:ln>
-                <a:noFill/>
-              </a:ln>
-            </p:spPr>
-            <p:style>
-              <a:lnRef idx="2">
-                <a:schemeClr val="accent1">
-                  <a:shade val="15000"/>
-                </a:schemeClr>
-              </a:lnRef>
-              <a:fillRef idx="1">
-                <a:schemeClr val="accent1"/>
-              </a:fillRef>
-              <a:effectRef idx="0">
-                <a:schemeClr val="accent1"/>
-              </a:effectRef>
-              <a:fontRef idx="minor">
-                <a:schemeClr val="lt1"/>
-              </a:fontRef>
-            </p:style>
-            <p:txBody>
-              <a:bodyPr rtlCol="0" anchor="ctr"/>
-              <a:lstStyle/>
-              <a:p>
-                <a:pPr algn="ctr"/>
-                <a:r>
-                  <a:rPr lang="en-US" sz="2800" dirty="0">
-                    <a:solidFill>
-                      <a:schemeClr val="tx1"/>
-                    </a:solidFill>
-                  </a:rPr>
-                  <a:t>9</a:t>
-                </a:r>
-              </a:p>
-            </p:txBody>
-          </p:sp>
-        </p:grpSp>
-      </p:grpSp>
-    </p:spTree>
-    <p:extLst>
-      <p:ext uri="{BB962C8B-B14F-4D97-AF65-F5344CB8AC3E}">
-        <p14:creationId xmlns:p14="http://schemas.microsoft.com/office/powerpoint/2010/main" val="316738748"/>
-      </p:ext>
-    </p:extLst>
-  </p:cSld>
-  <p:clrMapOvr>
-    <a:masterClrMapping/>
-  </p:clrMapOvr>
-</p:sld>
-</file>
-
-<file path=ppt/slides/slide32.xml><?xml version="1.0" encoding="utf-8"?>
-<p:sld xmlns:a="http://schemas.openxmlformats.org/drawingml/2006/main" xmlns:r="http://schemas.openxmlformats.org/officeDocument/2006/relationships" xmlns:p="http://schemas.openxmlformats.org/presentationml/2006/main">
-  <p:cSld>
-    <p:spTree>
-      <p:nvGrpSpPr>
-        <p:cNvPr id="1" name=""/>
-        <p:cNvGrpSpPr/>
-        <p:nvPr/>
-      </p:nvGrpSpPr>
-      <p:grpSpPr>
-        <a:xfrm>
-          <a:off x="0" y="0"/>
-          <a:ext cx="0" cy="0"/>
-          <a:chOff x="0" y="0"/>
-          <a:chExt cx="0" cy="0"/>
-        </a:xfrm>
-      </p:grpSpPr>
-      <p:sp>
-        <p:nvSpPr>
-          <p:cNvPr id="2" name="Title 1">
-            <a:extLst>
-              <a:ext uri="{FF2B5EF4-FFF2-40B4-BE49-F238E27FC236}">
-                <a16:creationId xmlns:a16="http://schemas.microsoft.com/office/drawing/2014/main" id="{9F5FDBF2-63C9-8594-E37F-13EE9BA0ACCA}"/>
-              </a:ext>
-            </a:extLst>
-          </p:cNvPr>
-          <p:cNvSpPr>
-            <a:spLocks noGrp="1"/>
-          </p:cNvSpPr>
-          <p:nvPr>
-            <p:ph type="title"/>
-          </p:nvPr>
-        </p:nvSpPr>
-        <p:spPr/>
-        <p:txBody>
-          <a:bodyPr/>
-          <a:lstStyle/>
-          <a:p>
-            <a:r>
-              <a:rPr lang="en-US" dirty="0"/>
-              <a:t>Downsides of Linear Probing</a:t>
+              <a:t>Quadratic Probing: Insert Procedure</a:t>
             </a:r>
           </a:p>
         </p:txBody>
       </p:sp>
       <mc:AlternateContent xmlns:mc="http://schemas.openxmlformats.org/markup-compatibility/2006" xmlns:a14="http://schemas.microsoft.com/office/drawing/2010/main">
         <mc:Choice Requires="a14">
-          <p:sp>
-            <p:nvSpPr>
-              <p:cNvPr id="3" name="Content Placeholder 2">
-                <a:extLst>
-                  <a:ext uri="{FF2B5EF4-FFF2-40B4-BE49-F238E27FC236}">
-                    <a16:creationId xmlns:a16="http://schemas.microsoft.com/office/drawing/2014/main" id="{9E0D9F20-503B-1CC5-FAAD-15F079F00C56}"/>
-                  </a:ext>
-                </a:extLst>
-              </p:cNvPr>
-              <p:cNvSpPr>
-                <a:spLocks noGrp="1"/>
-              </p:cNvSpPr>
-              <p:nvPr>
-                <p:ph idx="1"/>
-              </p:nvPr>
-            </p:nvSpPr>
-            <p:spPr/>
-            <p:txBody>
-              <a:bodyPr/>
-              <a:lstStyle/>
-              <a:p>
-                <a:r>
-                  <a:rPr lang="en-US" dirty="0"/>
-                  <a:t>What happens when </a:t>
-                </a:r>
-                <a14:m>
-                  <m:oMath xmlns:m="http://schemas.openxmlformats.org/officeDocument/2006/math">
-                    <m:r>
-                      <a:rPr lang="en-US" b="0" i="1" smtClean="0">
-                        <a:latin typeface="Cambria Math" panose="02040503050406030204" pitchFamily="18" charset="0"/>
-                      </a:rPr>
-                      <m:t>𝜆</m:t>
-                    </m:r>
-                  </m:oMath>
-                </a14:m>
-                <a:r>
-                  <a:rPr lang="en-US" dirty="0"/>
-                  <a:t> approaches 1?</a:t>
-                </a:r>
-              </a:p>
-              <a:p>
-                <a:pPr lvl="1"/>
-                <a:r>
-                  <a:rPr lang="en-US" dirty="0"/>
-                  <a:t>Get longer and longer contiguous blocks</a:t>
-                </a:r>
-              </a:p>
-              <a:p>
-                <a:pPr lvl="1"/>
-                <a:r>
-                  <a:rPr lang="en-US" dirty="0"/>
-                  <a:t>A collision is guaranteed to grow a block</a:t>
-                </a:r>
-              </a:p>
-              <a:p>
-                <a:pPr lvl="2"/>
-                <a:r>
-                  <a:rPr lang="en-US" dirty="0"/>
-                  <a:t>Larger blocks experience more collisions</a:t>
-                </a:r>
-              </a:p>
-              <a:p>
-                <a:pPr lvl="2"/>
-                <a:r>
-                  <a:rPr lang="en-US" dirty="0"/>
-                  <a:t>Feedback loop!</a:t>
-                </a:r>
-              </a:p>
-              <a:p>
-                <a:r>
-                  <a:rPr lang="en-US" dirty="0"/>
-                  <a:t>What happens when </a:t>
-                </a:r>
-                <a14:m>
-                  <m:oMath xmlns:m="http://schemas.openxmlformats.org/officeDocument/2006/math">
-                    <m:r>
-                      <a:rPr lang="en-US" b="0" i="1" smtClean="0">
-                        <a:latin typeface="Cambria Math" panose="02040503050406030204" pitchFamily="18" charset="0"/>
-                      </a:rPr>
-                      <m:t>𝜆</m:t>
-                    </m:r>
-                  </m:oMath>
-                </a14:m>
-                <a:r>
-                  <a:rPr lang="en-US" dirty="0"/>
-                  <a:t> exceeds 1?</a:t>
-                </a:r>
-              </a:p>
-              <a:p>
-                <a:pPr lvl="1"/>
-                <a:r>
-                  <a:rPr lang="en-US" dirty="0"/>
-                  <a:t>Impossible!</a:t>
-                </a:r>
-              </a:p>
-              <a:p>
-                <a:pPr lvl="1"/>
-                <a:r>
-                  <a:rPr lang="en-US" dirty="0"/>
-                  <a:t>You can’t insert more stuff</a:t>
-                </a:r>
-              </a:p>
-            </p:txBody>
-          </p:sp>
-        </mc:Choice>
-        <mc:Fallback xmlns="">
-          <p:sp>
-            <p:nvSpPr>
-              <p:cNvPr id="3" name="Content Placeholder 2">
-                <a:extLst>
-                  <a:ext uri="{FF2B5EF4-FFF2-40B4-BE49-F238E27FC236}">
-                    <a16:creationId xmlns:a16="http://schemas.microsoft.com/office/drawing/2014/main" id="{9E0D9F20-503B-1CC5-FAAD-15F079F00C56}"/>
-                  </a:ext>
-                </a:extLst>
-              </p:cNvPr>
-              <p:cNvSpPr>
-                <a:spLocks noGrp="1" noRot="1" noChangeAspect="1" noMove="1" noResize="1" noEditPoints="1" noAdjustHandles="1" noChangeArrowheads="1" noChangeShapeType="1" noTextEdit="1"/>
-              </p:cNvSpPr>
-              <p:nvPr>
-                <p:ph idx="1"/>
-              </p:nvPr>
-            </p:nvSpPr>
-            <p:spPr>
-              <a:blipFill>
-                <a:blip r:embed="rId2"/>
-                <a:stretch>
-                  <a:fillRect l="-1043" t="-2241"/>
-                </a:stretch>
-              </a:blipFill>
-            </p:spPr>
-            <p:txBody>
-              <a:bodyPr/>
-              <a:lstStyle/>
-              <a:p>
-                <a:r>
-                  <a:rPr lang="en-US">
-                    <a:noFill/>
-                  </a:rPr>
-                  <a:t> </a:t>
-                </a:r>
-              </a:p>
-            </p:txBody>
-          </p:sp>
-        </mc:Fallback>
-      </mc:AlternateContent>
-    </p:spTree>
-    <p:extLst>
-      <p:ext uri="{BB962C8B-B14F-4D97-AF65-F5344CB8AC3E}">
-        <p14:creationId xmlns:p14="http://schemas.microsoft.com/office/powerpoint/2010/main" val="20066518"/>
-      </p:ext>
-    </p:extLst>
-  </p:cSld>
-  <p:clrMapOvr>
-    <a:masterClrMapping/>
-  </p:clrMapOvr>
-</p:sld>
-</file>
-
-<file path=ppt/slides/slide33.xml><?xml version="1.0" encoding="utf-8"?>
-<p:sld xmlns:a="http://schemas.openxmlformats.org/drawingml/2006/main" xmlns:r="http://schemas.openxmlformats.org/officeDocument/2006/relationships" xmlns:p="http://schemas.openxmlformats.org/presentationml/2006/main">
-  <p:cSld>
-    <p:spTree>
-      <p:nvGrpSpPr>
-        <p:cNvPr id="1" name=""/>
-        <p:cNvGrpSpPr/>
-        <p:nvPr/>
-      </p:nvGrpSpPr>
-      <p:grpSpPr>
-        <a:xfrm>
-          <a:off x="0" y="0"/>
-          <a:ext cx="0" cy="0"/>
-          <a:chOff x="0" y="0"/>
-          <a:chExt cx="0" cy="0"/>
-        </a:xfrm>
-      </p:grpSpPr>
-      <p:sp>
-        <p:nvSpPr>
-          <p:cNvPr id="2" name="Title 1">
-            <a:extLst>
-              <a:ext uri="{FF2B5EF4-FFF2-40B4-BE49-F238E27FC236}">
-                <a16:creationId xmlns:a16="http://schemas.microsoft.com/office/drawing/2014/main" id="{F74EC209-91E7-39F7-4A4E-647F00B99F44}"/>
-              </a:ext>
-            </a:extLst>
-          </p:cNvPr>
-          <p:cNvSpPr>
-            <a:spLocks noGrp="1"/>
-          </p:cNvSpPr>
-          <p:nvPr>
-            <p:ph type="title"/>
-          </p:nvPr>
-        </p:nvSpPr>
-        <p:spPr/>
-        <p:txBody>
-          <a:bodyPr/>
-          <a:lstStyle/>
-          <a:p>
-            <a:r>
-              <a:rPr lang="en-US" dirty="0"/>
-              <a:t>Quadratic Probing: Insert Procedure</a:t>
-            </a:r>
-          </a:p>
-        </p:txBody>
-      </p:sp>
-      <mc:AlternateContent xmlns:mc="http://schemas.openxmlformats.org/markup-compatibility/2006">
-        <mc:Choice xmlns:a14="http://schemas.microsoft.com/office/drawing/2010/main" Requires="a14">
           <p:sp>
             <p:nvSpPr>
               <p:cNvPr id="3" name="Content Placeholder 2">
@@ -39130,7 +36461,7 @@
             </p:txBody>
           </p:sp>
         </mc:Choice>
-        <mc:Fallback>
+        <mc:Fallback xmlns="">
           <p:sp>
             <p:nvSpPr>
               <p:cNvPr id="3" name="Content Placeholder 2">
@@ -40347,7 +37678,7 @@
 </p:sld>
 </file>
 
-<file path=ppt/slides/slide34.xml><?xml version="1.0" encoding="utf-8"?>
+<file path=ppt/slides/slide32.xml><?xml version="1.0" encoding="utf-8"?>
 <p:sld xmlns:a="http://schemas.openxmlformats.org/drawingml/2006/main" xmlns:r="http://schemas.openxmlformats.org/officeDocument/2006/relationships" xmlns:p="http://schemas.openxmlformats.org/presentationml/2006/main">
   <p:cSld>
     <p:spTree>
@@ -41309,7 +38640,7 @@
 </p:sld>
 </file>
 
-<file path=ppt/slides/slide35.xml><?xml version="1.0" encoding="utf-8"?>
+<file path=ppt/slides/slide33.xml><?xml version="1.0" encoding="utf-8"?>
 <p:sld xmlns:a="http://schemas.openxmlformats.org/drawingml/2006/main" xmlns:r="http://schemas.openxmlformats.org/officeDocument/2006/relationships" xmlns:p="http://schemas.openxmlformats.org/presentationml/2006/main">
   <p:cSld>
     <p:spTree>
@@ -41354,8 +38685,8 @@
           </a:p>
         </p:txBody>
       </p:sp>
-      <mc:AlternateContent xmlns:mc="http://schemas.openxmlformats.org/markup-compatibility/2006">
-        <mc:Choice xmlns:a14="http://schemas.microsoft.com/office/drawing/2010/main" Requires="a14">
+      <mc:AlternateContent xmlns:mc="http://schemas.openxmlformats.org/markup-compatibility/2006" xmlns:a14="http://schemas.microsoft.com/office/drawing/2010/main">
+        <mc:Choice Requires="a14">
           <p:sp>
             <p:nvSpPr>
               <p:cNvPr id="3" name="Content Placeholder 2">
@@ -41491,7 +38822,7 @@
             </p:txBody>
           </p:sp>
         </mc:Choice>
-        <mc:Fallback>
+        <mc:Fallback xmlns="">
           <p:sp>
             <p:nvSpPr>
               <p:cNvPr id="3" name="Content Placeholder 2">
@@ -41544,7 +38875,7 @@
 </p:sld>
 </file>
 
-<file path=ppt/slides/slide36.xml><?xml version="1.0" encoding="utf-8"?>
+<file path=ppt/slides/slide34.xml><?xml version="1.0" encoding="utf-8"?>
 <p:sld xmlns:a="http://schemas.openxmlformats.org/drawingml/2006/main" xmlns:r="http://schemas.openxmlformats.org/officeDocument/2006/relationships" xmlns:p="http://schemas.openxmlformats.org/presentationml/2006/main">
   <p:cSld>
     <p:spTree>
